--- a/Build Spider on Cloud.pptx
+++ b/Build Spider on Cloud.pptx
@@ -35,23 +35,25 @@
     <p:sldId id="280" r:id="rId30"/>
     <p:sldId id="281" r:id="rId31"/>
     <p:sldId id="282" r:id="rId32"/>
+    <p:sldId id="283" r:id="rId33"/>
+    <p:sldId id="284" r:id="rId34"/>
   </p:sldIdLst>
   <p:sldSz cy="5143500" cx="9144000"/>
   <p:notesSz cx="6858000" cy="9144000"/>
   <p:embeddedFontLst>
     <p:embeddedFont>
       <p:font typeface="Playfair Display"/>
-      <p:regular r:id="rId33"/>
-      <p:bold r:id="rId34"/>
-      <p:italic r:id="rId35"/>
-      <p:boldItalic r:id="rId36"/>
+      <p:regular r:id="rId35"/>
+      <p:bold r:id="rId36"/>
+      <p:italic r:id="rId37"/>
+      <p:boldItalic r:id="rId38"/>
     </p:embeddedFont>
     <p:embeddedFont>
       <p:font typeface="Lato"/>
-      <p:regular r:id="rId37"/>
-      <p:bold r:id="rId38"/>
-      <p:italic r:id="rId39"/>
-      <p:boldItalic r:id="rId40"/>
+      <p:regular r:id="rId39"/>
+      <p:bold r:id="rId40"/>
+      <p:italic r:id="rId41"/>
+      <p:boldItalic r:id="rId42"/>
     </p:embeddedFont>
   </p:embeddedFontLst>
   <p:defaultTextStyle>
@@ -526,7 +528,7 @@
   <p:cSld>
     <p:spTree>
       <p:nvGrpSpPr>
-        <p:cNvPr id="123" name="Shape 123"/>
+        <p:cNvPr id="114" name="Shape 114"/>
         <p:cNvGrpSpPr/>
         <p:nvPr/>
       </p:nvGrpSpPr>
@@ -540,7 +542,7 @@
       </p:grpSpPr>
       <p:sp>
         <p:nvSpPr>
-          <p:cNvPr id="124" name="Shape 124"/>
+          <p:cNvPr id="115" name="Shape 115"/>
           <p:cNvSpPr/>
           <p:nvPr>
             <p:ph idx="2" type="sldImg"/>
@@ -574,7 +576,7 @@
       </p:sp>
       <p:sp>
         <p:nvSpPr>
-          <p:cNvPr id="125" name="Shape 125"/>
+          <p:cNvPr id="116" name="Shape 116"/>
           <p:cNvSpPr txBox="1"/>
           <p:nvPr>
             <p:ph idx="1" type="body"/>
@@ -603,7 +605,7 @@
             </a:pPr>
             <a:r>
               <a:rPr lang="zh-TW"/>
-              <a:t>Spider directly look at the source of website and retreive needed information</a:t>
+              <a:t>explain the process of rendering a webpage and bring out the topic of html code</a:t>
             </a:r>
           </a:p>
         </p:txBody>
@@ -621,7 +623,7 @@
   <p:cSld>
     <p:spTree>
       <p:nvGrpSpPr>
-        <p:cNvPr id="137" name="Shape 137"/>
+        <p:cNvPr id="129" name="Shape 129"/>
         <p:cNvGrpSpPr/>
         <p:nvPr/>
       </p:nvGrpSpPr>
@@ -635,7 +637,7 @@
       </p:grpSpPr>
       <p:sp>
         <p:nvSpPr>
-          <p:cNvPr id="138" name="Shape 138"/>
+          <p:cNvPr id="130" name="Shape 130"/>
           <p:cNvSpPr/>
           <p:nvPr>
             <p:ph idx="2" type="sldImg"/>
@@ -669,7 +671,7 @@
       </p:sp>
       <p:sp>
         <p:nvSpPr>
-          <p:cNvPr id="139" name="Shape 139"/>
+          <p:cNvPr id="131" name="Shape 131"/>
           <p:cNvSpPr txBox="1"/>
           <p:nvPr>
             <p:ph idx="1" type="body"/>
@@ -697,9 +699,9 @@
               <a:buNone/>
             </a:pPr>
             <a:r>
-              <a:t/>
-            </a:r>
-            <a:endParaRPr/>
+              <a:rPr lang="zh-TW"/>
+              <a:t>Spider directly look at the source of website and retreive needed information</a:t>
+            </a:r>
           </a:p>
         </p:txBody>
       </p:sp>
@@ -1476,7 +1478,7 @@
   <p:cSld>
     <p:spTree>
       <p:nvGrpSpPr>
-        <p:cNvPr id="62" name="Shape 62"/>
+        <p:cNvPr id="63" name="Shape 63"/>
         <p:cNvGrpSpPr/>
         <p:nvPr/>
       </p:nvGrpSpPr>
@@ -1490,7 +1492,7 @@
       </p:grpSpPr>
       <p:sp>
         <p:nvSpPr>
-          <p:cNvPr id="63" name="Shape 63"/>
+          <p:cNvPr id="64" name="Shape 64"/>
           <p:cNvSpPr/>
           <p:nvPr>
             <p:ph idx="2" type="sldImg"/>
@@ -1524,7 +1526,7 @@
       </p:sp>
       <p:sp>
         <p:nvSpPr>
-          <p:cNvPr id="64" name="Shape 64"/>
+          <p:cNvPr id="65" name="Shape 65"/>
           <p:cNvSpPr txBox="1"/>
           <p:nvPr>
             <p:ph idx="1" type="body"/>
@@ -1552,9 +1554,9 @@
               <a:buNone/>
             </a:pPr>
             <a:r>
-              <a:t/>
-            </a:r>
-            <a:endParaRPr/>
+              <a:rPr lang="zh-TW"/>
+              <a:t>Survey on coding experience, python experience, how many people need access to remote server</a:t>
+            </a:r>
           </a:p>
         </p:txBody>
       </p:sp>
@@ -1761,7 +1763,7 @@
   <p:cSld>
     <p:spTree>
       <p:nvGrpSpPr>
-        <p:cNvPr id="207" name="Shape 207"/>
+        <p:cNvPr id="203" name="Shape 203"/>
         <p:cNvGrpSpPr/>
         <p:nvPr/>
       </p:nvGrpSpPr>
@@ -1775,7 +1777,7 @@
       </p:grpSpPr>
       <p:sp>
         <p:nvSpPr>
-          <p:cNvPr id="208" name="Shape 208"/>
+          <p:cNvPr id="204" name="Shape 204"/>
           <p:cNvSpPr/>
           <p:nvPr>
             <p:ph idx="2" type="sldImg"/>
@@ -1809,7 +1811,7 @@
       </p:sp>
       <p:sp>
         <p:nvSpPr>
-          <p:cNvPr id="209" name="Shape 209"/>
+          <p:cNvPr id="205" name="Shape 205"/>
           <p:cNvSpPr txBox="1"/>
           <p:nvPr>
             <p:ph idx="1" type="body"/>
@@ -1830,16 +1832,42 @@
           </a:bodyPr>
           <a:lstStyle/>
           <a:p>
-            <a:pPr lvl="0">
-              <a:spcBef>
-                <a:spcPts val="0"/>
-              </a:spcBef>
-              <a:buNone/>
-            </a:pPr>
-            <a:r>
-              <a:t/>
-            </a:r>
-            <a:endParaRPr/>
+            <a:pPr lvl="0" rtl="0">
+              <a:lnSpc>
+                <a:spcPct val="150000"/>
+              </a:lnSpc>
+              <a:spcBef>
+                <a:spcPts val="0"/>
+              </a:spcBef>
+              <a:buNone/>
+            </a:pPr>
+            <a:r>
+              <a:rPr lang="zh-TW" sz="800">
+                <a:latin typeface="Lato"/>
+                <a:ea typeface="Lato"/>
+                <a:cs typeface="Lato"/>
+                <a:sym typeface="Lato"/>
+              </a:rPr>
+              <a:t>Might mention Chomsky Hierarchy (4 types of formal language):  </a:t>
+            </a:r>
+            <a:r>
+              <a:rPr b="1" lang="zh-TW" sz="800">
+                <a:latin typeface="Lato"/>
+                <a:ea typeface="Lato"/>
+                <a:cs typeface="Lato"/>
+                <a:sym typeface="Lato"/>
+              </a:rPr>
+              <a:t>Regular Language</a:t>
+            </a:r>
+            <a:r>
+              <a:rPr lang="zh-TW" sz="800">
+                <a:latin typeface="Lato"/>
+                <a:ea typeface="Lato"/>
+                <a:cs typeface="Lato"/>
+                <a:sym typeface="Lato"/>
+              </a:rPr>
+              <a:t>, Context-free Language, Context-sensitive Language, Unrestricted Language</a:t>
+            </a:r>
           </a:p>
         </p:txBody>
       </p:sp>
@@ -1856,7 +1884,7 @@
   <p:cSld>
     <p:spTree>
       <p:nvGrpSpPr>
-        <p:cNvPr id="214" name="Shape 214"/>
+        <p:cNvPr id="211" name="Shape 211"/>
         <p:cNvGrpSpPr/>
         <p:nvPr/>
       </p:nvGrpSpPr>
@@ -1870,7 +1898,7 @@
       </p:grpSpPr>
       <p:sp>
         <p:nvSpPr>
-          <p:cNvPr id="215" name="Shape 215"/>
+          <p:cNvPr id="212" name="Shape 212"/>
           <p:cNvSpPr/>
           <p:nvPr>
             <p:ph idx="2" type="sldImg"/>
@@ -1904,7 +1932,7 @@
       </p:sp>
       <p:sp>
         <p:nvSpPr>
-          <p:cNvPr id="216" name="Shape 216"/>
+          <p:cNvPr id="213" name="Shape 213"/>
           <p:cNvSpPr txBox="1"/>
           <p:nvPr>
             <p:ph idx="1" type="body"/>
@@ -1951,7 +1979,7 @@
   <p:cSld>
     <p:spTree>
       <p:nvGrpSpPr>
-        <p:cNvPr id="220" name="Shape 220"/>
+        <p:cNvPr id="218" name="Shape 218"/>
         <p:cNvGrpSpPr/>
         <p:nvPr/>
       </p:nvGrpSpPr>
@@ -1965,7 +1993,7 @@
       </p:grpSpPr>
       <p:sp>
         <p:nvSpPr>
-          <p:cNvPr id="221" name="Shape 221"/>
+          <p:cNvPr id="219" name="Shape 219"/>
           <p:cNvSpPr/>
           <p:nvPr>
             <p:ph idx="2" type="sldImg"/>
@@ -1999,7 +2027,7 @@
       </p:sp>
       <p:sp>
         <p:nvSpPr>
-          <p:cNvPr id="222" name="Shape 222"/>
+          <p:cNvPr id="220" name="Shape 220"/>
           <p:cNvSpPr txBox="1"/>
           <p:nvPr>
             <p:ph idx="1" type="body"/>
@@ -2046,7 +2074,7 @@
   <p:cSld>
     <p:spTree>
       <p:nvGrpSpPr>
-        <p:cNvPr id="226" name="Shape 226"/>
+        <p:cNvPr id="224" name="Shape 224"/>
         <p:cNvGrpSpPr/>
         <p:nvPr/>
       </p:nvGrpSpPr>
@@ -2060,7 +2088,7 @@
       </p:grpSpPr>
       <p:sp>
         <p:nvSpPr>
-          <p:cNvPr id="227" name="Shape 227"/>
+          <p:cNvPr id="225" name="Shape 225"/>
           <p:cNvSpPr/>
           <p:nvPr>
             <p:ph idx="2" type="sldImg"/>
@@ -2094,7 +2122,7 @@
       </p:sp>
       <p:sp>
         <p:nvSpPr>
-          <p:cNvPr id="228" name="Shape 228"/>
+          <p:cNvPr id="226" name="Shape 226"/>
           <p:cNvSpPr txBox="1"/>
           <p:nvPr>
             <p:ph idx="1" type="body"/>
@@ -2141,7 +2169,7 @@
   <p:cSld>
     <p:spTree>
       <p:nvGrpSpPr>
-        <p:cNvPr id="232" name="Shape 232"/>
+        <p:cNvPr id="230" name="Shape 230"/>
         <p:cNvGrpSpPr/>
         <p:nvPr/>
       </p:nvGrpSpPr>
@@ -2155,7 +2183,7 @@
       </p:grpSpPr>
       <p:sp>
         <p:nvSpPr>
-          <p:cNvPr id="233" name="Shape 233"/>
+          <p:cNvPr id="231" name="Shape 231"/>
           <p:cNvSpPr/>
           <p:nvPr>
             <p:ph idx="2" type="sldImg"/>
@@ -2189,7 +2217,7 @@
       </p:sp>
       <p:sp>
         <p:nvSpPr>
-          <p:cNvPr id="234" name="Shape 234"/>
+          <p:cNvPr id="232" name="Shape 232"/>
           <p:cNvSpPr txBox="1"/>
           <p:nvPr>
             <p:ph idx="1" type="body"/>
@@ -2217,9 +2245,9 @@
               <a:buNone/>
             </a:pPr>
             <a:r>
-              <a:rPr lang="zh-TW"/>
-              <a:t>tell them to find a website themselves and try to adapt the given code and crawl back some information</a:t>
-            </a:r>
+              <a:t/>
+            </a:r>
+            <a:endParaRPr/>
           </a:p>
         </p:txBody>
       </p:sp>
@@ -2236,7 +2264,7 @@
   <p:cSld>
     <p:spTree>
       <p:nvGrpSpPr>
-        <p:cNvPr id="238" name="Shape 238"/>
+        <p:cNvPr id="236" name="Shape 236"/>
         <p:cNvGrpSpPr/>
         <p:nvPr/>
       </p:nvGrpSpPr>
@@ -2250,7 +2278,7 @@
       </p:grpSpPr>
       <p:sp>
         <p:nvSpPr>
-          <p:cNvPr id="239" name="Shape 239"/>
+          <p:cNvPr id="237" name="Shape 237"/>
           <p:cNvSpPr/>
           <p:nvPr>
             <p:ph idx="2" type="sldImg"/>
@@ -2284,7 +2312,7 @@
       </p:sp>
       <p:sp>
         <p:nvSpPr>
-          <p:cNvPr id="240" name="Shape 240"/>
+          <p:cNvPr id="238" name="Shape 238"/>
           <p:cNvSpPr txBox="1"/>
           <p:nvPr>
             <p:ph idx="1" type="body"/>
@@ -2312,9 +2340,21 @@
               <a:buNone/>
             </a:pPr>
             <a:r>
-              <a:t/>
-            </a:r>
-            <a:endParaRPr/>
+              <a:rPr lang="zh-TW"/>
+              <a:t>tell them to find a website themselves and try to adapt the given code and crawl back some information</a:t>
+            </a:r>
+          </a:p>
+          <a:p>
+            <a:pPr lvl="0">
+              <a:spcBef>
+                <a:spcPts val="0"/>
+              </a:spcBef>
+              <a:buNone/>
+            </a:pPr>
+            <a:r>
+              <a:rPr lang="zh-TW"/>
+              <a:t>feedback form</a:t>
+            </a:r>
           </a:p>
         </p:txBody>
       </p:sp>
@@ -2326,12 +2366,12 @@
 </p:notes>
 </file>
 
-<file path=ppt/notesSlides/notesSlide3.xml><?xml version="1.0" encoding="utf-8"?>
+<file path=ppt/notesSlides/notesSlide28.xml><?xml version="1.0" encoding="utf-8"?>
 <p:notes xmlns:a="http://schemas.openxmlformats.org/drawingml/2006/main" xmlns:r="http://schemas.openxmlformats.org/officeDocument/2006/relationships" xmlns:mc="http://schemas.openxmlformats.org/markup-compatibility/2006" xmlns:mv="urn:schemas-microsoft-com:mac:vml" xmlns:p="http://schemas.openxmlformats.org/presentationml/2006/main" xmlns:c="http://schemas.openxmlformats.org/drawingml/2006/chart" xmlns:dgm="http://schemas.openxmlformats.org/drawingml/2006/diagram" xmlns:o="urn:schemas-microsoft-com:office:office" xmlns:v="urn:schemas-microsoft-com:vml" xmlns:pvml="urn:schemas-microsoft-com:office:powerpoint" xmlns:com="http://schemas.openxmlformats.org/drawingml/2006/compatibility" xmlns:p14="http://schemas.microsoft.com/office/powerpoint/2010/main" xmlns:p15="http://schemas.microsoft.com/office/powerpoint/2012/main" showMasterPhAnim="0" showMasterSp="0">
   <p:cSld>
     <p:spTree>
       <p:nvGrpSpPr>
-        <p:cNvPr id="69" name="Shape 69"/>
+        <p:cNvPr id="242" name="Shape 242"/>
         <p:cNvGrpSpPr/>
         <p:nvPr/>
       </p:nvGrpSpPr>
@@ -2345,7 +2385,7 @@
       </p:grpSpPr>
       <p:sp>
         <p:nvSpPr>
-          <p:cNvPr id="70" name="Shape 70"/>
+          <p:cNvPr id="243" name="Shape 243"/>
           <p:cNvSpPr/>
           <p:nvPr>
             <p:ph idx="2" type="sldImg"/>
@@ -2379,7 +2419,7 @@
       </p:sp>
       <p:sp>
         <p:nvSpPr>
-          <p:cNvPr id="71" name="Shape 71"/>
+          <p:cNvPr id="244" name="Shape 244"/>
           <p:cNvSpPr txBox="1"/>
           <p:nvPr>
             <p:ph idx="1" type="body"/>
@@ -2410,6 +2450,220 @@
               <a:t/>
             </a:r>
             <a:endParaRPr/>
+          </a:p>
+        </p:txBody>
+      </p:sp>
+    </p:spTree>
+  </p:cSld>
+  <p:clrMapOvr>
+    <a:masterClrMapping/>
+  </p:clrMapOvr>
+</p:notes>
+</file>
+
+<file path=ppt/notesSlides/notesSlide29.xml><?xml version="1.0" encoding="utf-8"?>
+<p:notes xmlns:a="http://schemas.openxmlformats.org/drawingml/2006/main" xmlns:r="http://schemas.openxmlformats.org/officeDocument/2006/relationships" xmlns:mc="http://schemas.openxmlformats.org/markup-compatibility/2006" xmlns:mv="urn:schemas-microsoft-com:mac:vml" xmlns:p="http://schemas.openxmlformats.org/presentationml/2006/main" xmlns:c="http://schemas.openxmlformats.org/drawingml/2006/chart" xmlns:dgm="http://schemas.openxmlformats.org/drawingml/2006/diagram" xmlns:o="urn:schemas-microsoft-com:office:office" xmlns:v="urn:schemas-microsoft-com:vml" xmlns:pvml="urn:schemas-microsoft-com:office:powerpoint" xmlns:com="http://schemas.openxmlformats.org/drawingml/2006/compatibility" xmlns:p14="http://schemas.microsoft.com/office/powerpoint/2010/main" xmlns:p15="http://schemas.microsoft.com/office/powerpoint/2012/main" showMasterPhAnim="0" showMasterSp="0">
+  <p:cSld>
+    <p:spTree>
+      <p:nvGrpSpPr>
+        <p:cNvPr id="248" name="Shape 248"/>
+        <p:cNvGrpSpPr/>
+        <p:nvPr/>
+      </p:nvGrpSpPr>
+      <p:grpSpPr>
+        <a:xfrm>
+          <a:off x="0" y="0"/>
+          <a:ext cx="0" cy="0"/>
+          <a:chOff x="0" y="0"/>
+          <a:chExt cx="0" cy="0"/>
+        </a:xfrm>
+      </p:grpSpPr>
+      <p:sp>
+        <p:nvSpPr>
+          <p:cNvPr id="249" name="Shape 249"/>
+          <p:cNvSpPr/>
+          <p:nvPr>
+            <p:ph idx="2" type="sldImg"/>
+          </p:nvPr>
+        </p:nvSpPr>
+        <p:spPr>
+          <a:xfrm>
+            <a:off x="381300" y="685800"/>
+            <a:ext cx="6096000" cy="3429000"/>
+          </a:xfrm>
+          <a:custGeom>
+            <a:pathLst>
+              <a:path extrusionOk="0" h="120000" w="120000">
+                <a:moveTo>
+                  <a:pt x="0" y="0"/>
+                </a:moveTo>
+                <a:lnTo>
+                  <a:pt x="120000" y="0"/>
+                </a:lnTo>
+                <a:lnTo>
+                  <a:pt x="120000" y="120000"/>
+                </a:lnTo>
+                <a:lnTo>
+                  <a:pt x="0" y="120000"/>
+                </a:lnTo>
+                <a:close/>
+              </a:path>
+            </a:pathLst>
+          </a:custGeom>
+        </p:spPr>
+      </p:sp>
+      <p:sp>
+        <p:nvSpPr>
+          <p:cNvPr id="250" name="Shape 250"/>
+          <p:cNvSpPr txBox="1"/>
+          <p:nvPr>
+            <p:ph idx="1" type="body"/>
+          </p:nvPr>
+        </p:nvSpPr>
+        <p:spPr>
+          <a:xfrm>
+            <a:off x="685800" y="4343400"/>
+            <a:ext cx="5486400" cy="4114800"/>
+          </a:xfrm>
+          <a:prstGeom prst="rect">
+            <a:avLst/>
+          </a:prstGeom>
+        </p:spPr>
+        <p:txBody>
+          <a:bodyPr anchorCtr="0" anchor="t" bIns="91425" lIns="91425" rIns="91425" wrap="square" tIns="91425">
+            <a:noAutofit/>
+          </a:bodyPr>
+          <a:lstStyle/>
+          <a:p>
+            <a:pPr lvl="0">
+              <a:spcBef>
+                <a:spcPts val="0"/>
+              </a:spcBef>
+              <a:buNone/>
+            </a:pPr>
+            <a:r>
+              <a:t/>
+            </a:r>
+            <a:endParaRPr/>
+          </a:p>
+        </p:txBody>
+      </p:sp>
+    </p:spTree>
+  </p:cSld>
+  <p:clrMapOvr>
+    <a:masterClrMapping/>
+  </p:clrMapOvr>
+</p:notes>
+</file>
+
+<file path=ppt/notesSlides/notesSlide3.xml><?xml version="1.0" encoding="utf-8"?>
+<p:notes xmlns:a="http://schemas.openxmlformats.org/drawingml/2006/main" xmlns:r="http://schemas.openxmlformats.org/officeDocument/2006/relationships" xmlns:mc="http://schemas.openxmlformats.org/markup-compatibility/2006" xmlns:mv="urn:schemas-microsoft-com:mac:vml" xmlns:p="http://schemas.openxmlformats.org/presentationml/2006/main" xmlns:c="http://schemas.openxmlformats.org/drawingml/2006/chart" xmlns:dgm="http://schemas.openxmlformats.org/drawingml/2006/diagram" xmlns:o="urn:schemas-microsoft-com:office:office" xmlns:v="urn:schemas-microsoft-com:vml" xmlns:pvml="urn:schemas-microsoft-com:office:powerpoint" xmlns:com="http://schemas.openxmlformats.org/drawingml/2006/compatibility" xmlns:p14="http://schemas.microsoft.com/office/powerpoint/2010/main" xmlns:p15="http://schemas.microsoft.com/office/powerpoint/2012/main" showMasterPhAnim="0" showMasterSp="0">
+  <p:cSld>
+    <p:spTree>
+      <p:nvGrpSpPr>
+        <p:cNvPr id="68" name="Shape 68"/>
+        <p:cNvGrpSpPr/>
+        <p:nvPr/>
+      </p:nvGrpSpPr>
+      <p:grpSpPr>
+        <a:xfrm>
+          <a:off x="0" y="0"/>
+          <a:ext cx="0" cy="0"/>
+          <a:chOff x="0" y="0"/>
+          <a:chExt cx="0" cy="0"/>
+        </a:xfrm>
+      </p:grpSpPr>
+      <p:sp>
+        <p:nvSpPr>
+          <p:cNvPr id="69" name="Shape 69"/>
+          <p:cNvSpPr/>
+          <p:nvPr>
+            <p:ph idx="2" type="sldImg"/>
+          </p:nvPr>
+        </p:nvSpPr>
+        <p:spPr>
+          <a:xfrm>
+            <a:off x="381300" y="685800"/>
+            <a:ext cx="6096000" cy="3429000"/>
+          </a:xfrm>
+          <a:custGeom>
+            <a:pathLst>
+              <a:path extrusionOk="0" h="120000" w="120000">
+                <a:moveTo>
+                  <a:pt x="0" y="0"/>
+                </a:moveTo>
+                <a:lnTo>
+                  <a:pt x="120000" y="0"/>
+                </a:lnTo>
+                <a:lnTo>
+                  <a:pt x="120000" y="120000"/>
+                </a:lnTo>
+                <a:lnTo>
+                  <a:pt x="0" y="120000"/>
+                </a:lnTo>
+                <a:close/>
+              </a:path>
+            </a:pathLst>
+          </a:custGeom>
+        </p:spPr>
+      </p:sp>
+      <p:sp>
+        <p:nvSpPr>
+          <p:cNvPr id="70" name="Shape 70"/>
+          <p:cNvSpPr txBox="1"/>
+          <p:nvPr>
+            <p:ph idx="1" type="body"/>
+          </p:nvPr>
+        </p:nvSpPr>
+        <p:spPr>
+          <a:xfrm>
+            <a:off x="685800" y="4343400"/>
+            <a:ext cx="5486400" cy="4114800"/>
+          </a:xfrm>
+          <a:prstGeom prst="rect">
+            <a:avLst/>
+          </a:prstGeom>
+        </p:spPr>
+        <p:txBody>
+          <a:bodyPr anchorCtr="0" anchor="t" bIns="91425" lIns="91425" rIns="91425" wrap="square" tIns="91425">
+            <a:noAutofit/>
+          </a:bodyPr>
+          <a:lstStyle/>
+          <a:p>
+            <a:pPr indent="-228600" lvl="0" marL="457200" rtl="0">
+              <a:spcBef>
+                <a:spcPts val="0"/>
+              </a:spcBef>
+              <a:buAutoNum type="arabicPeriod"/>
+            </a:pPr>
+            <a:r>
+              <a:rPr lang="zh-TW"/>
+              <a:t>Tell them to wok on their local PC if possible, help install the package</a:t>
+            </a:r>
+          </a:p>
+          <a:p>
+            <a:pPr indent="-228600" lvl="0" marL="457200" rtl="0">
+              <a:spcBef>
+                <a:spcPts val="0"/>
+              </a:spcBef>
+              <a:buAutoNum type="arabicPeriod"/>
+            </a:pPr>
+            <a:r>
+              <a:rPr lang="zh-TW"/>
+              <a:t>brief intro on ssh tunnelling to those who don’t have python installed and need to work on the remote server</a:t>
+            </a:r>
+          </a:p>
+          <a:p>
+            <a:pPr indent="-228600" lvl="0" marL="457200" rtl="0">
+              <a:spcBef>
+                <a:spcPts val="0"/>
+              </a:spcBef>
+              <a:buAutoNum type="arabicPeriod"/>
+            </a:pPr>
+            <a:r>
+              <a:rPr lang="zh-TW"/>
+              <a:t>tell them to pay attention to share /resource/notification.doc in the google drive, for dynamic commands would be post there. Participants just need to copy and paste it to terminal/cmd</a:t>
+            </a:r>
           </a:p>
         </p:txBody>
       </p:sp>
@@ -2495,16 +2749,16 @@
           </a:bodyPr>
           <a:lstStyle/>
           <a:p>
-            <a:pPr lvl="0">
-              <a:spcBef>
-                <a:spcPts val="0"/>
-              </a:spcBef>
-              <a:buNone/>
-            </a:pPr>
-            <a:r>
-              <a:t/>
-            </a:r>
-            <a:endParaRPr/>
+            <a:pPr indent="-228600" lvl="0" marL="457200">
+              <a:spcBef>
+                <a:spcPts val="0"/>
+              </a:spcBef>
+              <a:buAutoNum type="arabicPeriod"/>
+            </a:pPr>
+            <a:r>
+              <a:rPr lang="zh-TW"/>
+              <a:t>State the .ppk and .pem differences</a:t>
+            </a:r>
           </a:p>
         </p:txBody>
       </p:sp>
@@ -2685,15 +2939,39 @@
           </a:bodyPr>
           <a:lstStyle/>
           <a:p>
-            <a:pPr lvl="0">
-              <a:spcBef>
-                <a:spcPts val="0"/>
-              </a:spcBef>
-              <a:buNone/>
+            <a:pPr indent="-228600" lvl="0" marL="457200" rtl="0">
+              <a:spcBef>
+                <a:spcPts val="0"/>
+              </a:spcBef>
+              <a:buAutoNum type="arabicPeriod"/>
             </a:pPr>
             <a:r>
               <a:rPr lang="zh-TW"/>
-              <a:t>a situation that you want to download large amount of images</a:t>
+              <a:t>Warn them to move the directory of CMD to the folder that contained plink.exe</a:t>
+            </a:r>
+          </a:p>
+          <a:p>
+            <a:pPr indent="-228600" lvl="0" marL="457200" rtl="0">
+              <a:spcBef>
+                <a:spcPts val="0"/>
+              </a:spcBef>
+              <a:buAutoNum type="arabicPeriod"/>
+            </a:pPr>
+            <a:r>
+              <a:rPr lang="zh-TW"/>
+              <a:t>IMPORTANT, make sure that everyone is in their relative folder, so that each user use independent ipython notebook</a:t>
+            </a:r>
+          </a:p>
+          <a:p>
+            <a:pPr indent="-228600" lvl="0" marL="457200" rtl="0">
+              <a:spcBef>
+                <a:spcPts val="0"/>
+              </a:spcBef>
+              <a:buAutoNum type="arabicPeriod"/>
+            </a:pPr>
+            <a:r>
+              <a:rPr lang="zh-TW"/>
+              <a:t>Make sure everything all set</a:t>
             </a:r>
           </a:p>
         </p:txBody>
@@ -2711,7 +2989,7 @@
   <p:cSld>
     <p:spTree>
       <p:nvGrpSpPr>
-        <p:cNvPr id="94" name="Shape 94"/>
+        <p:cNvPr id="93" name="Shape 93"/>
         <p:cNvGrpSpPr/>
         <p:nvPr/>
       </p:nvGrpSpPr>
@@ -2725,7 +3003,7 @@
       </p:grpSpPr>
       <p:sp>
         <p:nvSpPr>
-          <p:cNvPr id="95" name="Shape 95"/>
+          <p:cNvPr id="94" name="Shape 94"/>
           <p:cNvSpPr/>
           <p:nvPr>
             <p:ph idx="2" type="sldImg"/>
@@ -2759,7 +3037,7 @@
       </p:sp>
       <p:sp>
         <p:nvSpPr>
-          <p:cNvPr id="96" name="Shape 96"/>
+          <p:cNvPr id="95" name="Shape 95"/>
           <p:cNvSpPr txBox="1"/>
           <p:nvPr>
             <p:ph idx="1" type="body"/>
@@ -2788,7 +3066,7 @@
             </a:pPr>
             <a:r>
               <a:rPr lang="zh-TW"/>
-              <a:t>or you want to save the ratings of a restaurant for further used</a:t>
+              <a:t>a situation that you want to download large amount of images, bring out several examples</a:t>
             </a:r>
           </a:p>
         </p:txBody>
@@ -2806,7 +3084,7 @@
   <p:cSld>
     <p:spTree>
       <p:nvGrpSpPr>
-        <p:cNvPr id="101" name="Shape 101"/>
+        <p:cNvPr id="100" name="Shape 100"/>
         <p:cNvGrpSpPr/>
         <p:nvPr/>
       </p:nvGrpSpPr>
@@ -2820,7 +3098,7 @@
       </p:grpSpPr>
       <p:sp>
         <p:nvSpPr>
-          <p:cNvPr id="102" name="Shape 102"/>
+          <p:cNvPr id="101" name="Shape 101"/>
           <p:cNvSpPr/>
           <p:nvPr>
             <p:ph idx="2" type="sldImg"/>
@@ -2854,7 +3132,7 @@
       </p:sp>
       <p:sp>
         <p:nvSpPr>
-          <p:cNvPr id="103" name="Shape 103"/>
+          <p:cNvPr id="102" name="Shape 102"/>
           <p:cNvSpPr txBox="1"/>
           <p:nvPr>
             <p:ph idx="1" type="body"/>
@@ -2883,7 +3161,7 @@
             </a:pPr>
             <a:r>
               <a:rPr lang="zh-TW"/>
-              <a:t>In all those cases, collecting data manually would be dull and boring, therefore, we need help from spider, which is basically a set of code help you to retrieve those needed data</a:t>
+              <a:t>or you want to save the ratings of a restaurant for further used</a:t>
             </a:r>
           </a:p>
         </p:txBody>
@@ -2901,7 +3179,7 @@
   <p:cSld>
     <p:spTree>
       <p:nvGrpSpPr>
-        <p:cNvPr id="108" name="Shape 108"/>
+        <p:cNvPr id="107" name="Shape 107"/>
         <p:cNvGrpSpPr/>
         <p:nvPr/>
       </p:nvGrpSpPr>
@@ -2915,7 +3193,7 @@
       </p:grpSpPr>
       <p:sp>
         <p:nvSpPr>
-          <p:cNvPr id="109" name="Shape 109"/>
+          <p:cNvPr id="108" name="Shape 108"/>
           <p:cNvSpPr/>
           <p:nvPr>
             <p:ph idx="2" type="sldImg"/>
@@ -2949,7 +3227,7 @@
       </p:sp>
       <p:sp>
         <p:nvSpPr>
-          <p:cNvPr id="110" name="Shape 110"/>
+          <p:cNvPr id="109" name="Shape 109"/>
           <p:cNvSpPr txBox="1"/>
           <p:nvPr>
             <p:ph idx="1" type="body"/>
@@ -2978,7 +3256,7 @@
             </a:pPr>
             <a:r>
               <a:rPr lang="zh-TW"/>
-              <a:t>explain the process of rendering a webpage and bring out the topic of html code</a:t>
+              <a:t>In all those cases, collecting data manually would be dull and boring, therefore, we need help from spider, which is basically a set of code help you to retrieve those needed data</a:t>
             </a:r>
           </a:p>
         </p:txBody>
@@ -7066,7 +7344,7 @@
         </p:nvSpPr>
         <p:spPr>
           <a:xfrm>
-            <a:off x="2921025" y="1207425"/>
+            <a:off x="2980825" y="602700"/>
             <a:ext cx="3302100" cy="1872900"/>
           </a:xfrm>
           <a:prstGeom prst="rect">
@@ -7105,7 +7383,7 @@
         </p:nvSpPr>
         <p:spPr>
           <a:xfrm>
-            <a:off x="3096363" y="3266930"/>
+            <a:off x="3096288" y="3472930"/>
             <a:ext cx="2951400" cy="701400"/>
           </a:xfrm>
           <a:prstGeom prst="rect">
@@ -7147,8 +7425,8 @@
         </p:blipFill>
         <p:spPr>
           <a:xfrm>
-            <a:off x="6954801" y="2954301"/>
-            <a:ext cx="2189200" cy="2189200"/>
+            <a:off x="3818700" y="1966325"/>
+            <a:ext cx="1506602" cy="1506602"/>
           </a:xfrm>
           <a:prstGeom prst="rect">
             <a:avLst/>
@@ -7159,6 +7437,53 @@
           </a:ln>
         </p:spPr>
       </p:pic>
+      <p:sp>
+        <p:nvSpPr>
+          <p:cNvPr id="62" name="Shape 62"/>
+          <p:cNvSpPr txBox="1"/>
+          <p:nvPr/>
+        </p:nvSpPr>
+        <p:spPr>
+          <a:xfrm>
+            <a:off x="3784500" y="4598550"/>
+            <a:ext cx="1575000" cy="325500"/>
+          </a:xfrm>
+          <a:prstGeom prst="rect">
+            <a:avLst/>
+          </a:prstGeom>
+          <a:noFill/>
+          <a:ln>
+            <a:noFill/>
+          </a:ln>
+        </p:spPr>
+        <p:txBody>
+          <a:bodyPr anchorCtr="0" anchor="ctr" bIns="91425" lIns="91425" rIns="91425" wrap="square" tIns="91425">
+            <a:noAutofit/>
+          </a:bodyPr>
+          <a:lstStyle/>
+          <a:p>
+            <a:pPr lvl="0" rtl="0" algn="ctr">
+              <a:spcBef>
+                <a:spcPts val="0"/>
+              </a:spcBef>
+              <a:buNone/>
+            </a:pPr>
+            <a:r>
+              <a:rPr lang="zh-TW" sz="1100"/>
+              <a:t>Github repo: </a:t>
+            </a:r>
+            <a:r>
+              <a:rPr lang="zh-TW" sz="1100" u="sng">
+                <a:solidFill>
+                  <a:schemeClr val="hlink"/>
+                </a:solidFill>
+                <a:hlinkClick r:id="rId4"/>
+              </a:rPr>
+              <a:t>https://goo.gl/rvHcGB</a:t>
+            </a:r>
+          </a:p>
+        </p:txBody>
+      </p:sp>
     </p:spTree>
   </p:cSld>
   <p:clrMapOvr>
@@ -7172,7 +7497,372 @@
   <p:cSld>
     <p:spTree>
       <p:nvGrpSpPr>
-        <p:cNvPr id="126" name="Shape 126"/>
+        <p:cNvPr id="117" name="Shape 117"/>
+        <p:cNvGrpSpPr/>
+        <p:nvPr/>
+      </p:nvGrpSpPr>
+      <p:grpSpPr>
+        <a:xfrm>
+          <a:off x="0" y="0"/>
+          <a:ext cx="0" cy="0"/>
+          <a:chOff x="0" y="0"/>
+          <a:chExt cx="0" cy="0"/>
+        </a:xfrm>
+      </p:grpSpPr>
+      <p:sp>
+        <p:nvSpPr>
+          <p:cNvPr id="118" name="Shape 118"/>
+          <p:cNvSpPr txBox="1"/>
+          <p:nvPr>
+            <p:ph type="title"/>
+          </p:nvPr>
+        </p:nvSpPr>
+        <p:spPr>
+          <a:xfrm>
+            <a:off x="3140625" y="340900"/>
+            <a:ext cx="6066300" cy="626100"/>
+          </a:xfrm>
+          <a:prstGeom prst="rect">
+            <a:avLst/>
+          </a:prstGeom>
+        </p:spPr>
+        <p:txBody>
+          <a:bodyPr anchorCtr="0" anchor="t" bIns="91425" lIns="91425" rIns="91425" wrap="square" tIns="91425">
+            <a:noAutofit/>
+          </a:bodyPr>
+          <a:lstStyle/>
+          <a:p>
+            <a:pPr lvl="0">
+              <a:spcBef>
+                <a:spcPts val="0"/>
+              </a:spcBef>
+              <a:buNone/>
+            </a:pPr>
+            <a:r>
+              <a:rPr lang="zh-TW"/>
+              <a:t>How browsers render websites</a:t>
+            </a:r>
+          </a:p>
+        </p:txBody>
+      </p:sp>
+      <p:pic>
+        <p:nvPicPr>
+          <p:cNvPr id="119" name="Shape 119"/>
+          <p:cNvPicPr preferRelativeResize="0"/>
+          <p:nvPr/>
+        </p:nvPicPr>
+        <p:blipFill>
+          <a:blip r:embed="rId3">
+            <a:alphaModFix/>
+          </a:blip>
+          <a:stretch>
+            <a:fillRect/>
+          </a:stretch>
+        </p:blipFill>
+        <p:spPr>
+          <a:xfrm>
+            <a:off x="801825" y="2746388"/>
+            <a:ext cx="2143125" cy="2143125"/>
+          </a:xfrm>
+          <a:prstGeom prst="rect">
+            <a:avLst/>
+          </a:prstGeom>
+          <a:noFill/>
+          <a:ln>
+            <a:noFill/>
+          </a:ln>
+        </p:spPr>
+      </p:pic>
+      <p:pic>
+        <p:nvPicPr>
+          <p:cNvPr id="120" name="Shape 120"/>
+          <p:cNvPicPr preferRelativeResize="0"/>
+          <p:nvPr/>
+        </p:nvPicPr>
+        <p:blipFill>
+          <a:blip r:embed="rId4">
+            <a:alphaModFix/>
+          </a:blip>
+          <a:stretch>
+            <a:fillRect/>
+          </a:stretch>
+        </p:blipFill>
+        <p:spPr>
+          <a:xfrm>
+            <a:off x="6779900" y="2791762"/>
+            <a:ext cx="2052401" cy="2052399"/>
+          </a:xfrm>
+          <a:prstGeom prst="rect">
+            <a:avLst/>
+          </a:prstGeom>
+          <a:noFill/>
+          <a:ln>
+            <a:noFill/>
+          </a:ln>
+        </p:spPr>
+      </p:pic>
+      <p:cxnSp>
+        <p:nvCxnSpPr>
+          <p:cNvPr id="121" name="Shape 121"/>
+          <p:cNvCxnSpPr/>
+          <p:nvPr/>
+        </p:nvCxnSpPr>
+        <p:spPr>
+          <a:xfrm flipH="1" rot="10800000">
+            <a:off x="3216175" y="3998150"/>
+            <a:ext cx="3292500" cy="12600"/>
+          </a:xfrm>
+          <a:prstGeom prst="straightConnector1">
+            <a:avLst/>
+          </a:prstGeom>
+          <a:noFill/>
+          <a:ln cap="flat" cmpd="sng" w="38100">
+            <a:solidFill>
+              <a:schemeClr val="dk2"/>
+            </a:solidFill>
+            <a:prstDash val="solid"/>
+            <a:round/>
+            <a:headEnd len="lg" w="lg" type="none"/>
+            <a:tailEnd len="lg" w="lg" type="triangle"/>
+          </a:ln>
+        </p:spPr>
+      </p:cxnSp>
+      <p:cxnSp>
+        <p:nvCxnSpPr>
+          <p:cNvPr id="122" name="Shape 122"/>
+          <p:cNvCxnSpPr/>
+          <p:nvPr/>
+        </p:nvCxnSpPr>
+        <p:spPr>
+          <a:xfrm rot="10800000">
+            <a:off x="3140625" y="3304450"/>
+            <a:ext cx="3368100" cy="0"/>
+          </a:xfrm>
+          <a:prstGeom prst="straightConnector1">
+            <a:avLst/>
+          </a:prstGeom>
+          <a:noFill/>
+          <a:ln cap="flat" cmpd="sng" w="38100">
+            <a:solidFill>
+              <a:schemeClr val="dk2"/>
+            </a:solidFill>
+            <a:prstDash val="solid"/>
+            <a:round/>
+            <a:headEnd len="lg" w="lg" type="none"/>
+            <a:tailEnd len="lg" w="lg" type="triangle"/>
+          </a:ln>
+        </p:spPr>
+      </p:cxnSp>
+      <p:sp>
+        <p:nvSpPr>
+          <p:cNvPr id="123" name="Shape 123"/>
+          <p:cNvSpPr txBox="1"/>
+          <p:nvPr/>
+        </p:nvSpPr>
+        <p:spPr>
+          <a:xfrm>
+            <a:off x="1442438" y="2451975"/>
+            <a:ext cx="861900" cy="390900"/>
+          </a:xfrm>
+          <a:prstGeom prst="rect">
+            <a:avLst/>
+          </a:prstGeom>
+          <a:noFill/>
+          <a:ln>
+            <a:noFill/>
+          </a:ln>
+        </p:spPr>
+        <p:txBody>
+          <a:bodyPr anchorCtr="0" anchor="t" bIns="91425" lIns="91425" rIns="91425" wrap="square" tIns="91425">
+            <a:noAutofit/>
+          </a:bodyPr>
+          <a:lstStyle/>
+          <a:p>
+            <a:pPr lvl="0">
+              <a:spcBef>
+                <a:spcPts val="0"/>
+              </a:spcBef>
+              <a:buNone/>
+            </a:pPr>
+            <a:r>
+              <a:rPr lang="zh-TW"/>
+              <a:t>Browser</a:t>
+            </a:r>
+          </a:p>
+        </p:txBody>
+      </p:sp>
+      <p:sp>
+        <p:nvSpPr>
+          <p:cNvPr id="124" name="Shape 124"/>
+          <p:cNvSpPr txBox="1"/>
+          <p:nvPr/>
+        </p:nvSpPr>
+        <p:spPr>
+          <a:xfrm>
+            <a:off x="7310013" y="2376300"/>
+            <a:ext cx="861900" cy="390900"/>
+          </a:xfrm>
+          <a:prstGeom prst="rect">
+            <a:avLst/>
+          </a:prstGeom>
+          <a:noFill/>
+          <a:ln>
+            <a:noFill/>
+          </a:ln>
+        </p:spPr>
+        <p:txBody>
+          <a:bodyPr anchorCtr="0" anchor="t" bIns="91425" lIns="91425" rIns="91425" wrap="square" tIns="91425">
+            <a:noAutofit/>
+          </a:bodyPr>
+          <a:lstStyle/>
+          <a:p>
+            <a:pPr lvl="0" rtl="0">
+              <a:spcBef>
+                <a:spcPts val="0"/>
+              </a:spcBef>
+              <a:buNone/>
+            </a:pPr>
+            <a:r>
+              <a:rPr lang="zh-TW"/>
+              <a:t>Server</a:t>
+            </a:r>
+          </a:p>
+        </p:txBody>
+      </p:sp>
+      <p:sp>
+        <p:nvSpPr>
+          <p:cNvPr id="125" name="Shape 125"/>
+          <p:cNvSpPr txBox="1"/>
+          <p:nvPr/>
+        </p:nvSpPr>
+        <p:spPr>
+          <a:xfrm>
+            <a:off x="4270425" y="4206150"/>
+            <a:ext cx="861900" cy="390900"/>
+          </a:xfrm>
+          <a:prstGeom prst="rect">
+            <a:avLst/>
+          </a:prstGeom>
+          <a:noFill/>
+          <a:ln>
+            <a:noFill/>
+          </a:ln>
+        </p:spPr>
+        <p:txBody>
+          <a:bodyPr anchorCtr="0" anchor="t" bIns="91425" lIns="91425" rIns="91425" wrap="square" tIns="91425">
+            <a:noAutofit/>
+          </a:bodyPr>
+          <a:lstStyle/>
+          <a:p>
+            <a:pPr lvl="0" rtl="0">
+              <a:spcBef>
+                <a:spcPts val="0"/>
+              </a:spcBef>
+              <a:buNone/>
+            </a:pPr>
+            <a:r>
+              <a:rPr lang="zh-TW"/>
+              <a:t>Request</a:t>
+            </a:r>
+          </a:p>
+        </p:txBody>
+      </p:sp>
+      <p:pic>
+        <p:nvPicPr>
+          <p:cNvPr id="126" name="Shape 126"/>
+          <p:cNvPicPr preferRelativeResize="0"/>
+          <p:nvPr/>
+        </p:nvPicPr>
+        <p:blipFill>
+          <a:blip r:embed="rId5">
+            <a:alphaModFix/>
+          </a:blip>
+          <a:stretch>
+            <a:fillRect/>
+          </a:stretch>
+        </p:blipFill>
+        <p:spPr>
+          <a:xfrm>
+            <a:off x="4031513" y="1444975"/>
+            <a:ext cx="1661802" cy="1661802"/>
+          </a:xfrm>
+          <a:prstGeom prst="rect">
+            <a:avLst/>
+          </a:prstGeom>
+          <a:noFill/>
+          <a:ln>
+            <a:noFill/>
+          </a:ln>
+        </p:spPr>
+      </p:pic>
+      <p:cxnSp>
+        <p:nvCxnSpPr>
+          <p:cNvPr id="127" name="Shape 127"/>
+          <p:cNvCxnSpPr/>
+          <p:nvPr/>
+        </p:nvCxnSpPr>
+        <p:spPr>
+          <a:xfrm rot="10800000">
+            <a:off x="1870400" y="2036175"/>
+            <a:ext cx="6000" cy="479400"/>
+          </a:xfrm>
+          <a:prstGeom prst="straightConnector1">
+            <a:avLst/>
+          </a:prstGeom>
+          <a:noFill/>
+          <a:ln cap="flat" cmpd="sng" w="38100">
+            <a:solidFill>
+              <a:schemeClr val="dk2"/>
+            </a:solidFill>
+            <a:prstDash val="solid"/>
+            <a:round/>
+            <a:headEnd len="lg" w="lg" type="none"/>
+            <a:tailEnd len="lg" w="lg" type="triangle"/>
+          </a:ln>
+        </p:spPr>
+      </p:cxnSp>
+      <p:pic>
+        <p:nvPicPr>
+          <p:cNvPr id="128" name="Shape 128"/>
+          <p:cNvPicPr preferRelativeResize="0"/>
+          <p:nvPr/>
+        </p:nvPicPr>
+        <p:blipFill>
+          <a:blip r:embed="rId6">
+            <a:alphaModFix/>
+          </a:blip>
+          <a:stretch>
+            <a:fillRect/>
+          </a:stretch>
+        </p:blipFill>
+        <p:spPr>
+          <a:xfrm>
+            <a:off x="682100" y="215475"/>
+            <a:ext cx="2188266" cy="1731375"/>
+          </a:xfrm>
+          <a:prstGeom prst="rect">
+            <a:avLst/>
+          </a:prstGeom>
+          <a:noFill/>
+          <a:ln>
+            <a:noFill/>
+          </a:ln>
+        </p:spPr>
+      </p:pic>
+    </p:spTree>
+  </p:cSld>
+  <p:clrMapOvr>
+    <a:masterClrMapping/>
+  </p:clrMapOvr>
+</p:sld>
+</file>
+
+<file path=ppt/slides/slide11.xml><?xml version="1.0" encoding="utf-8"?>
+<p:sld xmlns:a="http://schemas.openxmlformats.org/drawingml/2006/main" xmlns:r="http://schemas.openxmlformats.org/officeDocument/2006/relationships" xmlns:mc="http://schemas.openxmlformats.org/markup-compatibility/2006" xmlns:mv="urn:schemas-microsoft-com:mac:vml" xmlns:p="http://schemas.openxmlformats.org/presentationml/2006/main" xmlns:c="http://schemas.openxmlformats.org/drawingml/2006/chart" xmlns:dgm="http://schemas.openxmlformats.org/drawingml/2006/diagram" xmlns:o="urn:schemas-microsoft-com:office:office" xmlns:v="urn:schemas-microsoft-com:vml" xmlns:pvml="urn:schemas-microsoft-com:office:powerpoint" xmlns:com="http://schemas.openxmlformats.org/drawingml/2006/compatibility" xmlns:p14="http://schemas.microsoft.com/office/powerpoint/2010/main" xmlns:p15="http://schemas.microsoft.com/office/powerpoint/2012/main">
+  <p:cSld>
+    <p:spTree>
+      <p:nvGrpSpPr>
+        <p:cNvPr id="132" name="Shape 132"/>
         <p:cNvGrpSpPr/>
         <p:nvPr/>
       </p:nvGrpSpPr>
@@ -7186,7 +7876,7 @@
       </p:grpSpPr>
       <p:pic>
         <p:nvPicPr>
-          <p:cNvPr id="127" name="Shape 127"/>
+          <p:cNvPr id="133" name="Shape 133"/>
           <p:cNvPicPr preferRelativeResize="0"/>
           <p:nvPr/>
         </p:nvPicPr>
@@ -7214,7 +7904,7 @@
       </p:pic>
       <p:sp>
         <p:nvSpPr>
-          <p:cNvPr id="128" name="Shape 128"/>
+          <p:cNvPr id="134" name="Shape 134"/>
           <p:cNvSpPr txBox="1"/>
           <p:nvPr>
             <p:ph type="title"/>
@@ -7250,7 +7940,7 @@
       </p:sp>
       <p:pic>
         <p:nvPicPr>
-          <p:cNvPr id="129" name="Shape 129"/>
+          <p:cNvPr id="135" name="Shape 135"/>
           <p:cNvPicPr preferRelativeResize="0"/>
           <p:nvPr/>
         </p:nvPicPr>
@@ -7278,7 +7968,7 @@
       </p:pic>
       <p:pic>
         <p:nvPicPr>
-          <p:cNvPr id="130" name="Shape 130"/>
+          <p:cNvPr id="136" name="Shape 136"/>
           <p:cNvPicPr preferRelativeResize="0"/>
           <p:nvPr/>
         </p:nvPicPr>
@@ -7306,7 +7996,7 @@
       </p:pic>
       <p:cxnSp>
         <p:nvCxnSpPr>
-          <p:cNvPr id="131" name="Shape 131"/>
+          <p:cNvPr id="137" name="Shape 137"/>
           <p:cNvCxnSpPr/>
           <p:nvPr/>
         </p:nvCxnSpPr>
@@ -7332,7 +8022,7 @@
       </p:cxnSp>
       <p:cxnSp>
         <p:nvCxnSpPr>
-          <p:cNvPr id="132" name="Shape 132"/>
+          <p:cNvPr id="138" name="Shape 138"/>
           <p:cNvCxnSpPr/>
           <p:nvPr/>
         </p:nvCxnSpPr>
@@ -7358,7 +8048,7 @@
       </p:cxnSp>
       <p:sp>
         <p:nvSpPr>
-          <p:cNvPr id="133" name="Shape 133"/>
+          <p:cNvPr id="139" name="Shape 139"/>
           <p:cNvSpPr txBox="1"/>
           <p:nvPr/>
         </p:nvSpPr>
@@ -7396,7 +8086,7 @@
       </p:sp>
       <p:pic>
         <p:nvPicPr>
-          <p:cNvPr id="134" name="Shape 134"/>
+          <p:cNvPr id="140" name="Shape 140"/>
           <p:cNvPicPr preferRelativeResize="0"/>
           <p:nvPr/>
         </p:nvPicPr>
@@ -7424,7 +8114,7 @@
       </p:pic>
       <p:sp>
         <p:nvSpPr>
-          <p:cNvPr id="135" name="Shape 135"/>
+          <p:cNvPr id="141" name="Shape 141"/>
           <p:cNvSpPr txBox="1"/>
           <p:nvPr/>
         </p:nvSpPr>
@@ -7462,7 +8152,7 @@
       </p:sp>
       <p:sp>
         <p:nvSpPr>
-          <p:cNvPr id="136" name="Shape 136"/>
+          <p:cNvPr id="142" name="Shape 142"/>
           <p:cNvSpPr/>
           <p:nvPr/>
         </p:nvSpPr>
@@ -7501,221 +8191,6 @@
               <a:t/>
             </a:r>
             <a:endParaRPr/>
-          </a:p>
-        </p:txBody>
-      </p:sp>
-    </p:spTree>
-  </p:cSld>
-  <p:clrMapOvr>
-    <a:masterClrMapping/>
-  </p:clrMapOvr>
-</p:sld>
-</file>
-
-<file path=ppt/slides/slide11.xml><?xml version="1.0" encoding="utf-8"?>
-<p:sld xmlns:a="http://schemas.openxmlformats.org/drawingml/2006/main" xmlns:r="http://schemas.openxmlformats.org/officeDocument/2006/relationships" xmlns:mc="http://schemas.openxmlformats.org/markup-compatibility/2006" xmlns:mv="urn:schemas-microsoft-com:mac:vml" xmlns:p="http://schemas.openxmlformats.org/presentationml/2006/main" xmlns:c="http://schemas.openxmlformats.org/drawingml/2006/chart" xmlns:dgm="http://schemas.openxmlformats.org/drawingml/2006/diagram" xmlns:o="urn:schemas-microsoft-com:office:office" xmlns:v="urn:schemas-microsoft-com:vml" xmlns:pvml="urn:schemas-microsoft-com:office:powerpoint" xmlns:com="http://schemas.openxmlformats.org/drawingml/2006/compatibility" xmlns:p14="http://schemas.microsoft.com/office/powerpoint/2010/main" xmlns:p15="http://schemas.microsoft.com/office/powerpoint/2012/main">
-  <p:cSld>
-    <p:spTree>
-      <p:nvGrpSpPr>
-        <p:cNvPr id="140" name="Shape 140"/>
-        <p:cNvGrpSpPr/>
-        <p:nvPr/>
-      </p:nvGrpSpPr>
-      <p:grpSpPr>
-        <a:xfrm>
-          <a:off x="0" y="0"/>
-          <a:ext cx="0" cy="0"/>
-          <a:chOff x="0" y="0"/>
-          <a:chExt cx="0" cy="0"/>
-        </a:xfrm>
-      </p:grpSpPr>
-      <p:sp>
-        <p:nvSpPr>
-          <p:cNvPr id="141" name="Shape 141"/>
-          <p:cNvSpPr txBox="1"/>
-          <p:nvPr>
-            <p:ph type="title"/>
-          </p:nvPr>
-        </p:nvSpPr>
-        <p:spPr>
-          <a:xfrm>
-            <a:off x="311700" y="391350"/>
-            <a:ext cx="8520600" cy="626100"/>
-          </a:xfrm>
-          <a:prstGeom prst="rect">
-            <a:avLst/>
-          </a:prstGeom>
-        </p:spPr>
-        <p:txBody>
-          <a:bodyPr anchorCtr="0" anchor="t" bIns="91425" lIns="91425" rIns="91425" wrap="square" tIns="91425">
-            <a:noAutofit/>
-          </a:bodyPr>
-          <a:lstStyle/>
-          <a:p>
-            <a:pPr lvl="0">
-              <a:spcBef>
-                <a:spcPts val="0"/>
-              </a:spcBef>
-              <a:buNone/>
-            </a:pPr>
-            <a:r>
-              <a:rPr lang="zh-TW"/>
-              <a:t>Brief Introduction on HTML code</a:t>
-            </a:r>
-          </a:p>
-        </p:txBody>
-      </p:sp>
-      <p:sp>
-        <p:nvSpPr>
-          <p:cNvPr id="142" name="Shape 142"/>
-          <p:cNvSpPr txBox="1"/>
-          <p:nvPr/>
-        </p:nvSpPr>
-        <p:spPr>
-          <a:xfrm>
-            <a:off x="311700" y="1152475"/>
-            <a:ext cx="8520600" cy="3416400"/>
-          </a:xfrm>
-          <a:prstGeom prst="rect">
-            <a:avLst/>
-          </a:prstGeom>
-          <a:noFill/>
-          <a:ln>
-            <a:noFill/>
-          </a:ln>
-        </p:spPr>
-        <p:txBody>
-          <a:bodyPr anchorCtr="0" anchor="t" bIns="91425" lIns="91425" rIns="91425" wrap="square" tIns="91425">
-            <a:noAutofit/>
-          </a:bodyPr>
-          <a:lstStyle/>
-          <a:p>
-            <a:pPr lvl="0" marR="0" rtl="0" algn="l">
-              <a:lnSpc>
-                <a:spcPct val="200000"/>
-              </a:lnSpc>
-              <a:spcBef>
-                <a:spcPts val="0"/>
-              </a:spcBef>
-              <a:spcAft>
-                <a:spcPts val="0"/>
-              </a:spcAft>
-              <a:buNone/>
-            </a:pPr>
-            <a:r>
-              <a:t/>
-            </a:r>
-            <a:endParaRPr b="1" i="1" sz="1800">
-              <a:solidFill>
-                <a:schemeClr val="dk1"/>
-              </a:solidFill>
-              <a:latin typeface="Calibri"/>
-              <a:ea typeface="Calibri"/>
-              <a:cs typeface="Calibri"/>
-              <a:sym typeface="Calibri"/>
-            </a:endParaRPr>
-          </a:p>
-          <a:p>
-            <a:pPr indent="-254000" lvl="0" marL="254000" marR="0" rtl="0" algn="l">
-              <a:lnSpc>
-                <a:spcPct val="200000"/>
-              </a:lnSpc>
-              <a:spcBef>
-                <a:spcPts val="0"/>
-              </a:spcBef>
-              <a:spcAft>
-                <a:spcPts val="0"/>
-              </a:spcAft>
-              <a:buClr>
-                <a:schemeClr val="dk1"/>
-              </a:buClr>
-              <a:buSzPct val="100000"/>
-              <a:buFont typeface="Noto Sans Symbols"/>
-              <a:buChar char="➢"/>
-            </a:pPr>
-            <a:r>
-              <a:rPr b="1" i="1" lang="zh-TW" sz="1800" u="none" cap="none" strike="noStrike">
-                <a:solidFill>
-                  <a:schemeClr val="dk1"/>
-                </a:solidFill>
-                <a:latin typeface="Calibri"/>
-                <a:ea typeface="Calibri"/>
-                <a:cs typeface="Calibri"/>
-                <a:sym typeface="Calibri"/>
-              </a:rPr>
-              <a:t>Hypertext Markup Language (HTML) </a:t>
-            </a:r>
-            <a:r>
-              <a:rPr b="0" i="0" lang="zh-TW" sz="1800" u="none" cap="none" strike="noStrike">
-                <a:solidFill>
-                  <a:schemeClr val="dk1"/>
-                </a:solidFill>
-                <a:latin typeface="Calibri"/>
-                <a:ea typeface="Calibri"/>
-                <a:cs typeface="Calibri"/>
-                <a:sym typeface="Calibri"/>
-              </a:rPr>
-              <a:t>is the main language for writing webpages.</a:t>
-            </a:r>
-          </a:p>
-          <a:p>
-            <a:pPr indent="-254000" lvl="0" marL="254000" marR="0" rtl="0" algn="l">
-              <a:lnSpc>
-                <a:spcPct val="200000"/>
-              </a:lnSpc>
-              <a:spcBef>
-                <a:spcPts val="800"/>
-              </a:spcBef>
-              <a:spcAft>
-                <a:spcPts val="0"/>
-              </a:spcAft>
-              <a:buClr>
-                <a:schemeClr val="dk1"/>
-              </a:buClr>
-              <a:buSzPct val="100000"/>
-              <a:buFont typeface="Noto Sans Symbols"/>
-              <a:buChar char="➢"/>
-            </a:pPr>
-            <a:r>
-              <a:rPr b="0" i="0" lang="zh-TW" sz="1800" u="none" cap="none" strike="noStrike">
-                <a:solidFill>
-                  <a:schemeClr val="dk1"/>
-                </a:solidFill>
-                <a:latin typeface="Calibri"/>
-                <a:ea typeface="Calibri"/>
-                <a:cs typeface="Calibri"/>
-                <a:sym typeface="Calibri"/>
-              </a:rPr>
-              <a:t>&lt;tag&gt; and examples </a:t>
-            </a:r>
-          </a:p>
-          <a:p>
-            <a:pPr indent="-254000" lvl="0" marL="254000" marR="0" rtl="0" algn="l">
-              <a:lnSpc>
-                <a:spcPct val="200000"/>
-              </a:lnSpc>
-              <a:spcBef>
-                <a:spcPts val="800"/>
-              </a:spcBef>
-              <a:buClr>
-                <a:schemeClr val="dk1"/>
-              </a:buClr>
-              <a:buSzPct val="100000"/>
-              <a:buFont typeface="Noto Sans Symbols"/>
-              <a:buChar char="➢"/>
-            </a:pPr>
-            <a:r>
-              <a:rPr b="0" i="0" lang="zh-TW" sz="1800" u="none" cap="none" strike="noStrike">
-                <a:solidFill>
-                  <a:schemeClr val="dk1"/>
-                </a:solidFill>
-                <a:latin typeface="Calibri"/>
-                <a:ea typeface="Calibri"/>
-                <a:cs typeface="Calibri"/>
-                <a:sym typeface="Calibri"/>
-              </a:rPr>
-              <a:t>HTML Attributes</a:t>
-            </a:r>
           </a:p>
         </p:txBody>
       </p:sp>
@@ -7748,11 +8223,47 @@
         <p:nvSpPr>
           <p:cNvPr id="147" name="Shape 147"/>
           <p:cNvSpPr txBox="1"/>
+          <p:nvPr>
+            <p:ph type="title"/>
+          </p:nvPr>
+        </p:nvSpPr>
+        <p:spPr>
+          <a:xfrm>
+            <a:off x="311700" y="391350"/>
+            <a:ext cx="8520600" cy="626100"/>
+          </a:xfrm>
+          <a:prstGeom prst="rect">
+            <a:avLst/>
+          </a:prstGeom>
+        </p:spPr>
+        <p:txBody>
+          <a:bodyPr anchorCtr="0" anchor="t" bIns="91425" lIns="91425" rIns="91425" wrap="square" tIns="91425">
+            <a:noAutofit/>
+          </a:bodyPr>
+          <a:lstStyle/>
+          <a:p>
+            <a:pPr lvl="0">
+              <a:spcBef>
+                <a:spcPts val="0"/>
+              </a:spcBef>
+              <a:buNone/>
+            </a:pPr>
+            <a:r>
+              <a:rPr lang="zh-TW"/>
+              <a:t>Brief Introduction on HTML code</a:t>
+            </a:r>
+          </a:p>
+        </p:txBody>
+      </p:sp>
+      <p:sp>
+        <p:nvSpPr>
+          <p:cNvPr id="148" name="Shape 148"/>
+          <p:cNvSpPr txBox="1"/>
           <p:nvPr/>
         </p:nvSpPr>
         <p:spPr>
           <a:xfrm>
-            <a:off x="623390" y="65721"/>
+            <a:off x="311700" y="1152475"/>
             <a:ext cx="8520600" cy="3416400"/>
           </a:xfrm>
           <a:prstGeom prst="rect">
@@ -7769,9 +8280,9 @@
           </a:bodyPr>
           <a:lstStyle/>
           <a:p>
-            <a:pPr indent="-254000" lvl="0" marL="254000" marR="0" rtl="0" algn="l">
+            <a:pPr lvl="0" marR="0" rtl="0" algn="l">
               <a:lnSpc>
-                <a:spcPct val="90000"/>
+                <a:spcPct val="200000"/>
               </a:lnSpc>
               <a:spcBef>
                 <a:spcPts val="0"/>
@@ -7779,16 +8290,12 @@
               <a:spcAft>
                 <a:spcPts val="0"/>
               </a:spcAft>
-              <a:buClr>
-                <a:schemeClr val="dk1"/>
-              </a:buClr>
-              <a:buFont typeface="Noto Sans Symbols"/>
               <a:buNone/>
             </a:pPr>
             <a:r>
               <a:t/>
             </a:r>
-            <a:endParaRPr b="0" i="0" sz="1800" u="none" cap="none" strike="noStrike">
+            <a:endParaRPr b="1" i="1" sz="1800">
               <a:solidFill>
                 <a:schemeClr val="dk1"/>
               </a:solidFill>
@@ -7801,10 +8308,10 @@
           <a:p>
             <a:pPr indent="-254000" lvl="0" marL="254000" marR="0" rtl="0" algn="l">
               <a:lnSpc>
-                <a:spcPct val="90000"/>
+                <a:spcPct val="200000"/>
               </a:lnSpc>
               <a:spcBef>
-                <a:spcPts val="800"/>
+                <a:spcPts val="0"/>
               </a:spcBef>
               <a:spcAft>
                 <a:spcPts val="0"/>
@@ -7816,6 +8323,18 @@
               <a:buFont typeface="Noto Sans Symbols"/>
               <a:buChar char="➢"/>
             </a:pPr>
+            <a:r>
+              <a:rPr b="1" i="1" lang="zh-TW" sz="1800" u="none" cap="none" strike="noStrike">
+                <a:solidFill>
+                  <a:schemeClr val="dk1"/>
+                </a:solidFill>
+                <a:latin typeface="Calibri"/>
+                <a:ea typeface="Calibri"/>
+                <a:cs typeface="Calibri"/>
+                <a:sym typeface="Calibri"/>
+              </a:rPr>
+              <a:t>Hypertext Markup Language (HTML) </a:t>
+            </a:r>
             <a:r>
               <a:rPr b="0" i="0" lang="zh-TW" sz="1800" u="none" cap="none" strike="noStrike">
                 <a:solidFill>
@@ -7826,13 +8345,13 @@
                 <a:cs typeface="Calibri"/>
                 <a:sym typeface="Calibri"/>
               </a:rPr>
-              <a:t>Tags </a:t>
-            </a:r>
-          </a:p>
-          <a:p>
-            <a:pPr indent="0" lvl="0" marL="0" marR="0" rtl="0" algn="l">
+              <a:t>is the main language for writing webpages.</a:t>
+            </a:r>
+          </a:p>
+          <a:p>
+            <a:pPr indent="-254000" lvl="0" marL="254000" marR="0" rtl="0" algn="l">
               <a:lnSpc>
-                <a:spcPct val="90000"/>
+                <a:spcPct val="200000"/>
               </a:lnSpc>
               <a:spcBef>
                 <a:spcPts val="800"/>
@@ -7843,9 +8362,9 @@
               <a:buClr>
                 <a:schemeClr val="dk1"/>
               </a:buClr>
-              <a:buSzPct val="25000"/>
-              <a:buFont typeface="Arial"/>
-              <a:buNone/>
+              <a:buSzPct val="100000"/>
+              <a:buFont typeface="Noto Sans Symbols"/>
+              <a:buChar char="➢"/>
             </a:pPr>
             <a:r>
               <a:rPr b="0" i="0" lang="zh-TW" sz="1800" u="none" cap="none" strike="noStrike">
@@ -7857,26 +8376,23 @@
                 <a:cs typeface="Calibri"/>
                 <a:sym typeface="Calibri"/>
               </a:rPr>
-              <a:t>      In an html file, all html contents are enclosed between the start and end tags.</a:t>
-            </a:r>
-          </a:p>
-          <a:p>
-            <a:pPr indent="0" lvl="0" marL="0" marR="0" rtl="0" algn="ctr">
+              <a:t>&lt;tag&gt; and examples </a:t>
+            </a:r>
+          </a:p>
+          <a:p>
+            <a:pPr indent="-254000" lvl="0" marL="254000" marR="0" rtl="0" algn="l">
               <a:lnSpc>
-                <a:spcPct val="90000"/>
+                <a:spcPct val="200000"/>
               </a:lnSpc>
               <a:spcBef>
                 <a:spcPts val="800"/>
               </a:spcBef>
-              <a:spcAft>
-                <a:spcPts val="0"/>
-              </a:spcAft>
               <a:buClr>
                 <a:schemeClr val="dk1"/>
               </a:buClr>
-              <a:buSzPct val="25000"/>
-              <a:buFont typeface="Arial"/>
-              <a:buNone/>
+              <a:buSzPct val="100000"/>
+              <a:buFont typeface="Noto Sans Symbols"/>
+              <a:buChar char="➢"/>
             </a:pPr>
             <a:r>
               <a:rPr b="0" i="0" lang="zh-TW" sz="1800" u="none" cap="none" strike="noStrike">
@@ -7888,95 +8404,11 @@
                 <a:cs typeface="Calibri"/>
                 <a:sym typeface="Calibri"/>
               </a:rPr>
-              <a:t>&lt;html&gt; &lt;/html&gt;</a:t>
-            </a:r>
-          </a:p>
-          <a:p>
-            <a:pPr indent="0" lvl="0" marL="0" marR="0" rtl="0" algn="l">
-              <a:lnSpc>
-                <a:spcPct val="90000"/>
-              </a:lnSpc>
-              <a:spcBef>
-                <a:spcPts val="800"/>
-              </a:spcBef>
-              <a:spcAft>
-                <a:spcPts val="0"/>
-              </a:spcAft>
-              <a:buClr>
-                <a:schemeClr val="dk1"/>
-              </a:buClr>
-              <a:buFont typeface="Arial"/>
-              <a:buNone/>
-            </a:pPr>
-            <a:r>
-              <a:t/>
-            </a:r>
-            <a:endParaRPr b="0" i="0" sz="1800" u="none" cap="none" strike="noStrike">
-              <a:solidFill>
-                <a:schemeClr val="dk1"/>
-              </a:solidFill>
-              <a:latin typeface="Calibri"/>
-              <a:ea typeface="Calibri"/>
-              <a:cs typeface="Calibri"/>
-              <a:sym typeface="Calibri"/>
-            </a:endParaRPr>
-          </a:p>
-          <a:p>
-            <a:pPr indent="-254000" lvl="0" marL="254000" marR="0" rtl="0" algn="l">
-              <a:lnSpc>
-                <a:spcPct val="90000"/>
-              </a:lnSpc>
-              <a:spcBef>
-                <a:spcPts val="800"/>
-              </a:spcBef>
-              <a:buClr>
-                <a:schemeClr val="dk1"/>
-              </a:buClr>
-              <a:buFont typeface="Noto Sans Symbols"/>
-              <a:buNone/>
-            </a:pPr>
-            <a:r>
-              <a:t/>
-            </a:r>
-            <a:endParaRPr b="0" i="0" sz="1800" u="none" cap="none" strike="noStrike">
-              <a:solidFill>
-                <a:schemeClr val="dk1"/>
-              </a:solidFill>
-              <a:latin typeface="Calibri"/>
-              <a:ea typeface="Calibri"/>
-              <a:cs typeface="Calibri"/>
-              <a:sym typeface="Calibri"/>
-            </a:endParaRPr>
+              <a:t>HTML Attributes</a:t>
+            </a:r>
           </a:p>
         </p:txBody>
       </p:sp>
-      <p:pic>
-        <p:nvPicPr>
-          <p:cNvPr id="148" name="Shape 148"/>
-          <p:cNvPicPr preferRelativeResize="0"/>
-          <p:nvPr/>
-        </p:nvPicPr>
-        <p:blipFill rotWithShape="1">
-          <a:blip r:embed="rId3">
-            <a:alphaModFix/>
-          </a:blip>
-          <a:srcRect b="0" l="0" r="0" t="0"/>
-          <a:stretch/>
-        </p:blipFill>
-        <p:spPr>
-          <a:xfrm>
-            <a:off x="754271" y="1623430"/>
-            <a:ext cx="7233177" cy="3164713"/>
-          </a:xfrm>
-          <a:prstGeom prst="rect">
-            <a:avLst/>
-          </a:prstGeom>
-          <a:noFill/>
-          <a:ln>
-            <a:noFill/>
-          </a:ln>
-        </p:spPr>
-      </p:pic>
     </p:spTree>
   </p:cSld>
   <p:clrMapOvr>
@@ -8010,7 +8442,7 @@
         </p:nvSpPr>
         <p:spPr>
           <a:xfrm>
-            <a:off x="195790" y="350871"/>
+            <a:off x="623390" y="65721"/>
             <a:ext cx="8520600" cy="3416400"/>
           </a:xfrm>
           <a:prstGeom prst="rect">
@@ -8084,8 +8516,100 @@
                 <a:cs typeface="Calibri"/>
                 <a:sym typeface="Calibri"/>
               </a:rPr>
-              <a:t>Head section and body section</a:t>
-            </a:r>
+              <a:t>Tags </a:t>
+            </a:r>
+          </a:p>
+          <a:p>
+            <a:pPr indent="0" lvl="0" marL="0" marR="0" rtl="0" algn="l">
+              <a:lnSpc>
+                <a:spcPct val="90000"/>
+              </a:lnSpc>
+              <a:spcBef>
+                <a:spcPts val="800"/>
+              </a:spcBef>
+              <a:spcAft>
+                <a:spcPts val="0"/>
+              </a:spcAft>
+              <a:buClr>
+                <a:schemeClr val="dk1"/>
+              </a:buClr>
+              <a:buSzPct val="25000"/>
+              <a:buFont typeface="Arial"/>
+              <a:buNone/>
+            </a:pPr>
+            <a:r>
+              <a:rPr b="0" i="0" lang="zh-TW" sz="1800" u="none" cap="none" strike="noStrike">
+                <a:solidFill>
+                  <a:schemeClr val="dk1"/>
+                </a:solidFill>
+                <a:latin typeface="Calibri"/>
+                <a:ea typeface="Calibri"/>
+                <a:cs typeface="Calibri"/>
+                <a:sym typeface="Calibri"/>
+              </a:rPr>
+              <a:t>      In an html file, all html contents are enclosed between the start and end tags.</a:t>
+            </a:r>
+          </a:p>
+          <a:p>
+            <a:pPr indent="0" lvl="0" marL="0" marR="0" rtl="0" algn="ctr">
+              <a:lnSpc>
+                <a:spcPct val="90000"/>
+              </a:lnSpc>
+              <a:spcBef>
+                <a:spcPts val="800"/>
+              </a:spcBef>
+              <a:spcAft>
+                <a:spcPts val="0"/>
+              </a:spcAft>
+              <a:buClr>
+                <a:schemeClr val="dk1"/>
+              </a:buClr>
+              <a:buSzPct val="25000"/>
+              <a:buFont typeface="Arial"/>
+              <a:buNone/>
+            </a:pPr>
+            <a:r>
+              <a:rPr b="0" i="0" lang="zh-TW" sz="1800" u="none" cap="none" strike="noStrike">
+                <a:solidFill>
+                  <a:schemeClr val="dk1"/>
+                </a:solidFill>
+                <a:latin typeface="Calibri"/>
+                <a:ea typeface="Calibri"/>
+                <a:cs typeface="Calibri"/>
+                <a:sym typeface="Calibri"/>
+              </a:rPr>
+              <a:t>&lt;html&gt; &lt;/html&gt;</a:t>
+            </a:r>
+          </a:p>
+          <a:p>
+            <a:pPr indent="0" lvl="0" marL="0" marR="0" rtl="0" algn="l">
+              <a:lnSpc>
+                <a:spcPct val="90000"/>
+              </a:lnSpc>
+              <a:spcBef>
+                <a:spcPts val="800"/>
+              </a:spcBef>
+              <a:spcAft>
+                <a:spcPts val="0"/>
+              </a:spcAft>
+              <a:buClr>
+                <a:schemeClr val="dk1"/>
+              </a:buClr>
+              <a:buFont typeface="Arial"/>
+              <a:buNone/>
+            </a:pPr>
+            <a:r>
+              <a:t/>
+            </a:r>
+            <a:endParaRPr b="0" i="0" sz="1800" u="none" cap="none" strike="noStrike">
+              <a:solidFill>
+                <a:schemeClr val="dk1"/>
+              </a:solidFill>
+              <a:latin typeface="Calibri"/>
+              <a:ea typeface="Calibri"/>
+              <a:cs typeface="Calibri"/>
+              <a:sym typeface="Calibri"/>
+            </a:endParaRPr>
           </a:p>
           <a:p>
             <a:pPr indent="-254000" lvl="0" marL="254000" marR="0" rtl="0" algn="l">
@@ -8131,8 +8655,8 @@
         </p:blipFill>
         <p:spPr>
           <a:xfrm>
-            <a:off x="458252" y="1252904"/>
-            <a:ext cx="8521290" cy="3728298"/>
+            <a:off x="754271" y="1623430"/>
+            <a:ext cx="7233177" cy="3164713"/>
           </a:xfrm>
           <a:prstGeom prst="rect">
             <a:avLst/>
@@ -8176,8 +8700,8 @@
         </p:nvSpPr>
         <p:spPr>
           <a:xfrm>
-            <a:off x="195890" y="237967"/>
-            <a:ext cx="8948100" cy="3416400"/>
+            <a:off x="195790" y="350871"/>
+            <a:ext cx="8520600" cy="3416400"/>
           </a:xfrm>
           <a:prstGeom prst="rect">
             <a:avLst/>
@@ -8250,234 +8774,8 @@
                 <a:cs typeface="Calibri"/>
                 <a:sym typeface="Calibri"/>
               </a:rPr>
-              <a:t>&lt;h1&gt;&lt;/h1&gt;</a:t>
-            </a:r>
-          </a:p>
-          <a:p>
-            <a:pPr indent="-254000" lvl="0" marL="254000" marR="0" rtl="0" algn="l">
-              <a:lnSpc>
-                <a:spcPct val="90000"/>
-              </a:lnSpc>
-              <a:spcBef>
-                <a:spcPts val="800"/>
-              </a:spcBef>
-              <a:spcAft>
-                <a:spcPts val="0"/>
-              </a:spcAft>
-              <a:buClr>
-                <a:schemeClr val="dk1"/>
-              </a:buClr>
-              <a:buSzPct val="100000"/>
-              <a:buFont typeface="Noto Sans Symbols"/>
-              <a:buChar char="➢"/>
-            </a:pPr>
-            <a:r>
-              <a:rPr b="0" i="0" lang="zh-TW" sz="1800" u="none" cap="none" strike="noStrike">
-                <a:solidFill>
-                  <a:schemeClr val="dk1"/>
-                </a:solidFill>
-                <a:latin typeface="Calibri"/>
-                <a:ea typeface="Calibri"/>
-                <a:cs typeface="Calibri"/>
-                <a:sym typeface="Calibri"/>
-              </a:rPr>
-              <a:t>&lt;p&gt;&lt;/p&gt;</a:t>
-            </a:r>
-          </a:p>
-          <a:p>
-            <a:pPr indent="-254000" lvl="0" marL="254000" marR="0" rtl="0" algn="l">
-              <a:lnSpc>
-                <a:spcPct val="90000"/>
-              </a:lnSpc>
-              <a:spcBef>
-                <a:spcPts val="800"/>
-              </a:spcBef>
-              <a:spcAft>
-                <a:spcPts val="0"/>
-              </a:spcAft>
-              <a:buClr>
-                <a:schemeClr val="dk1"/>
-              </a:buClr>
-              <a:buSzPct val="100000"/>
-              <a:buFont typeface="Noto Sans Symbols"/>
-              <a:buChar char="➢"/>
-            </a:pPr>
-            <a:r>
-              <a:rPr b="0" i="0" lang="zh-TW" sz="1800" u="none" cap="none" strike="noStrike">
-                <a:solidFill>
-                  <a:schemeClr val="dk1"/>
-                </a:solidFill>
-                <a:latin typeface="Calibri"/>
-                <a:ea typeface="Calibri"/>
-                <a:cs typeface="Calibri"/>
-                <a:sym typeface="Calibri"/>
-              </a:rPr>
-              <a:t>&lt;a&gt;&lt;/a&gt;</a:t>
-            </a:r>
-          </a:p>
-          <a:p>
-            <a:pPr indent="0" lvl="0" marL="0" marR="0" rtl="0" algn="l">
-              <a:lnSpc>
-                <a:spcPct val="90000"/>
-              </a:lnSpc>
-              <a:spcBef>
-                <a:spcPts val="800"/>
-              </a:spcBef>
-              <a:spcAft>
-                <a:spcPts val="0"/>
-              </a:spcAft>
-              <a:buClr>
-                <a:schemeClr val="dk1"/>
-              </a:buClr>
-              <a:buSzPct val="25000"/>
-              <a:buFont typeface="Arial"/>
-              <a:buNone/>
-            </a:pPr>
-            <a:r>
-              <a:rPr b="0" i="0" lang="zh-TW" sz="1800" u="none" cap="none" strike="noStrike">
-                <a:solidFill>
-                  <a:schemeClr val="dk1"/>
-                </a:solidFill>
-                <a:latin typeface="Calibri"/>
-                <a:ea typeface="Calibri"/>
-                <a:cs typeface="Calibri"/>
-                <a:sym typeface="Calibri"/>
-              </a:rPr>
-              <a:t>      We can add a hyperlink using the </a:t>
-            </a:r>
-            <a:r>
-              <a:rPr b="1" i="0" lang="zh-TW" sz="1800" u="none" cap="none" strike="noStrike">
-                <a:solidFill>
-                  <a:schemeClr val="dk1"/>
-                </a:solidFill>
-                <a:latin typeface="Calibri"/>
-                <a:ea typeface="Calibri"/>
-                <a:cs typeface="Calibri"/>
-                <a:sym typeface="Calibri"/>
-              </a:rPr>
-              <a:t>&lt;a&gt; </a:t>
-            </a:r>
-            <a:r>
-              <a:rPr b="0" i="0" lang="zh-TW" sz="1800" u="none" cap="none" strike="noStrike">
-                <a:solidFill>
-                  <a:schemeClr val="dk1"/>
-                </a:solidFill>
-                <a:latin typeface="Calibri"/>
-                <a:ea typeface="Calibri"/>
-                <a:cs typeface="Calibri"/>
-                <a:sym typeface="Calibri"/>
-              </a:rPr>
-              <a:t>element.</a:t>
-            </a:r>
-          </a:p>
-          <a:p>
-            <a:pPr indent="0" lvl="0" marL="0" marR="0" rtl="0" algn="ctr">
-              <a:lnSpc>
-                <a:spcPct val="90000"/>
-              </a:lnSpc>
-              <a:spcBef>
-                <a:spcPts val="800"/>
-              </a:spcBef>
-              <a:spcAft>
-                <a:spcPts val="0"/>
-              </a:spcAft>
-              <a:buClr>
-                <a:schemeClr val="dk1"/>
-              </a:buClr>
-              <a:buSzPct val="25000"/>
-              <a:buFont typeface="Arial"/>
-              <a:buNone/>
-            </a:pPr>
-            <a:r>
-              <a:rPr b="0" i="0" lang="zh-TW" sz="1800" u="none" cap="none" strike="noStrike">
-                <a:solidFill>
-                  <a:schemeClr val="dk1"/>
-                </a:solidFill>
-                <a:latin typeface="Calibri"/>
-                <a:ea typeface="Calibri"/>
-                <a:cs typeface="Calibri"/>
-                <a:sym typeface="Calibri"/>
-              </a:rPr>
-              <a:t>   To specify a web address, we provide the reference attribute </a:t>
-            </a:r>
-            <a:r>
-              <a:rPr b="1" i="0" lang="zh-TW" sz="1800" u="none" cap="none" strike="noStrike">
-                <a:solidFill>
-                  <a:schemeClr val="dk1"/>
-                </a:solidFill>
-                <a:latin typeface="Calibri"/>
-                <a:ea typeface="Calibri"/>
-                <a:cs typeface="Calibri"/>
-                <a:sym typeface="Calibri"/>
-              </a:rPr>
-              <a:t>href=".." </a:t>
-            </a:r>
-            <a:r>
-              <a:rPr b="0" i="0" lang="zh-TW" sz="1800" u="none" cap="none" strike="noStrike">
-                <a:solidFill>
-                  <a:schemeClr val="dk1"/>
-                </a:solidFill>
-                <a:latin typeface="Calibri"/>
-                <a:ea typeface="Calibri"/>
-                <a:cs typeface="Calibri"/>
-                <a:sym typeface="Calibri"/>
-              </a:rPr>
-              <a:t>in the start tag </a:t>
-            </a:r>
-            <a:r>
-              <a:rPr b="1" i="0" lang="zh-TW" sz="1800" u="none" cap="none" strike="noStrike">
-                <a:solidFill>
-                  <a:schemeClr val="dk1"/>
-                </a:solidFill>
-                <a:latin typeface="Calibri"/>
-                <a:ea typeface="Calibri"/>
-                <a:cs typeface="Calibri"/>
-                <a:sym typeface="Calibri"/>
-              </a:rPr>
-              <a:t>&lt;a &gt;</a:t>
-            </a:r>
-            <a:r>
-              <a:rPr b="0" i="0" lang="zh-TW" sz="1800" u="none" cap="none" strike="noStrike">
-                <a:solidFill>
-                  <a:schemeClr val="dk1"/>
-                </a:solidFill>
-                <a:latin typeface="Calibri"/>
-                <a:ea typeface="Calibri"/>
-                <a:cs typeface="Calibri"/>
-                <a:sym typeface="Calibri"/>
-              </a:rPr>
-              <a:t>.</a:t>
-            </a:r>
-          </a:p>
-          <a:p>
-            <a:pPr indent="-254000" lvl="0" marL="254000" marR="0" rtl="0" algn="l">
-              <a:lnSpc>
-                <a:spcPct val="90000"/>
-              </a:lnSpc>
-              <a:spcBef>
-                <a:spcPts val="800"/>
-              </a:spcBef>
-              <a:spcAft>
-                <a:spcPts val="0"/>
-              </a:spcAft>
-              <a:buClr>
-                <a:schemeClr val="dk1"/>
-              </a:buClr>
-              <a:buFont typeface="Noto Sans Symbols"/>
-              <a:buNone/>
-            </a:pPr>
-            <a:r>
-              <a:t/>
-            </a:r>
-            <a:endParaRPr b="0" i="0" sz="1800" u="none" cap="none" strike="noStrike">
-              <a:solidFill>
-                <a:schemeClr val="dk1"/>
-              </a:solidFill>
-              <a:latin typeface="Calibri"/>
-              <a:ea typeface="Calibri"/>
-              <a:cs typeface="Calibri"/>
-              <a:sym typeface="Calibri"/>
-            </a:endParaRPr>
+              <a:t>Head section and body section</a:t>
+            </a:r>
           </a:p>
           <a:p>
             <a:pPr indent="-254000" lvl="0" marL="254000" marR="0" rtl="0" algn="l">
@@ -8523,8 +8821,8 @@
         </p:blipFill>
         <p:spPr>
           <a:xfrm>
-            <a:off x="1307747" y="2721101"/>
-            <a:ext cx="6528500" cy="2003681"/>
+            <a:off x="458252" y="1252904"/>
+            <a:ext cx="8521290" cy="3728298"/>
           </a:xfrm>
           <a:prstGeom prst="rect">
             <a:avLst/>
@@ -8568,7 +8866,7 @@
         </p:nvSpPr>
         <p:spPr>
           <a:xfrm>
-            <a:off x="47015" y="1561980"/>
+            <a:off x="195890" y="237967"/>
             <a:ext cx="8948100" cy="3416400"/>
           </a:xfrm>
           <a:prstGeom prst="rect">
@@ -8708,7 +9006,7 @@
             </a:r>
           </a:p>
           <a:p>
-            <a:pPr indent="-254000" lvl="0" marL="254000" marR="0" rtl="0" algn="l">
+            <a:pPr indent="0" lvl="0" marL="0" marR="0" rtl="0" algn="l">
               <a:lnSpc>
                 <a:spcPct val="90000"/>
               </a:lnSpc>
@@ -8721,9 +9019,9 @@
               <a:buClr>
                 <a:schemeClr val="dk1"/>
               </a:buClr>
-              <a:buSzPct val="100000"/>
-              <a:buFont typeface="Noto Sans Symbols"/>
-              <a:buChar char="➢"/>
+              <a:buSzPct val="25000"/>
+              <a:buFont typeface="Arial"/>
+              <a:buNone/>
             </a:pPr>
             <a:r>
               <a:rPr b="0" i="0" lang="zh-TW" sz="1800" u="none" cap="none" strike="noStrike">
@@ -8735,27 +9033,20 @@
                 <a:cs typeface="Calibri"/>
                 <a:sym typeface="Calibri"/>
               </a:rPr>
-              <a:t>&lt;img&gt;&lt;/img&gt;</a:t>
-            </a:r>
-          </a:p>
-          <a:p>
-            <a:pPr indent="0" lvl="0" marL="0" marR="0" rtl="0" algn="l">
-              <a:lnSpc>
-                <a:spcPct val="90000"/>
-              </a:lnSpc>
-              <a:spcBef>
-                <a:spcPts val="800"/>
-              </a:spcBef>
-              <a:spcAft>
-                <a:spcPts val="0"/>
-              </a:spcAft>
-              <a:buClr>
-                <a:schemeClr val="dk1"/>
-              </a:buClr>
-              <a:buSzPct val="25000"/>
-              <a:buFont typeface="Arial"/>
-              <a:buNone/>
-            </a:pPr>
+              <a:t>      We can add a hyperlink using the </a:t>
+            </a:r>
+            <a:r>
+              <a:rPr b="1" i="0" lang="zh-TW" sz="1800" u="none" cap="none" strike="noStrike">
+                <a:solidFill>
+                  <a:schemeClr val="dk1"/>
+                </a:solidFill>
+                <a:latin typeface="Calibri"/>
+                <a:ea typeface="Calibri"/>
+                <a:cs typeface="Calibri"/>
+                <a:sym typeface="Calibri"/>
+              </a:rPr>
+              <a:t>&lt;a&gt; </a:t>
+            </a:r>
             <a:r>
               <a:rPr b="0" i="0" lang="zh-TW" sz="1800" u="none" cap="none" strike="noStrike">
                 <a:solidFill>
@@ -8766,7 +9057,38 @@
                 <a:cs typeface="Calibri"/>
                 <a:sym typeface="Calibri"/>
               </a:rPr>
-              <a:t>       HTML images are defined with the </a:t>
+              <a:t>element.</a:t>
+            </a:r>
+          </a:p>
+          <a:p>
+            <a:pPr indent="0" lvl="0" marL="0" marR="0" rtl="0" algn="ctr">
+              <a:lnSpc>
+                <a:spcPct val="90000"/>
+              </a:lnSpc>
+              <a:spcBef>
+                <a:spcPts val="800"/>
+              </a:spcBef>
+              <a:spcAft>
+                <a:spcPts val="0"/>
+              </a:spcAft>
+              <a:buClr>
+                <a:schemeClr val="dk1"/>
+              </a:buClr>
+              <a:buSzPct val="25000"/>
+              <a:buFont typeface="Arial"/>
+              <a:buNone/>
+            </a:pPr>
+            <a:r>
+              <a:rPr b="0" i="0" lang="zh-TW" sz="1800" u="none" cap="none" strike="noStrike">
+                <a:solidFill>
+                  <a:schemeClr val="dk1"/>
+                </a:solidFill>
+                <a:latin typeface="Calibri"/>
+                <a:ea typeface="Calibri"/>
+                <a:cs typeface="Calibri"/>
+                <a:sym typeface="Calibri"/>
+              </a:rPr>
+              <a:t>   To specify a web address, we provide the reference attribute </a:t>
             </a:r>
             <a:r>
               <a:rPr b="1" i="0" lang="zh-TW" sz="1800" u="none" cap="none" strike="noStrike">
@@ -8778,7 +9100,7 @@
                 <a:cs typeface="Calibri"/>
                 <a:sym typeface="Calibri"/>
               </a:rPr>
-              <a:t>&lt;img&gt;</a:t>
+              <a:t>href=".." </a:t>
             </a:r>
             <a:r>
               <a:rPr b="0" i="0" lang="zh-TW" sz="1800" u="none" cap="none" strike="noStrike">
@@ -8790,27 +9112,20 @@
                 <a:cs typeface="Calibri"/>
                 <a:sym typeface="Calibri"/>
               </a:rPr>
-              <a:t> tag.</a:t>
-            </a:r>
-          </a:p>
-          <a:p>
-            <a:pPr indent="0" lvl="0" marL="0" marR="0" rtl="0" algn="l">
-              <a:lnSpc>
-                <a:spcPct val="90000"/>
-              </a:lnSpc>
-              <a:spcBef>
-                <a:spcPts val="800"/>
-              </a:spcBef>
-              <a:spcAft>
-                <a:spcPts val="0"/>
-              </a:spcAft>
-              <a:buClr>
-                <a:schemeClr val="dk1"/>
-              </a:buClr>
-              <a:buSzPct val="25000"/>
-              <a:buFont typeface="Arial"/>
-              <a:buNone/>
-            </a:pPr>
+              <a:t>in the start tag </a:t>
+            </a:r>
+            <a:r>
+              <a:rPr b="1" i="0" lang="zh-TW" sz="1800" u="none" cap="none" strike="noStrike">
+                <a:solidFill>
+                  <a:schemeClr val="dk1"/>
+                </a:solidFill>
+                <a:latin typeface="Calibri"/>
+                <a:ea typeface="Calibri"/>
+                <a:cs typeface="Calibri"/>
+                <a:sym typeface="Calibri"/>
+              </a:rPr>
+              <a:t>&lt;a &gt;</a:t>
+            </a:r>
             <a:r>
               <a:rPr b="0" i="0" lang="zh-TW" sz="1800" u="none" cap="none" strike="noStrike">
                 <a:solidFill>
@@ -8821,35 +9136,11 @@
                 <a:cs typeface="Calibri"/>
                 <a:sym typeface="Calibri"/>
               </a:rPr>
-              <a:t>       The filename of the image source is specified in the </a:t>
-            </a:r>
-            <a:r>
-              <a:rPr b="1" i="0" lang="zh-TW" sz="1800" u="none" cap="none" strike="noStrike">
-                <a:solidFill>
-                  <a:schemeClr val="dk1"/>
-                </a:solidFill>
-                <a:latin typeface="Calibri"/>
-                <a:ea typeface="Calibri"/>
-                <a:cs typeface="Calibri"/>
-                <a:sym typeface="Calibri"/>
-              </a:rPr>
-              <a:t>src</a:t>
-            </a:r>
-            <a:r>
-              <a:rPr b="0" i="0" lang="zh-TW" sz="1800" u="none" cap="none" strike="noStrike">
-                <a:solidFill>
-                  <a:schemeClr val="dk1"/>
-                </a:solidFill>
-                <a:latin typeface="Calibri"/>
-                <a:ea typeface="Calibri"/>
-                <a:cs typeface="Calibri"/>
-                <a:sym typeface="Calibri"/>
-              </a:rPr>
-              <a:t> attribute:</a:t>
-            </a:r>
-          </a:p>
-          <a:p>
-            <a:pPr indent="0" lvl="0" marL="0" marR="0" rtl="0" algn="l">
+              <a:t>.</a:t>
+            </a:r>
+          </a:p>
+          <a:p>
+            <a:pPr indent="-254000" lvl="0" marL="254000" marR="0" rtl="0" algn="l">
               <a:lnSpc>
                 <a:spcPct val="90000"/>
               </a:lnSpc>
@@ -8862,7 +9153,7 @@
               <a:buClr>
                 <a:schemeClr val="dk1"/>
               </a:buClr>
-              <a:buFont typeface="Arial"/>
+              <a:buFont typeface="Noto Sans Symbols"/>
               <a:buNone/>
             </a:pPr>
             <a:r>
@@ -8886,9 +9177,6 @@
               <a:spcBef>
                 <a:spcPts val="800"/>
               </a:spcBef>
-              <a:spcAft>
-                <a:spcPts val="0"/>
-              </a:spcAft>
               <a:buClr>
                 <a:schemeClr val="dk1"/>
               </a:buClr>
@@ -8907,34 +9195,6 @@
               <a:cs typeface="Calibri"/>
               <a:sym typeface="Calibri"/>
             </a:endParaRPr>
-          </a:p>
-          <a:p>
-            <a:pPr indent="0" lvl="0" marL="0" marR="0" rtl="0" algn="l">
-              <a:lnSpc>
-                <a:spcPct val="90000"/>
-              </a:lnSpc>
-              <a:spcBef>
-                <a:spcPts val="800"/>
-              </a:spcBef>
-              <a:buClr>
-                <a:schemeClr val="dk1"/>
-              </a:buClr>
-              <a:buSzPct val="25000"/>
-              <a:buFont typeface="Arial"/>
-              <a:buNone/>
-            </a:pPr>
-            <a:r>
-              <a:rPr b="0" i="0" lang="zh-TW" sz="1800" u="none" cap="none" strike="noStrike">
-                <a:solidFill>
-                  <a:schemeClr val="dk1"/>
-                </a:solidFill>
-                <a:latin typeface="Calibri"/>
-                <a:ea typeface="Calibri"/>
-                <a:cs typeface="Calibri"/>
-                <a:sym typeface="Calibri"/>
-              </a:rPr>
-              <a:t>      </a:t>
-            </a:r>
           </a:p>
         </p:txBody>
       </p:sp>
@@ -8948,13 +9208,13 @@
           <a:blip r:embed="rId3">
             <a:alphaModFix/>
           </a:blip>
-          <a:srcRect b="0" l="0" r="12800" t="0"/>
+          <a:srcRect b="0" l="0" r="0" t="0"/>
           <a:stretch/>
         </p:blipFill>
         <p:spPr>
           <a:xfrm>
-            <a:off x="1840800" y="246450"/>
-            <a:ext cx="7303200" cy="2959445"/>
+            <a:off x="1307747" y="2721101"/>
+            <a:ext cx="6528500" cy="2003681"/>
           </a:xfrm>
           <a:prstGeom prst="rect">
             <a:avLst/>
@@ -8998,8 +9258,8 @@
         </p:nvSpPr>
         <p:spPr>
           <a:xfrm>
-            <a:off x="301298" y="712126"/>
-            <a:ext cx="3470700" cy="3416400"/>
+            <a:off x="47015" y="1561980"/>
+            <a:ext cx="8948100" cy="3416400"/>
           </a:xfrm>
           <a:prstGeom prst="rect">
             <a:avLst/>
@@ -9169,7 +9429,7 @@
             </a:r>
           </a:p>
           <a:p>
-            <a:pPr indent="-254000" lvl="0" marL="254000" marR="0" rtl="0" algn="l">
+            <a:pPr indent="0" lvl="0" marL="0" marR="0" rtl="0" algn="l">
               <a:lnSpc>
                 <a:spcPct val="90000"/>
               </a:lnSpc>
@@ -9182,9 +9442,9 @@
               <a:buClr>
                 <a:schemeClr val="dk1"/>
               </a:buClr>
-              <a:buSzPct val="100000"/>
-              <a:buFont typeface="Noto Sans Symbols"/>
-              <a:buChar char="➢"/>
+              <a:buSzPct val="25000"/>
+              <a:buFont typeface="Arial"/>
+              <a:buNone/>
             </a:pPr>
             <a:r>
               <a:rPr b="0" i="0" lang="zh-TW" sz="1800" u="none" cap="none" strike="noStrike">
@@ -9196,27 +9456,20 @@
                 <a:cs typeface="Calibri"/>
                 <a:sym typeface="Calibri"/>
               </a:rPr>
-              <a:t>&lt;li&gt;&lt;/li&gt;</a:t>
-            </a:r>
-          </a:p>
-          <a:p>
-            <a:pPr indent="0" lvl="0" marL="0" marR="0" rtl="0" algn="l">
-              <a:lnSpc>
-                <a:spcPct val="90000"/>
-              </a:lnSpc>
-              <a:spcBef>
-                <a:spcPts val="800"/>
-              </a:spcBef>
-              <a:spcAft>
-                <a:spcPts val="0"/>
-              </a:spcAft>
-              <a:buClr>
-                <a:schemeClr val="dk1"/>
-              </a:buClr>
-              <a:buSzPct val="25000"/>
-              <a:buFont typeface="Arial"/>
-              <a:buNone/>
-            </a:pPr>
+              <a:t>       HTML images are defined with the </a:t>
+            </a:r>
+            <a:r>
+              <a:rPr b="1" i="0" lang="zh-TW" sz="1800" u="none" cap="none" strike="noStrike">
+                <a:solidFill>
+                  <a:schemeClr val="dk1"/>
+                </a:solidFill>
+                <a:latin typeface="Calibri"/>
+                <a:ea typeface="Calibri"/>
+                <a:cs typeface="Calibri"/>
+                <a:sym typeface="Calibri"/>
+              </a:rPr>
+              <a:t>&lt;img&gt;</a:t>
+            </a:r>
             <a:r>
               <a:rPr b="0" i="0" lang="zh-TW" sz="1800" u="none" cap="none" strike="noStrike">
                 <a:solidFill>
@@ -9227,7 +9480,7 @@
                 <a:cs typeface="Calibri"/>
                 <a:sym typeface="Calibri"/>
               </a:rPr>
-              <a:t>      The &lt;li&gt; tag defines a list item.</a:t>
+              <a:t> tag.</a:t>
             </a:r>
           </a:p>
           <a:p>
@@ -9258,27 +9511,20 @@
                 <a:cs typeface="Calibri"/>
                 <a:sym typeface="Calibri"/>
               </a:rPr>
-              <a:t>      The &lt;li&gt; tag is used in ordered </a:t>
-            </a:r>
-          </a:p>
-          <a:p>
-            <a:pPr indent="0" lvl="0" marL="0" marR="0" rtl="0" algn="l">
-              <a:lnSpc>
-                <a:spcPct val="90000"/>
-              </a:lnSpc>
-              <a:spcBef>
-                <a:spcPts val="800"/>
-              </a:spcBef>
-              <a:spcAft>
-                <a:spcPts val="0"/>
-              </a:spcAft>
-              <a:buClr>
-                <a:schemeClr val="dk1"/>
-              </a:buClr>
-              <a:buSzPct val="25000"/>
-              <a:buFont typeface="Arial"/>
-              <a:buNone/>
-            </a:pPr>
+              <a:t>       The filename of the image source is specified in the </a:t>
+            </a:r>
+            <a:r>
+              <a:rPr b="1" i="0" lang="zh-TW" sz="1800" u="none" cap="none" strike="noStrike">
+                <a:solidFill>
+                  <a:schemeClr val="dk1"/>
+                </a:solidFill>
+                <a:latin typeface="Calibri"/>
+                <a:ea typeface="Calibri"/>
+                <a:cs typeface="Calibri"/>
+                <a:sym typeface="Calibri"/>
+              </a:rPr>
+              <a:t>src</a:t>
+            </a:r>
             <a:r>
               <a:rPr b="0" i="0" lang="zh-TW" sz="1800" u="none" cap="none" strike="noStrike">
                 <a:solidFill>
@@ -9289,57 +9535,7 @@
                 <a:cs typeface="Calibri"/>
                 <a:sym typeface="Calibri"/>
               </a:rPr>
-              <a:t>lists(</a:t>
-            </a:r>
-            <a:r>
-              <a:rPr b="0" i="0" lang="zh-TW" sz="1800" u="sng" cap="none" strike="noStrike">
-                <a:solidFill>
-                  <a:schemeClr val="hlink"/>
-                </a:solidFill>
-                <a:latin typeface="Calibri"/>
-                <a:ea typeface="Calibri"/>
-                <a:cs typeface="Calibri"/>
-                <a:sym typeface="Calibri"/>
-                <a:hlinkClick r:id="rId3"/>
-              </a:rPr>
-              <a:t>&lt;ol&gt;</a:t>
-            </a:r>
-            <a:r>
-              <a:rPr b="0" i="0" lang="zh-TW" sz="1800" u="none" cap="none" strike="noStrike">
-                <a:solidFill>
-                  <a:schemeClr val="dk1"/>
-                </a:solidFill>
-                <a:latin typeface="Calibri"/>
-                <a:ea typeface="Calibri"/>
-                <a:cs typeface="Calibri"/>
-                <a:sym typeface="Calibri"/>
-              </a:rPr>
-              <a:t>), unordered lists (</a:t>
-            </a:r>
-            <a:r>
-              <a:rPr b="0" i="0" lang="zh-TW" sz="1800" u="sng" cap="none" strike="noStrike">
-                <a:solidFill>
-                  <a:schemeClr val="hlink"/>
-                </a:solidFill>
-                <a:latin typeface="Calibri"/>
-                <a:ea typeface="Calibri"/>
-                <a:cs typeface="Calibri"/>
-                <a:sym typeface="Calibri"/>
-                <a:hlinkClick r:id="rId4"/>
-              </a:rPr>
-              <a:t>&lt;ul&gt;</a:t>
-            </a:r>
-            <a:r>
-              <a:rPr b="0" i="0" lang="zh-TW" sz="1800" u="none" cap="none" strike="noStrike">
-                <a:solidFill>
-                  <a:schemeClr val="dk1"/>
-                </a:solidFill>
-                <a:latin typeface="Calibri"/>
-                <a:ea typeface="Calibri"/>
-                <a:cs typeface="Calibri"/>
-                <a:sym typeface="Calibri"/>
-              </a:rPr>
-              <a:t>), </a:t>
+              <a:t> attribute:</a:t>
             </a:r>
           </a:p>
           <a:p>
@@ -9356,63 +9552,7 @@
               <a:buClr>
                 <a:schemeClr val="dk1"/>
               </a:buClr>
-              <a:buSzPct val="25000"/>
               <a:buFont typeface="Arial"/>
-              <a:buNone/>
-            </a:pPr>
-            <a:r>
-              <a:rPr b="0" i="0" lang="zh-TW" sz="1800" u="none" cap="none" strike="noStrike">
-                <a:solidFill>
-                  <a:schemeClr val="dk1"/>
-                </a:solidFill>
-                <a:latin typeface="Calibri"/>
-                <a:ea typeface="Calibri"/>
-                <a:cs typeface="Calibri"/>
-                <a:sym typeface="Calibri"/>
-              </a:rPr>
-              <a:t>and in menu lists (</a:t>
-            </a:r>
-            <a:r>
-              <a:rPr b="0" i="0" lang="zh-TW" sz="1800" u="sng" cap="none" strike="noStrike">
-                <a:solidFill>
-                  <a:schemeClr val="hlink"/>
-                </a:solidFill>
-                <a:latin typeface="Calibri"/>
-                <a:ea typeface="Calibri"/>
-                <a:cs typeface="Calibri"/>
-                <a:sym typeface="Calibri"/>
-                <a:hlinkClick r:id="rId5"/>
-              </a:rPr>
-              <a:t>&lt;menu&gt;</a:t>
-            </a:r>
-            <a:r>
-              <a:rPr b="0" i="0" lang="zh-TW" sz="1800" u="none" cap="none" strike="noStrike">
-                <a:solidFill>
-                  <a:schemeClr val="dk1"/>
-                </a:solidFill>
-                <a:latin typeface="Calibri"/>
-                <a:ea typeface="Calibri"/>
-                <a:cs typeface="Calibri"/>
-                <a:sym typeface="Calibri"/>
-              </a:rPr>
-              <a:t>).</a:t>
-            </a:r>
-          </a:p>
-          <a:p>
-            <a:pPr indent="-254000" lvl="0" marL="254000" marR="0" rtl="0" algn="l">
-              <a:lnSpc>
-                <a:spcPct val="90000"/>
-              </a:lnSpc>
-              <a:spcBef>
-                <a:spcPts val="800"/>
-              </a:spcBef>
-              <a:spcAft>
-                <a:spcPts val="0"/>
-              </a:spcAft>
-              <a:buClr>
-                <a:schemeClr val="dk1"/>
-              </a:buClr>
-              <a:buFont typeface="Noto Sans Symbols"/>
               <a:buNone/>
             </a:pPr>
             <a:r>
@@ -9495,16 +9635,16 @@
           <p:nvPr/>
         </p:nvPicPr>
         <p:blipFill rotWithShape="1">
-          <a:blip r:embed="rId6">
+          <a:blip r:embed="rId3">
             <a:alphaModFix/>
           </a:blip>
-          <a:srcRect b="0" l="0" r="0" t="0"/>
+          <a:srcRect b="0" l="0" r="12800" t="0"/>
           <a:stretch/>
         </p:blipFill>
         <p:spPr>
           <a:xfrm>
-            <a:off x="4026876" y="910003"/>
-            <a:ext cx="4921075" cy="3818533"/>
+            <a:off x="1840800" y="246450"/>
+            <a:ext cx="7303200" cy="2959445"/>
           </a:xfrm>
           <a:prstGeom prst="rect">
             <a:avLst/>
@@ -9548,7 +9688,7 @@
         </p:nvSpPr>
         <p:spPr>
           <a:xfrm>
-            <a:off x="301298" y="345476"/>
+            <a:off x="301298" y="712126"/>
             <a:ext cx="3470700" cy="3416400"/>
           </a:xfrm>
           <a:prstGeom prst="rect">
@@ -9622,7 +9762,330 @@
                 <a:cs typeface="Calibri"/>
                 <a:sym typeface="Calibri"/>
               </a:rPr>
-              <a:t>HTML Attributes</a:t>
+              <a:t>&lt;h1&gt;&lt;/h1&gt;</a:t>
+            </a:r>
+          </a:p>
+          <a:p>
+            <a:pPr indent="-254000" lvl="0" marL="254000" marR="0" rtl="0" algn="l">
+              <a:lnSpc>
+                <a:spcPct val="90000"/>
+              </a:lnSpc>
+              <a:spcBef>
+                <a:spcPts val="800"/>
+              </a:spcBef>
+              <a:spcAft>
+                <a:spcPts val="0"/>
+              </a:spcAft>
+              <a:buClr>
+                <a:schemeClr val="dk1"/>
+              </a:buClr>
+              <a:buSzPct val="100000"/>
+              <a:buFont typeface="Noto Sans Symbols"/>
+              <a:buChar char="➢"/>
+            </a:pPr>
+            <a:r>
+              <a:rPr b="0" i="0" lang="zh-TW" sz="1800" u="none" cap="none" strike="noStrike">
+                <a:solidFill>
+                  <a:schemeClr val="dk1"/>
+                </a:solidFill>
+                <a:latin typeface="Calibri"/>
+                <a:ea typeface="Calibri"/>
+                <a:cs typeface="Calibri"/>
+                <a:sym typeface="Calibri"/>
+              </a:rPr>
+              <a:t>&lt;p&gt;&lt;/p&gt;</a:t>
+            </a:r>
+          </a:p>
+          <a:p>
+            <a:pPr indent="-254000" lvl="0" marL="254000" marR="0" rtl="0" algn="l">
+              <a:lnSpc>
+                <a:spcPct val="90000"/>
+              </a:lnSpc>
+              <a:spcBef>
+                <a:spcPts val="800"/>
+              </a:spcBef>
+              <a:spcAft>
+                <a:spcPts val="0"/>
+              </a:spcAft>
+              <a:buClr>
+                <a:schemeClr val="dk1"/>
+              </a:buClr>
+              <a:buSzPct val="100000"/>
+              <a:buFont typeface="Noto Sans Symbols"/>
+              <a:buChar char="➢"/>
+            </a:pPr>
+            <a:r>
+              <a:rPr b="0" i="0" lang="zh-TW" sz="1800" u="none" cap="none" strike="noStrike">
+                <a:solidFill>
+                  <a:schemeClr val="dk1"/>
+                </a:solidFill>
+                <a:latin typeface="Calibri"/>
+                <a:ea typeface="Calibri"/>
+                <a:cs typeface="Calibri"/>
+                <a:sym typeface="Calibri"/>
+              </a:rPr>
+              <a:t>&lt;a&gt;&lt;/a&gt;</a:t>
+            </a:r>
+          </a:p>
+          <a:p>
+            <a:pPr indent="-254000" lvl="0" marL="254000" marR="0" rtl="0" algn="l">
+              <a:lnSpc>
+                <a:spcPct val="90000"/>
+              </a:lnSpc>
+              <a:spcBef>
+                <a:spcPts val="800"/>
+              </a:spcBef>
+              <a:spcAft>
+                <a:spcPts val="0"/>
+              </a:spcAft>
+              <a:buClr>
+                <a:schemeClr val="dk1"/>
+              </a:buClr>
+              <a:buSzPct val="100000"/>
+              <a:buFont typeface="Noto Sans Symbols"/>
+              <a:buChar char="➢"/>
+            </a:pPr>
+            <a:r>
+              <a:rPr b="0" i="0" lang="zh-TW" sz="1800" u="none" cap="none" strike="noStrike">
+                <a:solidFill>
+                  <a:schemeClr val="dk1"/>
+                </a:solidFill>
+                <a:latin typeface="Calibri"/>
+                <a:ea typeface="Calibri"/>
+                <a:cs typeface="Calibri"/>
+                <a:sym typeface="Calibri"/>
+              </a:rPr>
+              <a:t>&lt;img&gt;&lt;/img&gt;</a:t>
+            </a:r>
+          </a:p>
+          <a:p>
+            <a:pPr indent="-254000" lvl="0" marL="254000" marR="0" rtl="0" algn="l">
+              <a:lnSpc>
+                <a:spcPct val="90000"/>
+              </a:lnSpc>
+              <a:spcBef>
+                <a:spcPts val="800"/>
+              </a:spcBef>
+              <a:spcAft>
+                <a:spcPts val="0"/>
+              </a:spcAft>
+              <a:buClr>
+                <a:schemeClr val="dk1"/>
+              </a:buClr>
+              <a:buSzPct val="100000"/>
+              <a:buFont typeface="Noto Sans Symbols"/>
+              <a:buChar char="➢"/>
+            </a:pPr>
+            <a:r>
+              <a:rPr b="0" i="0" lang="zh-TW" sz="1800" u="none" cap="none" strike="noStrike">
+                <a:solidFill>
+                  <a:schemeClr val="dk1"/>
+                </a:solidFill>
+                <a:latin typeface="Calibri"/>
+                <a:ea typeface="Calibri"/>
+                <a:cs typeface="Calibri"/>
+                <a:sym typeface="Calibri"/>
+              </a:rPr>
+              <a:t>&lt;li&gt;&lt;/li&gt;</a:t>
+            </a:r>
+          </a:p>
+          <a:p>
+            <a:pPr indent="0" lvl="0" marL="0" marR="0" rtl="0" algn="l">
+              <a:lnSpc>
+                <a:spcPct val="90000"/>
+              </a:lnSpc>
+              <a:spcBef>
+                <a:spcPts val="800"/>
+              </a:spcBef>
+              <a:spcAft>
+                <a:spcPts val="0"/>
+              </a:spcAft>
+              <a:buClr>
+                <a:schemeClr val="dk1"/>
+              </a:buClr>
+              <a:buSzPct val="25000"/>
+              <a:buFont typeface="Arial"/>
+              <a:buNone/>
+            </a:pPr>
+            <a:r>
+              <a:rPr b="0" i="0" lang="zh-TW" sz="1800" u="none" cap="none" strike="noStrike">
+                <a:solidFill>
+                  <a:schemeClr val="dk1"/>
+                </a:solidFill>
+                <a:latin typeface="Calibri"/>
+                <a:ea typeface="Calibri"/>
+                <a:cs typeface="Calibri"/>
+                <a:sym typeface="Calibri"/>
+              </a:rPr>
+              <a:t>      The &lt;li&gt; tag defines a list item.</a:t>
+            </a:r>
+          </a:p>
+          <a:p>
+            <a:pPr indent="0" lvl="0" marL="0" marR="0" rtl="0" algn="l">
+              <a:lnSpc>
+                <a:spcPct val="90000"/>
+              </a:lnSpc>
+              <a:spcBef>
+                <a:spcPts val="800"/>
+              </a:spcBef>
+              <a:spcAft>
+                <a:spcPts val="0"/>
+              </a:spcAft>
+              <a:buClr>
+                <a:schemeClr val="dk1"/>
+              </a:buClr>
+              <a:buSzPct val="25000"/>
+              <a:buFont typeface="Arial"/>
+              <a:buNone/>
+            </a:pPr>
+            <a:r>
+              <a:rPr b="0" i="0" lang="zh-TW" sz="1800" u="none" cap="none" strike="noStrike">
+                <a:solidFill>
+                  <a:schemeClr val="dk1"/>
+                </a:solidFill>
+                <a:latin typeface="Calibri"/>
+                <a:ea typeface="Calibri"/>
+                <a:cs typeface="Calibri"/>
+                <a:sym typeface="Calibri"/>
+              </a:rPr>
+              <a:t>      The &lt;li&gt; tag is used in ordered </a:t>
+            </a:r>
+          </a:p>
+          <a:p>
+            <a:pPr indent="0" lvl="0" marL="0" marR="0" rtl="0" algn="l">
+              <a:lnSpc>
+                <a:spcPct val="90000"/>
+              </a:lnSpc>
+              <a:spcBef>
+                <a:spcPts val="800"/>
+              </a:spcBef>
+              <a:spcAft>
+                <a:spcPts val="0"/>
+              </a:spcAft>
+              <a:buClr>
+                <a:schemeClr val="dk1"/>
+              </a:buClr>
+              <a:buSzPct val="25000"/>
+              <a:buFont typeface="Arial"/>
+              <a:buNone/>
+            </a:pPr>
+            <a:r>
+              <a:rPr b="0" i="0" lang="zh-TW" sz="1800" u="none" cap="none" strike="noStrike">
+                <a:solidFill>
+                  <a:schemeClr val="dk1"/>
+                </a:solidFill>
+                <a:latin typeface="Calibri"/>
+                <a:ea typeface="Calibri"/>
+                <a:cs typeface="Calibri"/>
+                <a:sym typeface="Calibri"/>
+              </a:rPr>
+              <a:t>lists(</a:t>
+            </a:r>
+            <a:r>
+              <a:rPr b="0" i="0" lang="zh-TW" sz="1800" u="sng" cap="none" strike="noStrike">
+                <a:solidFill>
+                  <a:schemeClr val="hlink"/>
+                </a:solidFill>
+                <a:latin typeface="Calibri"/>
+                <a:ea typeface="Calibri"/>
+                <a:cs typeface="Calibri"/>
+                <a:sym typeface="Calibri"/>
+                <a:hlinkClick r:id="rId3"/>
+              </a:rPr>
+              <a:t>&lt;ol&gt;</a:t>
+            </a:r>
+            <a:r>
+              <a:rPr b="0" i="0" lang="zh-TW" sz="1800" u="none" cap="none" strike="noStrike">
+                <a:solidFill>
+                  <a:schemeClr val="dk1"/>
+                </a:solidFill>
+                <a:latin typeface="Calibri"/>
+                <a:ea typeface="Calibri"/>
+                <a:cs typeface="Calibri"/>
+                <a:sym typeface="Calibri"/>
+              </a:rPr>
+              <a:t>), unordered lists (</a:t>
+            </a:r>
+            <a:r>
+              <a:rPr b="0" i="0" lang="zh-TW" sz="1800" u="sng" cap="none" strike="noStrike">
+                <a:solidFill>
+                  <a:schemeClr val="hlink"/>
+                </a:solidFill>
+                <a:latin typeface="Calibri"/>
+                <a:ea typeface="Calibri"/>
+                <a:cs typeface="Calibri"/>
+                <a:sym typeface="Calibri"/>
+                <a:hlinkClick r:id="rId4"/>
+              </a:rPr>
+              <a:t>&lt;ul&gt;</a:t>
+            </a:r>
+            <a:r>
+              <a:rPr b="0" i="0" lang="zh-TW" sz="1800" u="none" cap="none" strike="noStrike">
+                <a:solidFill>
+                  <a:schemeClr val="dk1"/>
+                </a:solidFill>
+                <a:latin typeface="Calibri"/>
+                <a:ea typeface="Calibri"/>
+                <a:cs typeface="Calibri"/>
+                <a:sym typeface="Calibri"/>
+              </a:rPr>
+              <a:t>), </a:t>
+            </a:r>
+          </a:p>
+          <a:p>
+            <a:pPr indent="0" lvl="0" marL="0" marR="0" rtl="0" algn="l">
+              <a:lnSpc>
+                <a:spcPct val="90000"/>
+              </a:lnSpc>
+              <a:spcBef>
+                <a:spcPts val="800"/>
+              </a:spcBef>
+              <a:spcAft>
+                <a:spcPts val="0"/>
+              </a:spcAft>
+              <a:buClr>
+                <a:schemeClr val="dk1"/>
+              </a:buClr>
+              <a:buSzPct val="25000"/>
+              <a:buFont typeface="Arial"/>
+              <a:buNone/>
+            </a:pPr>
+            <a:r>
+              <a:rPr b="0" i="0" lang="zh-TW" sz="1800" u="none" cap="none" strike="noStrike">
+                <a:solidFill>
+                  <a:schemeClr val="dk1"/>
+                </a:solidFill>
+                <a:latin typeface="Calibri"/>
+                <a:ea typeface="Calibri"/>
+                <a:cs typeface="Calibri"/>
+                <a:sym typeface="Calibri"/>
+              </a:rPr>
+              <a:t>and in menu lists (</a:t>
+            </a:r>
+            <a:r>
+              <a:rPr b="0" i="0" lang="zh-TW" sz="1800" u="sng" cap="none" strike="noStrike">
+                <a:solidFill>
+                  <a:schemeClr val="hlink"/>
+                </a:solidFill>
+                <a:latin typeface="Calibri"/>
+                <a:ea typeface="Calibri"/>
+                <a:cs typeface="Calibri"/>
+                <a:sym typeface="Calibri"/>
+                <a:hlinkClick r:id="rId5"/>
+              </a:rPr>
+              <a:t>&lt;menu&gt;</a:t>
+            </a:r>
+            <a:r>
+              <a:rPr b="0" i="0" lang="zh-TW" sz="1800" u="none" cap="none" strike="noStrike">
+                <a:solidFill>
+                  <a:schemeClr val="dk1"/>
+                </a:solidFill>
+                <a:latin typeface="Calibri"/>
+                <a:ea typeface="Calibri"/>
+                <a:cs typeface="Calibri"/>
+                <a:sym typeface="Calibri"/>
+              </a:rPr>
+              <a:t>).</a:t>
             </a:r>
           </a:p>
           <a:p>
@@ -9722,7 +10185,7 @@
           <p:nvPr/>
         </p:nvPicPr>
         <p:blipFill rotWithShape="1">
-          <a:blip r:embed="rId3">
+          <a:blip r:embed="rId6">
             <a:alphaModFix/>
           </a:blip>
           <a:srcRect b="0" l="0" r="0" t="0"/>
@@ -9730,8 +10193,8 @@
         </p:blipFill>
         <p:spPr>
           <a:xfrm>
-            <a:off x="977561" y="1483143"/>
-            <a:ext cx="7718240" cy="2842815"/>
+            <a:off x="4026876" y="910003"/>
+            <a:ext cx="4921075" cy="3818533"/>
           </a:xfrm>
           <a:prstGeom prst="rect">
             <a:avLst/>
@@ -9775,7 +10238,7 @@
         </p:nvSpPr>
         <p:spPr>
           <a:xfrm>
-            <a:off x="301298" y="712126"/>
+            <a:off x="301298" y="345476"/>
             <a:ext cx="3470700" cy="3416400"/>
           </a:xfrm>
           <a:prstGeom prst="rect">
@@ -9849,38 +10312,7 @@
                 <a:cs typeface="Calibri"/>
                 <a:sym typeface="Calibri"/>
               </a:rPr>
-              <a:t>id</a:t>
-            </a:r>
-          </a:p>
-          <a:p>
-            <a:pPr indent="0" lvl="0" marL="0" marR="0" rtl="0" algn="l">
-              <a:lnSpc>
-                <a:spcPct val="90000"/>
-              </a:lnSpc>
-              <a:spcBef>
-                <a:spcPts val="800"/>
-              </a:spcBef>
-              <a:spcAft>
-                <a:spcPts val="0"/>
-              </a:spcAft>
-              <a:buClr>
-                <a:schemeClr val="dk1"/>
-              </a:buClr>
-              <a:buSzPct val="25000"/>
-              <a:buFont typeface="Arial"/>
-              <a:buNone/>
-            </a:pPr>
-            <a:r>
-              <a:rPr b="0" i="0" lang="zh-TW" sz="1800" u="none" cap="none" strike="noStrike">
-                <a:solidFill>
-                  <a:schemeClr val="dk1"/>
-                </a:solidFill>
-                <a:latin typeface="Calibri"/>
-                <a:ea typeface="Calibri"/>
-                <a:cs typeface="Calibri"/>
-                <a:sym typeface="Calibri"/>
-              </a:rPr>
-              <a:t>	</a:t>
+              <a:t>HTML Attributes</a:t>
             </a:r>
           </a:p>
           <a:p>
@@ -9988,8 +10420,8 @@
         </p:blipFill>
         <p:spPr>
           <a:xfrm>
-            <a:off x="485938" y="1537280"/>
-            <a:ext cx="7908543" cy="2841005"/>
+            <a:off x="977561" y="1483143"/>
+            <a:ext cx="7718240" cy="2842815"/>
           </a:xfrm>
           <a:prstGeom prst="rect">
             <a:avLst/>
@@ -10033,8 +10465,8 @@
         </p:nvSpPr>
         <p:spPr>
           <a:xfrm>
-            <a:off x="311473" y="314901"/>
-            <a:ext cx="8415000" cy="3416400"/>
+            <a:off x="301298" y="712126"/>
+            <a:ext cx="3470700" cy="3416400"/>
           </a:xfrm>
           <a:prstGeom prst="rect">
             <a:avLst/>
@@ -10107,38 +10539,7 @@
                 <a:cs typeface="Calibri"/>
                 <a:sym typeface="Calibri"/>
               </a:rPr>
-              <a:t>Class</a:t>
-            </a:r>
-          </a:p>
-          <a:p>
-            <a:pPr indent="0" lvl="0" marL="0" marR="0" rtl="0" algn="l">
-              <a:lnSpc>
-                <a:spcPct val="90000"/>
-              </a:lnSpc>
-              <a:spcBef>
-                <a:spcPts val="800"/>
-              </a:spcBef>
-              <a:spcAft>
-                <a:spcPts val="0"/>
-              </a:spcAft>
-              <a:buClr>
-                <a:schemeClr val="dk1"/>
-              </a:buClr>
-              <a:buSzPct val="25000"/>
-              <a:buFont typeface="Arial"/>
-              <a:buNone/>
-            </a:pPr>
-            <a:r>
-              <a:rPr b="0" i="0" lang="zh-TW" sz="1800" u="none" cap="none" strike="noStrike">
-                <a:solidFill>
-                  <a:schemeClr val="dk1"/>
-                </a:solidFill>
-                <a:latin typeface="Calibri"/>
-                <a:ea typeface="Calibri"/>
-                <a:cs typeface="Calibri"/>
-                <a:sym typeface="Calibri"/>
-              </a:rPr>
-              <a:t>      The HTML class attribute makes it possible to define equal styles for elements with the same class name.</a:t>
+              <a:t>id</a:t>
             </a:r>
           </a:p>
           <a:p>
@@ -10277,8 +10678,8 @@
         </p:blipFill>
         <p:spPr>
           <a:xfrm>
-            <a:off x="499512" y="2074160"/>
-            <a:ext cx="8449886" cy="2909380"/>
+            <a:off x="485938" y="1537280"/>
+            <a:ext cx="7908543" cy="2841005"/>
           </a:xfrm>
           <a:prstGeom prst="rect">
             <a:avLst/>
@@ -10302,7 +10703,7 @@
   <p:cSld>
     <p:spTree>
       <p:nvGrpSpPr>
-        <p:cNvPr id="65" name="Shape 65"/>
+        <p:cNvPr id="66" name="Shape 66"/>
         <p:cNvGrpSpPr/>
         <p:nvPr/>
       </p:nvGrpSpPr>
@@ -10316,7 +10717,7 @@
       </p:grpSpPr>
       <p:sp>
         <p:nvSpPr>
-          <p:cNvPr id="66" name="Shape 66"/>
+          <p:cNvPr id="67" name="Shape 67"/>
           <p:cNvSpPr txBox="1"/>
           <p:nvPr>
             <p:ph type="title"/>
@@ -10324,8 +10725,8 @@
         </p:nvSpPr>
         <p:spPr>
           <a:xfrm>
-            <a:off x="311700" y="391350"/>
-            <a:ext cx="8520600" cy="626100"/>
+            <a:off x="2956525" y="1773600"/>
+            <a:ext cx="3130500" cy="626100"/>
           </a:xfrm>
           <a:prstGeom prst="rect">
             <a:avLst/>
@@ -10344,189 +10745,8 @@
               <a:buNone/>
             </a:pPr>
             <a:r>
-              <a:rPr lang="zh-TW">
-                <a:solidFill>
-                  <a:srgbClr val="666666"/>
-                </a:solidFill>
-              </a:rPr>
-              <a:t>Get started</a:t>
-            </a:r>
-          </a:p>
-        </p:txBody>
-      </p:sp>
-      <p:sp>
-        <p:nvSpPr>
-          <p:cNvPr id="67" name="Shape 67"/>
-          <p:cNvSpPr txBox="1"/>
-          <p:nvPr>
-            <p:ph idx="1" type="body"/>
-          </p:nvPr>
-        </p:nvSpPr>
-        <p:spPr>
-          <a:xfrm>
-            <a:off x="311700" y="1152475"/>
-            <a:ext cx="8520600" cy="3416400"/>
-          </a:xfrm>
-          <a:prstGeom prst="rect">
-            <a:avLst/>
-          </a:prstGeom>
-        </p:spPr>
-        <p:txBody>
-          <a:bodyPr anchorCtr="0" anchor="t" bIns="91425" lIns="91425" rIns="91425" wrap="square" tIns="91425">
-            <a:noAutofit/>
-          </a:bodyPr>
-          <a:lstStyle/>
-          <a:p>
-            <a:pPr lvl="0">
-              <a:spcBef>
-                <a:spcPts val="0"/>
-              </a:spcBef>
-              <a:buNone/>
-            </a:pPr>
-            <a:r>
-              <a:rPr lang="zh-TW">
-                <a:solidFill>
-                  <a:srgbClr val="666666"/>
-                </a:solidFill>
-              </a:rPr>
-              <a:t>This workshop is given in Python 2, if you wish to work in your local pc, please make sure you’ve have following modules installed:</a:t>
-            </a:r>
-          </a:p>
-          <a:p>
-            <a:pPr indent="-228600" lvl="0" marL="457200" rtl="0">
-              <a:spcBef>
-                <a:spcPts val="0"/>
-              </a:spcBef>
-              <a:buClr>
-                <a:srgbClr val="666666"/>
-              </a:buClr>
-              <a:buAutoNum type="arabicPeriod"/>
-            </a:pPr>
-            <a:r>
-              <a:rPr lang="zh-TW">
-                <a:solidFill>
-                  <a:srgbClr val="666666"/>
-                </a:solidFill>
-              </a:rPr>
-              <a:t>selenium</a:t>
-            </a:r>
-          </a:p>
-          <a:p>
-            <a:pPr indent="-228600" lvl="0" marL="457200" rtl="0">
-              <a:spcBef>
-                <a:spcPts val="0"/>
-              </a:spcBef>
-              <a:buClr>
-                <a:srgbClr val="666666"/>
-              </a:buClr>
-              <a:buAutoNum type="arabicPeriod"/>
-            </a:pPr>
-            <a:r>
-              <a:rPr lang="zh-TW">
-                <a:solidFill>
-                  <a:srgbClr val="666666"/>
-                </a:solidFill>
-              </a:rPr>
-              <a:t>phantomjs</a:t>
-            </a:r>
-          </a:p>
-          <a:p>
-            <a:pPr indent="-228600" lvl="0" marL="457200" rtl="0">
-              <a:spcBef>
-                <a:spcPts val="0"/>
-              </a:spcBef>
-              <a:buClr>
-                <a:srgbClr val="666666"/>
-              </a:buClr>
-              <a:buAutoNum type="arabicPeriod"/>
-            </a:pPr>
-            <a:r>
-              <a:rPr lang="zh-TW">
-                <a:solidFill>
-                  <a:srgbClr val="666666"/>
-                </a:solidFill>
-              </a:rPr>
-              <a:t>requests</a:t>
-            </a:r>
-          </a:p>
-          <a:p>
-            <a:pPr indent="-228600" lvl="0" marL="457200" rtl="0">
-              <a:spcBef>
-                <a:spcPts val="0"/>
-              </a:spcBef>
-              <a:buClr>
-                <a:srgbClr val="666666"/>
-              </a:buClr>
-              <a:buAutoNum type="arabicPeriod"/>
-            </a:pPr>
-            <a:r>
-              <a:rPr lang="zh-TW">
-                <a:solidFill>
-                  <a:srgbClr val="666666"/>
-                </a:solidFill>
-              </a:rPr>
-              <a:t>BeautifulSoup4</a:t>
-            </a:r>
-          </a:p>
-          <a:p>
-            <a:pPr indent="-228600" lvl="0" marL="457200" rtl="0">
-              <a:spcBef>
-                <a:spcPts val="0"/>
-              </a:spcBef>
-              <a:buClr>
-                <a:srgbClr val="666666"/>
-              </a:buClr>
-              <a:buAutoNum type="arabicPeriod"/>
-            </a:pPr>
-            <a:r>
-              <a:rPr lang="zh-TW">
-                <a:solidFill>
-                  <a:srgbClr val="666666"/>
-                </a:solidFill>
-              </a:rPr>
-              <a:t>Jupyter Notebook</a:t>
-            </a:r>
-          </a:p>
-        </p:txBody>
-      </p:sp>
-      <p:sp>
-        <p:nvSpPr>
-          <p:cNvPr id="68" name="Shape 68"/>
-          <p:cNvSpPr txBox="1"/>
-          <p:nvPr/>
-        </p:nvSpPr>
-        <p:spPr>
-          <a:xfrm>
-            <a:off x="2994400" y="3035175"/>
-            <a:ext cx="6080700" cy="684300"/>
-          </a:xfrm>
-          <a:prstGeom prst="rect">
-            <a:avLst/>
-          </a:prstGeom>
-          <a:noFill/>
-          <a:ln>
-            <a:noFill/>
-          </a:ln>
-        </p:spPr>
-        <p:txBody>
-          <a:bodyPr anchorCtr="0" anchor="t" bIns="91425" lIns="91425" rIns="91425" wrap="square" tIns="91425">
-            <a:noAutofit/>
-          </a:bodyPr>
-          <a:lstStyle/>
-          <a:p>
-            <a:pPr lvl="0">
-              <a:spcBef>
-                <a:spcPts val="0"/>
-              </a:spcBef>
-              <a:buNone/>
-            </a:pPr>
-            <a:r>
-              <a:rPr b="1" i="1" lang="zh-TW" sz="2800">
-                <a:solidFill>
-                  <a:srgbClr val="666666"/>
-                </a:solidFill>
-              </a:rPr>
-              <a:t>If not… we’ve prepared a server for you to log in with, you just have to follow the steps in next few slides</a:t>
+              <a:rPr lang="zh-TW"/>
+              <a:t>Quick Survey</a:t>
             </a:r>
           </a:p>
         </p:txBody>
@@ -10560,18 +10780,20 @@
         <p:nvSpPr>
           <p:cNvPr id="195" name="Shape 195"/>
           <p:cNvSpPr txBox="1"/>
-          <p:nvPr>
-            <p:ph type="title"/>
-          </p:nvPr>
+          <p:nvPr/>
         </p:nvSpPr>
         <p:spPr>
           <a:xfrm>
-            <a:off x="311700" y="391350"/>
-            <a:ext cx="8520600" cy="626100"/>
+            <a:off x="311473" y="314901"/>
+            <a:ext cx="8415000" cy="3416400"/>
           </a:xfrm>
           <a:prstGeom prst="rect">
             <a:avLst/>
           </a:prstGeom>
+          <a:noFill/>
+          <a:ln>
+            <a:noFill/>
+          </a:ln>
         </p:spPr>
         <p:txBody>
           <a:bodyPr anchorCtr="0" anchor="t" bIns="91425" lIns="91425" rIns="91425" wrap="square" tIns="91425">
@@ -10579,15 +10801,214 @@
           </a:bodyPr>
           <a:lstStyle/>
           <a:p>
-            <a:pPr lvl="0">
-              <a:spcBef>
-                <a:spcPts val="0"/>
-              </a:spcBef>
-              <a:buNone/>
-            </a:pPr>
-            <a:r>
-              <a:rPr lang="zh-TW"/>
-              <a:t>How we extract information from those raw sources?</a:t>
+            <a:pPr indent="-254000" lvl="0" marL="254000" marR="0" rtl="0" algn="l">
+              <a:lnSpc>
+                <a:spcPct val="90000"/>
+              </a:lnSpc>
+              <a:spcBef>
+                <a:spcPts val="0"/>
+              </a:spcBef>
+              <a:spcAft>
+                <a:spcPts val="0"/>
+              </a:spcAft>
+              <a:buClr>
+                <a:schemeClr val="dk1"/>
+              </a:buClr>
+              <a:buFont typeface="Noto Sans Symbols"/>
+              <a:buNone/>
+            </a:pPr>
+            <a:r>
+              <a:t/>
+            </a:r>
+            <a:endParaRPr b="0" i="0" sz="1800" u="none" cap="none" strike="noStrike">
+              <a:solidFill>
+                <a:schemeClr val="dk1"/>
+              </a:solidFill>
+              <a:latin typeface="Calibri"/>
+              <a:ea typeface="Calibri"/>
+              <a:cs typeface="Calibri"/>
+              <a:sym typeface="Calibri"/>
+            </a:endParaRPr>
+          </a:p>
+          <a:p>
+            <a:pPr indent="-254000" lvl="0" marL="254000" marR="0" rtl="0" algn="l">
+              <a:lnSpc>
+                <a:spcPct val="90000"/>
+              </a:lnSpc>
+              <a:spcBef>
+                <a:spcPts val="800"/>
+              </a:spcBef>
+              <a:spcAft>
+                <a:spcPts val="0"/>
+              </a:spcAft>
+              <a:buClr>
+                <a:schemeClr val="dk1"/>
+              </a:buClr>
+              <a:buSzPct val="100000"/>
+              <a:buFont typeface="Noto Sans Symbols"/>
+              <a:buChar char="➢"/>
+            </a:pPr>
+            <a:r>
+              <a:rPr b="0" i="0" lang="zh-TW" sz="1800" u="none" cap="none" strike="noStrike">
+                <a:solidFill>
+                  <a:schemeClr val="dk1"/>
+                </a:solidFill>
+                <a:latin typeface="Calibri"/>
+                <a:ea typeface="Calibri"/>
+                <a:cs typeface="Calibri"/>
+                <a:sym typeface="Calibri"/>
+              </a:rPr>
+              <a:t>Class</a:t>
+            </a:r>
+          </a:p>
+          <a:p>
+            <a:pPr indent="0" lvl="0" marL="0" marR="0" rtl="0" algn="l">
+              <a:lnSpc>
+                <a:spcPct val="90000"/>
+              </a:lnSpc>
+              <a:spcBef>
+                <a:spcPts val="800"/>
+              </a:spcBef>
+              <a:spcAft>
+                <a:spcPts val="0"/>
+              </a:spcAft>
+              <a:buClr>
+                <a:schemeClr val="dk1"/>
+              </a:buClr>
+              <a:buSzPct val="25000"/>
+              <a:buFont typeface="Arial"/>
+              <a:buNone/>
+            </a:pPr>
+            <a:r>
+              <a:rPr b="0" i="0" lang="zh-TW" sz="1800" u="none" cap="none" strike="noStrike">
+                <a:solidFill>
+                  <a:schemeClr val="dk1"/>
+                </a:solidFill>
+                <a:latin typeface="Calibri"/>
+                <a:ea typeface="Calibri"/>
+                <a:cs typeface="Calibri"/>
+                <a:sym typeface="Calibri"/>
+              </a:rPr>
+              <a:t>      The HTML class attribute makes it possible to define equal styles for elements with the same class name.</a:t>
+            </a:r>
+          </a:p>
+          <a:p>
+            <a:pPr indent="0" lvl="0" marL="0" marR="0" rtl="0" algn="l">
+              <a:lnSpc>
+                <a:spcPct val="90000"/>
+              </a:lnSpc>
+              <a:spcBef>
+                <a:spcPts val="800"/>
+              </a:spcBef>
+              <a:spcAft>
+                <a:spcPts val="0"/>
+              </a:spcAft>
+              <a:buClr>
+                <a:schemeClr val="dk1"/>
+              </a:buClr>
+              <a:buSzPct val="25000"/>
+              <a:buFont typeface="Arial"/>
+              <a:buNone/>
+            </a:pPr>
+            <a:r>
+              <a:rPr b="0" i="0" lang="zh-TW" sz="1800" u="none" cap="none" strike="noStrike">
+                <a:solidFill>
+                  <a:schemeClr val="dk1"/>
+                </a:solidFill>
+                <a:latin typeface="Calibri"/>
+                <a:ea typeface="Calibri"/>
+                <a:cs typeface="Calibri"/>
+                <a:sym typeface="Calibri"/>
+              </a:rPr>
+              <a:t>	</a:t>
+            </a:r>
+          </a:p>
+          <a:p>
+            <a:pPr indent="-254000" lvl="0" marL="254000" marR="0" rtl="0" algn="l">
+              <a:lnSpc>
+                <a:spcPct val="90000"/>
+              </a:lnSpc>
+              <a:spcBef>
+                <a:spcPts val="800"/>
+              </a:spcBef>
+              <a:spcAft>
+                <a:spcPts val="0"/>
+              </a:spcAft>
+              <a:buClr>
+                <a:schemeClr val="dk1"/>
+              </a:buClr>
+              <a:buFont typeface="Noto Sans Symbols"/>
+              <a:buNone/>
+            </a:pPr>
+            <a:r>
+              <a:t/>
+            </a:r>
+            <a:endParaRPr b="0" i="0" sz="1800" u="none" cap="none" strike="noStrike">
+              <a:solidFill>
+                <a:schemeClr val="dk1"/>
+              </a:solidFill>
+              <a:latin typeface="Calibri"/>
+              <a:ea typeface="Calibri"/>
+              <a:cs typeface="Calibri"/>
+              <a:sym typeface="Calibri"/>
+            </a:endParaRPr>
+          </a:p>
+          <a:p>
+            <a:pPr indent="-254000" lvl="0" marL="254000" marR="0" rtl="0" algn="l">
+              <a:lnSpc>
+                <a:spcPct val="90000"/>
+              </a:lnSpc>
+              <a:spcBef>
+                <a:spcPts val="800"/>
+              </a:spcBef>
+              <a:spcAft>
+                <a:spcPts val="0"/>
+              </a:spcAft>
+              <a:buClr>
+                <a:schemeClr val="dk1"/>
+              </a:buClr>
+              <a:buFont typeface="Noto Sans Symbols"/>
+              <a:buNone/>
+            </a:pPr>
+            <a:r>
+              <a:t/>
+            </a:r>
+            <a:endParaRPr b="0" i="0" sz="1800" u="none" cap="none" strike="noStrike">
+              <a:solidFill>
+                <a:schemeClr val="dk1"/>
+              </a:solidFill>
+              <a:latin typeface="Calibri"/>
+              <a:ea typeface="Calibri"/>
+              <a:cs typeface="Calibri"/>
+              <a:sym typeface="Calibri"/>
+            </a:endParaRPr>
+          </a:p>
+          <a:p>
+            <a:pPr indent="0" lvl="0" marL="0" marR="0" rtl="0" algn="l">
+              <a:lnSpc>
+                <a:spcPct val="90000"/>
+              </a:lnSpc>
+              <a:spcBef>
+                <a:spcPts val="800"/>
+              </a:spcBef>
+              <a:buClr>
+                <a:schemeClr val="dk1"/>
+              </a:buClr>
+              <a:buSzPct val="25000"/>
+              <a:buFont typeface="Arial"/>
+              <a:buNone/>
+            </a:pPr>
+            <a:r>
+              <a:rPr b="0" i="0" lang="zh-TW" sz="1800" u="none" cap="none" strike="noStrike">
+                <a:solidFill>
+                  <a:schemeClr val="dk1"/>
+                </a:solidFill>
+                <a:latin typeface="Calibri"/>
+                <a:ea typeface="Calibri"/>
+                <a:cs typeface="Calibri"/>
+                <a:sym typeface="Calibri"/>
+              </a:rPr>
+              <a:t>      </a:t>
             </a:r>
           </a:p>
         </p:txBody>
@@ -10598,18 +11019,17 @@
           <p:cNvPicPr preferRelativeResize="0"/>
           <p:nvPr/>
         </p:nvPicPr>
-        <p:blipFill>
+        <p:blipFill rotWithShape="1">
           <a:blip r:embed="rId3">
             <a:alphaModFix/>
           </a:blip>
-          <a:stretch>
-            <a:fillRect/>
-          </a:stretch>
+          <a:srcRect b="0" l="0" r="0" t="0"/>
+          <a:stretch/>
         </p:blipFill>
         <p:spPr>
           <a:xfrm>
-            <a:off x="2736275" y="1376075"/>
-            <a:ext cx="3318575" cy="3318575"/>
+            <a:off x="499512" y="2074160"/>
+            <a:ext cx="8449886" cy="2909380"/>
           </a:xfrm>
           <a:prstGeom prst="rect">
             <a:avLst/>
@@ -10649,12 +11069,56 @@
         <p:nvSpPr>
           <p:cNvPr id="201" name="Shape 201"/>
           <p:cNvSpPr txBox="1"/>
+          <p:nvPr>
+            <p:ph type="title"/>
+          </p:nvPr>
+        </p:nvSpPr>
+        <p:spPr>
+          <a:xfrm>
+            <a:off x="311700" y="391350"/>
+            <a:ext cx="8520600" cy="626100"/>
+          </a:xfrm>
+          <a:prstGeom prst="rect">
+            <a:avLst/>
+          </a:prstGeom>
+        </p:spPr>
+        <p:txBody>
+          <a:bodyPr anchorCtr="0" anchor="t" bIns="91425" lIns="91425" rIns="91425" wrap="square" tIns="91425">
+            <a:noAutofit/>
+          </a:bodyPr>
+          <a:lstStyle/>
+          <a:p>
+            <a:pPr lvl="0">
+              <a:spcBef>
+                <a:spcPts val="0"/>
+              </a:spcBef>
+              <a:buNone/>
+            </a:pPr>
+            <a:r>
+              <a:rPr lang="zh-TW"/>
+              <a:t>How we extract information from those raw sources?</a:t>
+            </a:r>
+          </a:p>
+        </p:txBody>
+      </p:sp>
+      <p:pic>
+        <p:nvPicPr>
+          <p:cNvPr id="202" name="Shape 202"/>
+          <p:cNvPicPr preferRelativeResize="0"/>
           <p:nvPr/>
-        </p:nvSpPr>
-        <p:spPr>
-          <a:xfrm>
-            <a:off x="833700" y="2526700"/>
-            <a:ext cx="7976700" cy="2506500"/>
+        </p:nvPicPr>
+        <p:blipFill>
+          <a:blip r:embed="rId3">
+            <a:alphaModFix/>
+          </a:blip>
+          <a:stretch>
+            <a:fillRect/>
+          </a:stretch>
+        </p:blipFill>
+        <p:spPr>
+          <a:xfrm>
+            <a:off x="2736275" y="1376075"/>
+            <a:ext cx="3318575" cy="3318575"/>
           </a:xfrm>
           <a:prstGeom prst="rect">
             <a:avLst/>
@@ -10664,411 +11128,7 @@
             <a:noFill/>
           </a:ln>
         </p:spPr>
-        <p:txBody>
-          <a:bodyPr anchorCtr="0" anchor="t" bIns="91425" lIns="91425" rIns="91425" wrap="square" tIns="91425">
-            <a:noAutofit/>
-          </a:bodyPr>
-          <a:lstStyle/>
-          <a:p>
-            <a:pPr lvl="0" rtl="0">
-              <a:lnSpc>
-                <a:spcPct val="150000"/>
-              </a:lnSpc>
-              <a:spcBef>
-                <a:spcPts val="0"/>
-              </a:spcBef>
-              <a:spcAft>
-                <a:spcPts val="0"/>
-              </a:spcAft>
-              <a:buNone/>
-            </a:pPr>
-            <a:r>
-              <a:t/>
-            </a:r>
-            <a:endParaRPr sz="1800">
-              <a:solidFill>
-                <a:schemeClr val="dk2"/>
-              </a:solidFill>
-              <a:latin typeface="Lato"/>
-              <a:ea typeface="Lato"/>
-              <a:cs typeface="Lato"/>
-              <a:sym typeface="Lato"/>
-            </a:endParaRPr>
-          </a:p>
-          <a:p>
-            <a:pPr lvl="0" rtl="0">
-              <a:lnSpc>
-                <a:spcPct val="150000"/>
-              </a:lnSpc>
-              <a:spcBef>
-                <a:spcPts val="0"/>
-              </a:spcBef>
-              <a:spcAft>
-                <a:spcPts val="0"/>
-              </a:spcAft>
-              <a:buNone/>
-            </a:pPr>
-            <a:r>
-              <a:rPr lang="zh-TW" sz="1800">
-                <a:solidFill>
-                  <a:schemeClr val="dk2"/>
-                </a:solidFill>
-                <a:latin typeface="Lato"/>
-                <a:ea typeface="Lato"/>
-                <a:cs typeface="Lato"/>
-                <a:sym typeface="Lato"/>
-              </a:rPr>
-              <a:t>                                                                          </a:t>
-            </a:r>
-            <a:r>
-              <a:rPr b="1" lang="zh-TW" sz="1800">
-                <a:solidFill>
-                  <a:schemeClr val="dk2"/>
-                </a:solidFill>
-                <a:latin typeface="Lato"/>
-                <a:ea typeface="Lato"/>
-                <a:cs typeface="Lato"/>
-                <a:sym typeface="Lato"/>
-              </a:rPr>
-              <a:t>Regular Language</a:t>
-            </a:r>
-          </a:p>
-          <a:p>
-            <a:pPr lvl="0" rtl="0">
-              <a:lnSpc>
-                <a:spcPct val="150000"/>
-              </a:lnSpc>
-              <a:spcBef>
-                <a:spcPts val="0"/>
-              </a:spcBef>
-              <a:spcAft>
-                <a:spcPts val="0"/>
-              </a:spcAft>
-              <a:buNone/>
-            </a:pPr>
-            <a:r>
-              <a:rPr lang="zh-TW" sz="1800">
-                <a:solidFill>
-                  <a:schemeClr val="dk2"/>
-                </a:solidFill>
-                <a:latin typeface="Lato"/>
-                <a:ea typeface="Lato"/>
-                <a:cs typeface="Lato"/>
-                <a:sym typeface="Lato"/>
-              </a:rPr>
-              <a:t>      Chomsky Hierarchy                      Context-free Language</a:t>
-            </a:r>
-          </a:p>
-          <a:p>
-            <a:pPr lvl="0" rtl="0">
-              <a:lnSpc>
-                <a:spcPct val="150000"/>
-              </a:lnSpc>
-              <a:spcBef>
-                <a:spcPts val="0"/>
-              </a:spcBef>
-              <a:spcAft>
-                <a:spcPts val="0"/>
-              </a:spcAft>
-              <a:buNone/>
-            </a:pPr>
-            <a:r>
-              <a:rPr lang="zh-TW" sz="1800">
-                <a:solidFill>
-                  <a:schemeClr val="dk2"/>
-                </a:solidFill>
-                <a:latin typeface="Lato"/>
-                <a:ea typeface="Lato"/>
-                <a:cs typeface="Lato"/>
-                <a:sym typeface="Lato"/>
-              </a:rPr>
-              <a:t>(4 types of formal language)          Context-sensitive Language</a:t>
-            </a:r>
-          </a:p>
-          <a:p>
-            <a:pPr lvl="0" rtl="0">
-              <a:lnSpc>
-                <a:spcPct val="150000"/>
-              </a:lnSpc>
-              <a:spcBef>
-                <a:spcPts val="0"/>
-              </a:spcBef>
-              <a:spcAft>
-                <a:spcPts val="0"/>
-              </a:spcAft>
-              <a:buNone/>
-            </a:pPr>
-            <a:r>
-              <a:rPr lang="zh-TW" sz="1800">
-                <a:solidFill>
-                  <a:schemeClr val="dk2"/>
-                </a:solidFill>
-                <a:latin typeface="Lato"/>
-                <a:ea typeface="Lato"/>
-                <a:cs typeface="Lato"/>
-                <a:sym typeface="Lato"/>
-              </a:rPr>
-              <a:t>                                                                         Unrestricted Language</a:t>
-            </a:r>
-          </a:p>
-        </p:txBody>
-      </p:sp>
-      <p:sp>
-        <p:nvSpPr>
-          <p:cNvPr id="202" name="Shape 202"/>
-          <p:cNvSpPr txBox="1"/>
-          <p:nvPr>
-            <p:ph type="title"/>
-          </p:nvPr>
-        </p:nvSpPr>
-        <p:spPr>
-          <a:xfrm>
-            <a:off x="311700" y="391350"/>
-            <a:ext cx="8520600" cy="626100"/>
-          </a:xfrm>
-          <a:prstGeom prst="rect">
-            <a:avLst/>
-          </a:prstGeom>
-        </p:spPr>
-        <p:txBody>
-          <a:bodyPr anchorCtr="0" anchor="t" bIns="91425" lIns="91425" rIns="91425" wrap="square" tIns="91425">
-            <a:noAutofit/>
-          </a:bodyPr>
-          <a:lstStyle/>
-          <a:p>
-            <a:pPr lvl="0">
-              <a:spcBef>
-                <a:spcPts val="0"/>
-              </a:spcBef>
-              <a:buNone/>
-            </a:pPr>
-            <a:r>
-              <a:rPr lang="zh-TW"/>
-              <a:t>What is Regular Expression?</a:t>
-            </a:r>
-          </a:p>
-        </p:txBody>
-      </p:sp>
-      <p:sp>
-        <p:nvSpPr>
-          <p:cNvPr id="203" name="Shape 203"/>
-          <p:cNvSpPr txBox="1"/>
-          <p:nvPr>
-            <p:ph idx="1" type="body"/>
-          </p:nvPr>
-        </p:nvSpPr>
-        <p:spPr>
-          <a:xfrm>
-            <a:off x="311700" y="1152475"/>
-            <a:ext cx="8727300" cy="1553400"/>
-          </a:xfrm>
-          <a:prstGeom prst="rect">
-            <a:avLst/>
-          </a:prstGeom>
-        </p:spPr>
-        <p:txBody>
-          <a:bodyPr anchorCtr="0" anchor="t" bIns="91425" lIns="91425" rIns="91425" wrap="square" tIns="91425">
-            <a:noAutofit/>
-          </a:bodyPr>
-          <a:lstStyle/>
-          <a:p>
-            <a:pPr indent="-228600" lvl="0" marL="457200" rtl="0">
-              <a:spcBef>
-                <a:spcPts val="0"/>
-              </a:spcBef>
-              <a:buChar char="●"/>
-            </a:pPr>
-            <a:r>
-              <a:rPr lang="zh-TW"/>
-              <a:t>Abbreviated as “Regex”</a:t>
-            </a:r>
-          </a:p>
-          <a:p>
-            <a:pPr indent="-228600" lvl="0" marL="457200" rtl="0">
-              <a:spcBef>
-                <a:spcPts val="0"/>
-              </a:spcBef>
-              <a:buChar char="●"/>
-            </a:pPr>
-            <a:r>
-              <a:rPr lang="zh-TW"/>
-              <a:t>A  sequence of symbols and characters used for pattern-matching</a:t>
-            </a:r>
-          </a:p>
-          <a:p>
-            <a:pPr indent="-228600" lvl="0" marL="457200" rtl="0">
-              <a:spcBef>
-                <a:spcPts val="0"/>
-              </a:spcBef>
-              <a:buChar char="●"/>
-            </a:pPr>
-            <a:r>
-              <a:rPr lang="zh-TW"/>
-              <a:t>Useful for extrating information from text, such as email address, html tags, url…</a:t>
-            </a:r>
-          </a:p>
-          <a:p>
-            <a:pPr indent="-228600" lvl="0" marL="457200" rtl="0">
-              <a:spcBef>
-                <a:spcPts val="0"/>
-              </a:spcBef>
-              <a:buChar char="●"/>
-            </a:pPr>
-            <a:r>
-              <a:rPr lang="zh-TW"/>
-              <a:t>Widely applicable in different programming languages</a:t>
-            </a:r>
-          </a:p>
-          <a:p>
-            <a:pPr lvl="0">
-              <a:spcBef>
-                <a:spcPts val="0"/>
-              </a:spcBef>
-              <a:buNone/>
-            </a:pPr>
-            <a:r>
-              <a:t/>
-            </a:r>
-            <a:endParaRPr/>
-          </a:p>
-        </p:txBody>
-      </p:sp>
-      <p:sp>
-        <p:nvSpPr>
-          <p:cNvPr id="204" name="Shape 204"/>
-          <p:cNvSpPr/>
-          <p:nvPr/>
-        </p:nvSpPr>
-        <p:spPr>
-          <a:xfrm>
-            <a:off x="7440650" y="3088875"/>
-            <a:ext cx="203700" cy="1553400"/>
-          </a:xfrm>
-          <a:prstGeom prst="downArrow">
-            <a:avLst>
-              <a:gd fmla="val 50000" name="adj1"/>
-              <a:gd fmla="val 50000" name="adj2"/>
-            </a:avLst>
-          </a:prstGeom>
-          <a:solidFill>
-            <a:srgbClr val="999999"/>
-          </a:solidFill>
-          <a:ln>
-            <a:noFill/>
-          </a:ln>
-        </p:spPr>
-        <p:txBody>
-          <a:bodyPr anchorCtr="0" anchor="ctr" bIns="91425" lIns="91425" rIns="91425" wrap="square" tIns="91425">
-            <a:noAutofit/>
-          </a:bodyPr>
-          <a:lstStyle/>
-          <a:p>
-            <a:pPr lvl="0">
-              <a:spcBef>
-                <a:spcPts val="0"/>
-              </a:spcBef>
-              <a:buNone/>
-            </a:pPr>
-            <a:r>
-              <a:t/>
-            </a:r>
-            <a:endParaRPr/>
-          </a:p>
-        </p:txBody>
-      </p:sp>
-      <p:sp>
-        <p:nvSpPr>
-          <p:cNvPr id="205" name="Shape 205"/>
-          <p:cNvSpPr txBox="1"/>
-          <p:nvPr/>
-        </p:nvSpPr>
-        <p:spPr>
-          <a:xfrm>
-            <a:off x="6811500" y="2615175"/>
-            <a:ext cx="1868400" cy="626100"/>
-          </a:xfrm>
-          <a:prstGeom prst="rect">
-            <a:avLst/>
-          </a:prstGeom>
-          <a:noFill/>
-          <a:ln>
-            <a:noFill/>
-          </a:ln>
-        </p:spPr>
-        <p:txBody>
-          <a:bodyPr anchorCtr="0" anchor="t" bIns="91425" lIns="91425" rIns="91425" wrap="square" tIns="91425">
-            <a:noAutofit/>
-          </a:bodyPr>
-          <a:lstStyle/>
-          <a:p>
-            <a:pPr lvl="0">
-              <a:spcBef>
-                <a:spcPts val="0"/>
-              </a:spcBef>
-              <a:buNone/>
-            </a:pPr>
-            <a:r>
-              <a:rPr b="1" lang="zh-TW" sz="1800">
-                <a:solidFill>
-                  <a:schemeClr val="dk1"/>
-                </a:solidFill>
-                <a:latin typeface="Lato"/>
-                <a:ea typeface="Lato"/>
-                <a:cs typeface="Lato"/>
-                <a:sym typeface="Lato"/>
-              </a:rPr>
-              <a:t>most restricted</a:t>
-            </a:r>
-          </a:p>
-        </p:txBody>
-      </p:sp>
-      <p:sp>
-        <p:nvSpPr>
-          <p:cNvPr id="206" name="Shape 206"/>
-          <p:cNvSpPr/>
-          <p:nvPr/>
-        </p:nvSpPr>
-        <p:spPr>
-          <a:xfrm>
-            <a:off x="3622900" y="3088875"/>
-            <a:ext cx="403200" cy="1365000"/>
-          </a:xfrm>
-          <a:prstGeom prst="leftBrace">
-            <a:avLst>
-              <a:gd fmla="val 8333" name="adj1"/>
-              <a:gd fmla="val 35562" name="adj2"/>
-            </a:avLst>
-          </a:prstGeom>
-          <a:noFill/>
-          <a:ln cap="flat" cmpd="sng" w="19050">
-            <a:solidFill>
-              <a:schemeClr val="dk2"/>
-            </a:solidFill>
-            <a:prstDash val="solid"/>
-            <a:round/>
-            <a:headEnd len="med" w="med" type="none"/>
-            <a:tailEnd len="med" w="med" type="none"/>
-          </a:ln>
-        </p:spPr>
-        <p:txBody>
-          <a:bodyPr anchorCtr="0" anchor="ctr" bIns="91425" lIns="91425" rIns="91425" wrap="square" tIns="91425">
-            <a:noAutofit/>
-          </a:bodyPr>
-          <a:lstStyle/>
-          <a:p>
-            <a:pPr lvl="0">
-              <a:spcBef>
-                <a:spcPts val="0"/>
-              </a:spcBef>
-              <a:buNone/>
-            </a:pPr>
-            <a:r>
-              <a:t/>
-            </a:r>
-            <a:endParaRPr/>
-          </a:p>
-        </p:txBody>
-      </p:sp>
+      </p:pic>
     </p:spTree>
   </p:cSld>
   <p:clrMapOvr>
@@ -11082,7 +11142,236 @@
   <p:cSld>
     <p:spTree>
       <p:nvGrpSpPr>
-        <p:cNvPr id="210" name="Shape 210"/>
+        <p:cNvPr id="206" name="Shape 206"/>
+        <p:cNvGrpSpPr/>
+        <p:nvPr/>
+      </p:nvGrpSpPr>
+      <p:grpSpPr>
+        <a:xfrm>
+          <a:off x="0" y="0"/>
+          <a:ext cx="0" cy="0"/>
+          <a:chOff x="0" y="0"/>
+          <a:chExt cx="0" cy="0"/>
+        </a:xfrm>
+      </p:grpSpPr>
+      <p:pic>
+        <p:nvPicPr>
+          <p:cNvPr id="207" name="Shape 207"/>
+          <p:cNvPicPr preferRelativeResize="0"/>
+          <p:nvPr/>
+        </p:nvPicPr>
+        <p:blipFill rotWithShape="1">
+          <a:blip r:embed="rId3">
+            <a:alphaModFix/>
+          </a:blip>
+          <a:srcRect b="23971" l="0" r="0" t="0"/>
+          <a:stretch/>
+        </p:blipFill>
+        <p:spPr>
+          <a:xfrm>
+            <a:off x="1859288" y="2450650"/>
+            <a:ext cx="5425425" cy="2543500"/>
+          </a:xfrm>
+          <a:prstGeom prst="rect">
+            <a:avLst/>
+          </a:prstGeom>
+          <a:noFill/>
+          <a:ln>
+            <a:noFill/>
+          </a:ln>
+        </p:spPr>
+      </p:pic>
+      <p:sp>
+        <p:nvSpPr>
+          <p:cNvPr id="208" name="Shape 208"/>
+          <p:cNvSpPr txBox="1"/>
+          <p:nvPr>
+            <p:ph type="title"/>
+          </p:nvPr>
+        </p:nvSpPr>
+        <p:spPr>
+          <a:xfrm>
+            <a:off x="311700" y="315150"/>
+            <a:ext cx="8520600" cy="626100"/>
+          </a:xfrm>
+          <a:prstGeom prst="rect">
+            <a:avLst/>
+          </a:prstGeom>
+        </p:spPr>
+        <p:txBody>
+          <a:bodyPr anchorCtr="0" anchor="t" bIns="91425" lIns="91425" rIns="91425" wrap="square" tIns="91425">
+            <a:noAutofit/>
+          </a:bodyPr>
+          <a:lstStyle/>
+          <a:p>
+            <a:pPr lvl="0">
+              <a:spcBef>
+                <a:spcPts val="0"/>
+              </a:spcBef>
+              <a:buNone/>
+            </a:pPr>
+            <a:r>
+              <a:rPr lang="zh-TW"/>
+              <a:t>What is Regular Expression?</a:t>
+            </a:r>
+          </a:p>
+        </p:txBody>
+      </p:sp>
+      <p:sp>
+        <p:nvSpPr>
+          <p:cNvPr id="209" name="Shape 209"/>
+          <p:cNvSpPr txBox="1"/>
+          <p:nvPr>
+            <p:ph idx="1" type="body"/>
+          </p:nvPr>
+        </p:nvSpPr>
+        <p:spPr>
+          <a:xfrm>
+            <a:off x="311700" y="1076275"/>
+            <a:ext cx="8727300" cy="1553400"/>
+          </a:xfrm>
+          <a:prstGeom prst="rect">
+            <a:avLst/>
+          </a:prstGeom>
+        </p:spPr>
+        <p:txBody>
+          <a:bodyPr anchorCtr="0" anchor="t" bIns="91425" lIns="91425" rIns="91425" wrap="square" tIns="91425">
+            <a:noAutofit/>
+          </a:bodyPr>
+          <a:lstStyle/>
+          <a:p>
+            <a:pPr indent="-228600" lvl="0" marL="457200" rtl="0">
+              <a:lnSpc>
+                <a:spcPct val="115000"/>
+              </a:lnSpc>
+              <a:spcBef>
+                <a:spcPts val="0"/>
+              </a:spcBef>
+              <a:buChar char="●"/>
+            </a:pPr>
+            <a:r>
+              <a:rPr lang="zh-TW"/>
+              <a:t>Abbreviated as “Regex”</a:t>
+            </a:r>
+          </a:p>
+          <a:p>
+            <a:pPr indent="-228600" lvl="0" marL="457200" rtl="0">
+              <a:lnSpc>
+                <a:spcPct val="115000"/>
+              </a:lnSpc>
+              <a:spcBef>
+                <a:spcPts val="0"/>
+              </a:spcBef>
+              <a:buChar char="●"/>
+            </a:pPr>
+            <a:r>
+              <a:rPr lang="zh-TW"/>
+              <a:t>A  sequence of symbols and characters used for pattern-matching</a:t>
+            </a:r>
+          </a:p>
+          <a:p>
+            <a:pPr indent="-228600" lvl="0" marL="457200" rtl="0">
+              <a:lnSpc>
+                <a:spcPct val="115000"/>
+              </a:lnSpc>
+              <a:spcBef>
+                <a:spcPts val="0"/>
+              </a:spcBef>
+              <a:buChar char="●"/>
+            </a:pPr>
+            <a:r>
+              <a:rPr lang="zh-TW"/>
+              <a:t>Useful for extrating information from text, such as email address, html tags, url…</a:t>
+            </a:r>
+          </a:p>
+          <a:p>
+            <a:pPr indent="-228600" lvl="0" marL="457200" rtl="0">
+              <a:lnSpc>
+                <a:spcPct val="115000"/>
+              </a:lnSpc>
+              <a:spcBef>
+                <a:spcPts val="0"/>
+              </a:spcBef>
+              <a:buChar char="●"/>
+            </a:pPr>
+            <a:r>
+              <a:rPr lang="zh-TW"/>
+              <a:t>Widely applicable in different programming languages</a:t>
+            </a:r>
+          </a:p>
+          <a:p>
+            <a:pPr lvl="0">
+              <a:lnSpc>
+                <a:spcPct val="115000"/>
+              </a:lnSpc>
+              <a:spcBef>
+                <a:spcPts val="0"/>
+              </a:spcBef>
+              <a:buNone/>
+            </a:pPr>
+            <a:r>
+              <a:t/>
+            </a:r>
+            <a:endParaRPr/>
+          </a:p>
+        </p:txBody>
+      </p:sp>
+      <p:sp>
+        <p:nvSpPr>
+          <p:cNvPr id="210" name="Shape 210"/>
+          <p:cNvSpPr txBox="1"/>
+          <p:nvPr/>
+        </p:nvSpPr>
+        <p:spPr>
+          <a:xfrm>
+            <a:off x="4277575" y="4669975"/>
+            <a:ext cx="5067000" cy="626100"/>
+          </a:xfrm>
+          <a:prstGeom prst="rect">
+            <a:avLst/>
+          </a:prstGeom>
+          <a:noFill/>
+          <a:ln>
+            <a:noFill/>
+          </a:ln>
+        </p:spPr>
+        <p:txBody>
+          <a:bodyPr anchorCtr="0" anchor="ctr" bIns="91425" lIns="91425" rIns="91425" wrap="square" tIns="91425">
+            <a:noAutofit/>
+          </a:bodyPr>
+          <a:lstStyle/>
+          <a:p>
+            <a:pPr lvl="0" rtl="0">
+              <a:spcBef>
+                <a:spcPts val="0"/>
+              </a:spcBef>
+              <a:buNone/>
+            </a:pPr>
+            <a:r>
+              <a:rPr lang="zh-TW" sz="1000">
+                <a:solidFill>
+                  <a:srgbClr val="999999"/>
+                </a:solidFill>
+              </a:rPr>
+              <a:t>https://code.tutsplus.com/tutorials/8-regular-expressions-you-should-know--net-6149</a:t>
+            </a:r>
+          </a:p>
+        </p:txBody>
+      </p:sp>
+    </p:spTree>
+  </p:cSld>
+  <p:clrMapOvr>
+    <a:masterClrMapping/>
+  </p:clrMapOvr>
+</p:sld>
+</file>
+
+<file path=ppt/slides/slide23.xml><?xml version="1.0" encoding="utf-8"?>
+<p:sld xmlns:a="http://schemas.openxmlformats.org/drawingml/2006/main" xmlns:r="http://schemas.openxmlformats.org/officeDocument/2006/relationships" xmlns:mc="http://schemas.openxmlformats.org/markup-compatibility/2006" xmlns:mv="urn:schemas-microsoft-com:mac:vml" xmlns:p="http://schemas.openxmlformats.org/presentationml/2006/main" xmlns:c="http://schemas.openxmlformats.org/drawingml/2006/chart" xmlns:dgm="http://schemas.openxmlformats.org/drawingml/2006/diagram" xmlns:o="urn:schemas-microsoft-com:office:office" xmlns:v="urn:schemas-microsoft-com:vml" xmlns:pvml="urn:schemas-microsoft-com:office:powerpoint" xmlns:com="http://schemas.openxmlformats.org/drawingml/2006/compatibility" xmlns:p14="http://schemas.microsoft.com/office/powerpoint/2010/main" xmlns:p15="http://schemas.microsoft.com/office/powerpoint/2012/main">
+  <p:cSld>
+    <p:spTree>
+      <p:nvGrpSpPr>
+        <p:cNvPr id="214" name="Shape 214"/>
         <p:cNvGrpSpPr/>
         <p:nvPr/>
       </p:nvGrpSpPr>
@@ -11096,7 +11385,7 @@
       </p:grpSpPr>
       <p:sp>
         <p:nvSpPr>
-          <p:cNvPr id="211" name="Shape 211"/>
+          <p:cNvPr id="215" name="Shape 215"/>
           <p:cNvSpPr txBox="1"/>
           <p:nvPr>
             <p:ph type="title"/>
@@ -11132,7 +11421,7 @@
       </p:sp>
       <p:graphicFrame>
         <p:nvGraphicFramePr>
-          <p:cNvPr id="212" name="Shape 212"/>
+          <p:cNvPr id="216" name="Shape 216"/>
           <p:cNvGraphicFramePr/>
           <p:nvPr/>
         </p:nvGraphicFramePr>
@@ -11145,7 +11434,7 @@
             <a:tbl>
               <a:tblPr>
                 <a:noFill/>
-                <a:tableStyleId>{BB9EBAA8-13BD-4C9E-B8C7-600F2A64A326}</a:tableStyleId>
+                <a:tableStyleId>{87902EB9-E9DE-4833-8EA5-70A1D6B7289E}</a:tableStyleId>
               </a:tblPr>
               <a:tblGrid>
                 <a:gridCol w="2877950"/>
@@ -11232,16 +11521,10 @@
                     </a:bodyPr>
                     <a:lstStyle/>
                     <a:p>
-                      <a:pPr indent="0" lvl="0" marL="0" marR="0" rtl="0" algn="ctr">
-                        <a:lnSpc>
-                          <a:spcPct val="100000"/>
-                        </a:lnSpc>
+                      <a:pPr lvl="0" rtl="0" algn="ctr">
                         <a:spcBef>
                           <a:spcPts val="0"/>
                         </a:spcBef>
-                        <a:spcAft>
-                          <a:spcPts val="0"/>
-                        </a:spcAft>
                         <a:buNone/>
                       </a:pPr>
                       <a:r>
@@ -11254,7 +11537,7 @@
                           <a:cs typeface="Lato"/>
                           <a:sym typeface="Lato"/>
                         </a:rPr>
-                        <a:t>Groups &amp; Lookaround</a:t>
+                        <a:t>Quantifiers &amp; Alternation</a:t>
                       </a:r>
                     </a:p>
                   </a:txBody>
@@ -11304,16 +11587,10 @@
                     </a:bodyPr>
                     <a:lstStyle/>
                     <a:p>
-                      <a:pPr indent="0" lvl="0" marL="0" marR="0" rtl="0" algn="ctr">
-                        <a:lnSpc>
-                          <a:spcPct val="100000"/>
-                        </a:lnSpc>
+                      <a:pPr lvl="0" rtl="0" algn="ctr">
                         <a:spcBef>
                           <a:spcPts val="0"/>
                         </a:spcBef>
-                        <a:spcAft>
-                          <a:spcPts val="0"/>
-                        </a:spcAft>
                         <a:buNone/>
                       </a:pPr>
                       <a:r>
@@ -11326,7 +11603,7 @@
                           <a:cs typeface="Lato"/>
                           <a:sym typeface="Lato"/>
                         </a:rPr>
-                        <a:t>Quantifiers &amp; Alternation</a:t>
+                        <a:t>Groups &amp; Lookaround</a:t>
                       </a:r>
                     </a:p>
                   </a:txBody>
@@ -11706,7 +11983,7 @@
                     </a:bodyPr>
                     <a:lstStyle/>
                     <a:p>
-                      <a:pPr lvl="0" rtl="0">
+                      <a:pPr lvl="0">
                         <a:spcBef>
                           <a:spcPts val="0"/>
                         </a:spcBef>
@@ -11722,11 +11999,7 @@
                           <a:cs typeface="Lato"/>
                           <a:sym typeface="Lato"/>
                         </a:rPr>
-                        <a:t>(abc)       </a:t>
-                      </a:r>
-                      <a:r>
-                        <a:rPr lang="zh-TW"/>
-                        <a:t>  </a:t>
+                        <a:t>a*           </a:t>
                       </a:r>
                       <a:r>
                         <a:rPr lang="zh-TW" sz="1200">
@@ -11738,7 +12011,199 @@
                           <a:cs typeface="Lato"/>
                           <a:sym typeface="Lato"/>
                         </a:rPr>
-                        <a:t>capture group</a:t>
+                        <a:t> 0 or more</a:t>
+                      </a:r>
+                    </a:p>
+                    <a:p>
+                      <a:pPr lvl="0">
+                        <a:spcBef>
+                          <a:spcPts val="0"/>
+                        </a:spcBef>
+                        <a:buNone/>
+                      </a:pPr>
+                      <a:r>
+                        <a:rPr b="1" lang="zh-TW">
+                          <a:solidFill>
+                            <a:schemeClr val="dk1"/>
+                          </a:solidFill>
+                          <a:latin typeface="Lato"/>
+                          <a:ea typeface="Lato"/>
+                          <a:cs typeface="Lato"/>
+                          <a:sym typeface="Lato"/>
+                        </a:rPr>
+                        <a:t>a+    </a:t>
+                      </a:r>
+                      <a:r>
+                        <a:rPr lang="zh-TW" sz="1200">
+                          <a:solidFill>
+                            <a:schemeClr val="dk2"/>
+                          </a:solidFill>
+                          <a:latin typeface="Lato"/>
+                          <a:ea typeface="Lato"/>
+                          <a:cs typeface="Lato"/>
+                          <a:sym typeface="Lato"/>
+                        </a:rPr>
+                        <a:t>        1 or more</a:t>
+                      </a:r>
+                    </a:p>
+                    <a:p>
+                      <a:pPr lvl="0">
+                        <a:spcBef>
+                          <a:spcPts val="0"/>
+                        </a:spcBef>
+                        <a:buNone/>
+                      </a:pPr>
+                      <a:r>
+                        <a:rPr b="1" lang="zh-TW">
+                          <a:solidFill>
+                            <a:schemeClr val="dk1"/>
+                          </a:solidFill>
+                          <a:latin typeface="Lato"/>
+                          <a:ea typeface="Lato"/>
+                          <a:cs typeface="Lato"/>
+                          <a:sym typeface="Lato"/>
+                        </a:rPr>
+                        <a:t>a?          </a:t>
+                      </a:r>
+                      <a:r>
+                        <a:rPr lang="zh-TW" sz="1200">
+                          <a:solidFill>
+                            <a:schemeClr val="dk2"/>
+                          </a:solidFill>
+                          <a:latin typeface="Lato"/>
+                          <a:ea typeface="Lato"/>
+                          <a:cs typeface="Lato"/>
+                          <a:sym typeface="Lato"/>
+                        </a:rPr>
+                        <a:t>  0 or 1</a:t>
+                      </a:r>
+                    </a:p>
+                    <a:p>
+                      <a:pPr lvl="0">
+                        <a:spcBef>
+                          <a:spcPts val="0"/>
+                        </a:spcBef>
+                        <a:buNone/>
+                      </a:pPr>
+                      <a:r>
+                        <a:rPr b="1" lang="zh-TW">
+                          <a:solidFill>
+                            <a:schemeClr val="dk1"/>
+                          </a:solidFill>
+                          <a:latin typeface="Lato"/>
+                          <a:ea typeface="Lato"/>
+                          <a:cs typeface="Lato"/>
+                          <a:sym typeface="Lato"/>
+                        </a:rPr>
+                        <a:t>a{3}  </a:t>
+                      </a:r>
+                      <a:r>
+                        <a:rPr lang="zh-TW" sz="1200">
+                          <a:solidFill>
+                            <a:schemeClr val="dk2"/>
+                          </a:solidFill>
+                          <a:latin typeface="Lato"/>
+                          <a:ea typeface="Lato"/>
+                          <a:cs typeface="Lato"/>
+                          <a:sym typeface="Lato"/>
+                        </a:rPr>
+                        <a:t>      match  exactly 3</a:t>
+                      </a:r>
+                    </a:p>
+                    <a:p>
+                      <a:pPr lvl="0">
+                        <a:spcBef>
+                          <a:spcPts val="0"/>
+                        </a:spcBef>
+                        <a:buNone/>
+                      </a:pPr>
+                      <a:r>
+                        <a:rPr b="1" lang="zh-TW">
+                          <a:solidFill>
+                            <a:schemeClr val="dk1"/>
+                          </a:solidFill>
+                          <a:latin typeface="Lato"/>
+                          <a:ea typeface="Lato"/>
+                          <a:cs typeface="Lato"/>
+                          <a:sym typeface="Lato"/>
+                        </a:rPr>
+                        <a:t>a{3,}      </a:t>
+                      </a:r>
+                      <a:r>
+                        <a:rPr lang="zh-TW" sz="1200">
+                          <a:solidFill>
+                            <a:schemeClr val="dk2"/>
+                          </a:solidFill>
+                          <a:latin typeface="Lato"/>
+                          <a:ea typeface="Lato"/>
+                          <a:cs typeface="Lato"/>
+                          <a:sym typeface="Lato"/>
+                        </a:rPr>
+                        <a:t>match 3 or more</a:t>
+                      </a:r>
+                    </a:p>
+                    <a:p>
+                      <a:pPr lvl="0">
+                        <a:spcBef>
+                          <a:spcPts val="0"/>
+                        </a:spcBef>
+                        <a:buNone/>
+                      </a:pPr>
+                      <a:r>
+                        <a:rPr b="1" lang="zh-TW">
+                          <a:solidFill>
+                            <a:schemeClr val="dk1"/>
+                          </a:solidFill>
+                          <a:latin typeface="Lato"/>
+                          <a:ea typeface="Lato"/>
+                          <a:cs typeface="Lato"/>
+                          <a:sym typeface="Lato"/>
+                        </a:rPr>
+                        <a:t>a{1,3}   </a:t>
+                      </a:r>
+                      <a:r>
+                        <a:rPr lang="zh-TW" sz="1200">
+                          <a:solidFill>
+                            <a:schemeClr val="dk2"/>
+                          </a:solidFill>
+                          <a:latin typeface="Lato"/>
+                          <a:ea typeface="Lato"/>
+                          <a:cs typeface="Lato"/>
+                          <a:sym typeface="Lato"/>
+                        </a:rPr>
+                        <a:t>match between 1 to 3</a:t>
+                      </a:r>
+                    </a:p>
+                    <a:p>
+                      <a:pPr lvl="0">
+                        <a:spcBef>
+                          <a:spcPts val="0"/>
+                        </a:spcBef>
+                        <a:buNone/>
+                      </a:pPr>
+                      <a:r>
+                        <a:rPr b="1" lang="zh-TW">
+                          <a:solidFill>
+                            <a:schemeClr val="dk1"/>
+                          </a:solidFill>
+                          <a:latin typeface="Lato"/>
+                          <a:ea typeface="Lato"/>
+                          <a:cs typeface="Lato"/>
+                          <a:sym typeface="Lato"/>
+                        </a:rPr>
+                        <a:t>a+?        </a:t>
+                      </a:r>
+                      <a:r>
+                        <a:rPr lang="zh-TW" sz="1200">
+                          <a:solidFill>
+                            <a:schemeClr val="dk2"/>
+                          </a:solidFill>
+                          <a:latin typeface="Lato"/>
+                          <a:ea typeface="Lato"/>
+                          <a:cs typeface="Lato"/>
+                          <a:sym typeface="Lato"/>
+                        </a:rPr>
+                        <a:t>match as few as possible (lazy)</a:t>
                       </a:r>
                     </a:p>
                     <a:p>
@@ -11758,7 +12223,7 @@
                           <a:cs typeface="Lato"/>
                           <a:sym typeface="Lato"/>
                         </a:rPr>
-                        <a:t>\1                </a:t>
+                        <a:t>a|b         </a:t>
                       </a:r>
                       <a:r>
                         <a:rPr lang="zh-TW" sz="1200">
@@ -11770,103 +12235,7 @@
                           <a:cs typeface="Lato"/>
                           <a:sym typeface="Lato"/>
                         </a:rPr>
-                        <a:t>back-reference to group 1</a:t>
-                      </a:r>
-                    </a:p>
-                    <a:p>
-                      <a:pPr lvl="0" rtl="0">
-                        <a:spcBef>
-                          <a:spcPts val="0"/>
-                        </a:spcBef>
-                        <a:buNone/>
-                      </a:pPr>
-                      <a:r>
-                        <a:rPr b="1" lang="zh-TW">
-                          <a:solidFill>
-                            <a:schemeClr val="dk1"/>
-                          </a:solidFill>
-                          <a:latin typeface="Lato"/>
-                          <a:ea typeface="Lato"/>
-                          <a:cs typeface="Lato"/>
-                          <a:sym typeface="Lato"/>
-                        </a:rPr>
-                        <a:t>(?:abc)      </a:t>
-                      </a:r>
-                      <a:r>
-                        <a:rPr lang="zh-TW" sz="1200">
-                          <a:solidFill>
-                            <a:schemeClr val="dk2"/>
-                          </a:solidFill>
-                          <a:latin typeface="Lato"/>
-                          <a:ea typeface="Lato"/>
-                          <a:cs typeface="Lato"/>
-                          <a:sym typeface="Lato"/>
-                        </a:rPr>
-                        <a:t>non-capturing group</a:t>
-                      </a:r>
-                    </a:p>
-                    <a:p>
-                      <a:pPr lvl="0" rtl="0">
-                        <a:spcBef>
-                          <a:spcPts val="0"/>
-                        </a:spcBef>
-                        <a:buNone/>
-                      </a:pPr>
-                      <a:r>
-                        <a:rPr b="1" lang="zh-TW">
-                          <a:solidFill>
-                            <a:schemeClr val="dk1"/>
-                          </a:solidFill>
-                          <a:latin typeface="Lato"/>
-                          <a:ea typeface="Lato"/>
-                          <a:cs typeface="Lato"/>
-                          <a:sym typeface="Lato"/>
-                        </a:rPr>
-                        <a:t>(?=abc)    </a:t>
-                      </a:r>
-                      <a:r>
-                        <a:rPr lang="zh-TW" sz="1200">
-                          <a:solidFill>
-                            <a:schemeClr val="dk2"/>
-                          </a:solidFill>
-                          <a:latin typeface="Lato"/>
-                          <a:ea typeface="Lato"/>
-                          <a:cs typeface="Lato"/>
-                          <a:sym typeface="Lato"/>
-                        </a:rPr>
-                        <a:t>positive lookahead</a:t>
-                      </a:r>
-                    </a:p>
-                    <a:p>
-                      <a:pPr lvl="0" rtl="0">
-                        <a:spcBef>
-                          <a:spcPts val="0"/>
-                        </a:spcBef>
-                        <a:buNone/>
-                      </a:pPr>
-                      <a:r>
-                        <a:rPr b="1" lang="zh-TW">
-                          <a:solidFill>
-                            <a:schemeClr val="dk1"/>
-                          </a:solidFill>
-                          <a:latin typeface="Lato"/>
-                          <a:ea typeface="Lato"/>
-                          <a:cs typeface="Lato"/>
-                          <a:sym typeface="Lato"/>
-                        </a:rPr>
-                        <a:t>(?! abc)    </a:t>
-                      </a:r>
-                      <a:r>
-                        <a:rPr lang="zh-TW" sz="1200">
-                          <a:solidFill>
-                            <a:schemeClr val="dk2"/>
-                          </a:solidFill>
-                          <a:latin typeface="Lato"/>
-                          <a:ea typeface="Lato"/>
-                          <a:cs typeface="Lato"/>
-                          <a:sym typeface="Lato"/>
-                        </a:rPr>
-                        <a:t>negative lookahead</a:t>
+                        <a:t>match a or b</a:t>
                       </a:r>
                     </a:p>
                     <a:p>
@@ -11928,7 +12297,7 @@
                     </a:bodyPr>
                     <a:lstStyle/>
                     <a:p>
-                      <a:pPr lvl="0" rtl="0">
+                      <a:pPr lvl="0">
                         <a:spcBef>
                           <a:spcPts val="0"/>
                         </a:spcBef>
@@ -11944,7 +12313,11 @@
                           <a:cs typeface="Lato"/>
                           <a:sym typeface="Lato"/>
                         </a:rPr>
-                        <a:t>a*           </a:t>
+                        <a:t>(abc)       </a:t>
+                      </a:r>
+                      <a:r>
+                        <a:rPr lang="zh-TW"/>
+                        <a:t>  </a:t>
                       </a:r>
                       <a:r>
                         <a:rPr lang="zh-TW" sz="1200">
@@ -11956,7 +12329,103 @@
                           <a:cs typeface="Lato"/>
                           <a:sym typeface="Lato"/>
                         </a:rPr>
-                        <a:t> 0 or more</a:t>
+                        <a:t>capture group</a:t>
+                      </a:r>
+                    </a:p>
+                    <a:p>
+                      <a:pPr lvl="0">
+                        <a:spcBef>
+                          <a:spcPts val="0"/>
+                        </a:spcBef>
+                        <a:buNone/>
+                      </a:pPr>
+                      <a:r>
+                        <a:rPr b="1" lang="zh-TW">
+                          <a:solidFill>
+                            <a:schemeClr val="dk1"/>
+                          </a:solidFill>
+                          <a:latin typeface="Lato"/>
+                          <a:ea typeface="Lato"/>
+                          <a:cs typeface="Lato"/>
+                          <a:sym typeface="Lato"/>
+                        </a:rPr>
+                        <a:t>\1                </a:t>
+                      </a:r>
+                      <a:r>
+                        <a:rPr lang="zh-TW" sz="1200">
+                          <a:solidFill>
+                            <a:schemeClr val="dk2"/>
+                          </a:solidFill>
+                          <a:latin typeface="Lato"/>
+                          <a:ea typeface="Lato"/>
+                          <a:cs typeface="Lato"/>
+                          <a:sym typeface="Lato"/>
+                        </a:rPr>
+                        <a:t>back-reference to group 1</a:t>
+                      </a:r>
+                    </a:p>
+                    <a:p>
+                      <a:pPr lvl="0">
+                        <a:spcBef>
+                          <a:spcPts val="0"/>
+                        </a:spcBef>
+                        <a:buNone/>
+                      </a:pPr>
+                      <a:r>
+                        <a:rPr b="1" lang="zh-TW">
+                          <a:solidFill>
+                            <a:schemeClr val="dk1"/>
+                          </a:solidFill>
+                          <a:latin typeface="Lato"/>
+                          <a:ea typeface="Lato"/>
+                          <a:cs typeface="Lato"/>
+                          <a:sym typeface="Lato"/>
+                        </a:rPr>
+                        <a:t>(?:abc)      </a:t>
+                      </a:r>
+                      <a:r>
+                        <a:rPr lang="zh-TW" sz="1200">
+                          <a:solidFill>
+                            <a:schemeClr val="dk2"/>
+                          </a:solidFill>
+                          <a:latin typeface="Lato"/>
+                          <a:ea typeface="Lato"/>
+                          <a:cs typeface="Lato"/>
+                          <a:sym typeface="Lato"/>
+                        </a:rPr>
+                        <a:t>non-capturing group</a:t>
+                      </a:r>
+                    </a:p>
+                    <a:p>
+                      <a:pPr lvl="0">
+                        <a:spcBef>
+                          <a:spcPts val="0"/>
+                        </a:spcBef>
+                        <a:buNone/>
+                      </a:pPr>
+                      <a:r>
+                        <a:rPr b="1" lang="zh-TW">
+                          <a:solidFill>
+                            <a:schemeClr val="dk1"/>
+                          </a:solidFill>
+                          <a:latin typeface="Lato"/>
+                          <a:ea typeface="Lato"/>
+                          <a:cs typeface="Lato"/>
+                          <a:sym typeface="Lato"/>
+                        </a:rPr>
+                        <a:t>(?=abc)    </a:t>
+                      </a:r>
+                      <a:r>
+                        <a:rPr lang="zh-TW" sz="1200">
+                          <a:solidFill>
+                            <a:schemeClr val="dk2"/>
+                          </a:solidFill>
+                          <a:latin typeface="Lato"/>
+                          <a:ea typeface="Lato"/>
+                          <a:cs typeface="Lato"/>
+                          <a:sym typeface="Lato"/>
+                        </a:rPr>
+                        <a:t>positive lookahead</a:t>
                       </a:r>
                     </a:p>
                     <a:p>
@@ -11976,7 +12445,7 @@
                           <a:cs typeface="Lato"/>
                           <a:sym typeface="Lato"/>
                         </a:rPr>
-                        <a:t>a+    </a:t>
+                        <a:t>(?! abc)    </a:t>
                       </a:r>
                       <a:r>
                         <a:rPr lang="zh-TW" sz="1200">
@@ -11988,199 +12457,7 @@
                           <a:cs typeface="Lato"/>
                           <a:sym typeface="Lato"/>
                         </a:rPr>
-                        <a:t>        1 or more</a:t>
-                      </a:r>
-                    </a:p>
-                    <a:p>
-                      <a:pPr lvl="0" rtl="0">
-                        <a:spcBef>
-                          <a:spcPts val="0"/>
-                        </a:spcBef>
-                        <a:buNone/>
-                      </a:pPr>
-                      <a:r>
-                        <a:rPr b="1" lang="zh-TW">
-                          <a:solidFill>
-                            <a:schemeClr val="dk1"/>
-                          </a:solidFill>
-                          <a:latin typeface="Lato"/>
-                          <a:ea typeface="Lato"/>
-                          <a:cs typeface="Lato"/>
-                          <a:sym typeface="Lato"/>
-                        </a:rPr>
-                        <a:t>a?          </a:t>
-                      </a:r>
-                      <a:r>
-                        <a:rPr lang="zh-TW" sz="1200">
-                          <a:solidFill>
-                            <a:schemeClr val="dk2"/>
-                          </a:solidFill>
-                          <a:latin typeface="Lato"/>
-                          <a:ea typeface="Lato"/>
-                          <a:cs typeface="Lato"/>
-                          <a:sym typeface="Lato"/>
-                        </a:rPr>
-                        <a:t>  0 or 1</a:t>
-                      </a:r>
-                    </a:p>
-                    <a:p>
-                      <a:pPr lvl="0" rtl="0">
-                        <a:spcBef>
-                          <a:spcPts val="0"/>
-                        </a:spcBef>
-                        <a:buNone/>
-                      </a:pPr>
-                      <a:r>
-                        <a:rPr b="1" lang="zh-TW">
-                          <a:solidFill>
-                            <a:schemeClr val="dk1"/>
-                          </a:solidFill>
-                          <a:latin typeface="Lato"/>
-                          <a:ea typeface="Lato"/>
-                          <a:cs typeface="Lato"/>
-                          <a:sym typeface="Lato"/>
-                        </a:rPr>
-                        <a:t>a{3}  </a:t>
-                      </a:r>
-                      <a:r>
-                        <a:rPr lang="zh-TW" sz="1200">
-                          <a:solidFill>
-                            <a:schemeClr val="dk2"/>
-                          </a:solidFill>
-                          <a:latin typeface="Lato"/>
-                          <a:ea typeface="Lato"/>
-                          <a:cs typeface="Lato"/>
-                          <a:sym typeface="Lato"/>
-                        </a:rPr>
-                        <a:t>      match  exactly 3</a:t>
-                      </a:r>
-                    </a:p>
-                    <a:p>
-                      <a:pPr lvl="0" rtl="0">
-                        <a:spcBef>
-                          <a:spcPts val="0"/>
-                        </a:spcBef>
-                        <a:buNone/>
-                      </a:pPr>
-                      <a:r>
-                        <a:rPr b="1" lang="zh-TW">
-                          <a:solidFill>
-                            <a:schemeClr val="dk1"/>
-                          </a:solidFill>
-                          <a:latin typeface="Lato"/>
-                          <a:ea typeface="Lato"/>
-                          <a:cs typeface="Lato"/>
-                          <a:sym typeface="Lato"/>
-                        </a:rPr>
-                        <a:t>a{3,}      </a:t>
-                      </a:r>
-                      <a:r>
-                        <a:rPr lang="zh-TW" sz="1200">
-                          <a:solidFill>
-                            <a:schemeClr val="dk2"/>
-                          </a:solidFill>
-                          <a:latin typeface="Lato"/>
-                          <a:ea typeface="Lato"/>
-                          <a:cs typeface="Lato"/>
-                          <a:sym typeface="Lato"/>
-                        </a:rPr>
-                        <a:t>match 3 or more</a:t>
-                      </a:r>
-                    </a:p>
-                    <a:p>
-                      <a:pPr lvl="0" rtl="0">
-                        <a:spcBef>
-                          <a:spcPts val="0"/>
-                        </a:spcBef>
-                        <a:buNone/>
-                      </a:pPr>
-                      <a:r>
-                        <a:rPr b="1" lang="zh-TW">
-                          <a:solidFill>
-                            <a:schemeClr val="dk1"/>
-                          </a:solidFill>
-                          <a:latin typeface="Lato"/>
-                          <a:ea typeface="Lato"/>
-                          <a:cs typeface="Lato"/>
-                          <a:sym typeface="Lato"/>
-                        </a:rPr>
-                        <a:t>a{1,3}   </a:t>
-                      </a:r>
-                      <a:r>
-                        <a:rPr lang="zh-TW" sz="1200">
-                          <a:solidFill>
-                            <a:schemeClr val="dk2"/>
-                          </a:solidFill>
-                          <a:latin typeface="Lato"/>
-                          <a:ea typeface="Lato"/>
-                          <a:cs typeface="Lato"/>
-                          <a:sym typeface="Lato"/>
-                        </a:rPr>
-                        <a:t>match between 1 to 3</a:t>
-                      </a:r>
-                    </a:p>
-                    <a:p>
-                      <a:pPr lvl="0" rtl="0">
-                        <a:spcBef>
-                          <a:spcPts val="0"/>
-                        </a:spcBef>
-                        <a:buNone/>
-                      </a:pPr>
-                      <a:r>
-                        <a:rPr b="1" lang="zh-TW">
-                          <a:solidFill>
-                            <a:schemeClr val="dk1"/>
-                          </a:solidFill>
-                          <a:latin typeface="Lato"/>
-                          <a:ea typeface="Lato"/>
-                          <a:cs typeface="Lato"/>
-                          <a:sym typeface="Lato"/>
-                        </a:rPr>
-                        <a:t>a+?        </a:t>
-                      </a:r>
-                      <a:r>
-                        <a:rPr lang="zh-TW" sz="1200">
-                          <a:solidFill>
-                            <a:schemeClr val="dk2"/>
-                          </a:solidFill>
-                          <a:latin typeface="Lato"/>
-                          <a:ea typeface="Lato"/>
-                          <a:cs typeface="Lato"/>
-                          <a:sym typeface="Lato"/>
-                        </a:rPr>
-                        <a:t>match as few as possible (lazy)</a:t>
-                      </a:r>
-                    </a:p>
-                    <a:p>
-                      <a:pPr lvl="0" rtl="0">
-                        <a:spcBef>
-                          <a:spcPts val="0"/>
-                        </a:spcBef>
-                        <a:buNone/>
-                      </a:pPr>
-                      <a:r>
-                        <a:rPr b="1" lang="zh-TW">
-                          <a:solidFill>
-                            <a:schemeClr val="dk1"/>
-                          </a:solidFill>
-                          <a:latin typeface="Lato"/>
-                          <a:ea typeface="Lato"/>
-                          <a:cs typeface="Lato"/>
-                          <a:sym typeface="Lato"/>
-                        </a:rPr>
-                        <a:t>a|b         </a:t>
-                      </a:r>
-                      <a:r>
-                        <a:rPr lang="zh-TW" sz="1200">
-                          <a:solidFill>
-                            <a:schemeClr val="dk2"/>
-                          </a:solidFill>
-                          <a:latin typeface="Lato"/>
-                          <a:ea typeface="Lato"/>
-                          <a:cs typeface="Lato"/>
-                          <a:sym typeface="Lato"/>
-                        </a:rPr>
-                        <a:t>match a or b</a:t>
+                        <a:t>negative lookahead</a:t>
                       </a:r>
                     </a:p>
                   </a:txBody>
@@ -12480,7 +12757,7 @@
                           <a:cs typeface="Lato"/>
                           <a:sym typeface="Lato"/>
                         </a:rPr>
-                        <a:t>\t  \n  \r   </a:t>
+                        <a:t>\t  \n         </a:t>
                       </a:r>
                       <a:r>
                         <a:rPr lang="zh-TW" sz="1200">
@@ -12492,7 +12769,7 @@
                           <a:cs typeface="Lato"/>
                           <a:sym typeface="Lato"/>
                         </a:rPr>
-                        <a:t> tab, line feed, carriage return</a:t>
+                        <a:t> tab, line</a:t>
                       </a:r>
                     </a:p>
                     <a:p>
@@ -12898,14 +13175,14 @@
       </p:graphicFrame>
       <p:sp>
         <p:nvSpPr>
-          <p:cNvPr id="213" name="Shape 213"/>
+          <p:cNvPr id="217" name="Shape 217"/>
           <p:cNvSpPr txBox="1"/>
           <p:nvPr/>
         </p:nvSpPr>
         <p:spPr>
           <a:xfrm>
-            <a:off x="254100" y="4772825"/>
-            <a:ext cx="2795400" cy="387900"/>
+            <a:off x="5835100" y="434250"/>
+            <a:ext cx="3133800" cy="387900"/>
           </a:xfrm>
           <a:prstGeom prst="rect">
             <a:avLst/>
@@ -12928,7 +13205,7 @@
               <a:buNone/>
             </a:pPr>
             <a:r>
-              <a:rPr lang="zh-TW" sz="1200">
+              <a:rPr lang="zh-TW" sz="1300">
                 <a:solidFill>
                   <a:schemeClr val="dk2"/>
                 </a:solidFill>
@@ -12937,297 +13214,21 @@
                 <a:cs typeface="Lato"/>
                 <a:sym typeface="Lato"/>
               </a:rPr>
-              <a:t>Reference website: https://regexr.com</a:t>
-            </a:r>
-          </a:p>
-        </p:txBody>
-      </p:sp>
-    </p:spTree>
-  </p:cSld>
-  <p:clrMapOvr>
-    <a:masterClrMapping/>
-  </p:clrMapOvr>
-</p:sld>
-</file>
-
-<file path=ppt/slides/slide23.xml><?xml version="1.0" encoding="utf-8"?>
-<p:sld xmlns:a="http://schemas.openxmlformats.org/drawingml/2006/main" xmlns:r="http://schemas.openxmlformats.org/officeDocument/2006/relationships" xmlns:mc="http://schemas.openxmlformats.org/markup-compatibility/2006" xmlns:mv="urn:schemas-microsoft-com:mac:vml" xmlns:p="http://schemas.openxmlformats.org/presentationml/2006/main" xmlns:c="http://schemas.openxmlformats.org/drawingml/2006/chart" xmlns:dgm="http://schemas.openxmlformats.org/drawingml/2006/diagram" xmlns:o="urn:schemas-microsoft-com:office:office" xmlns:v="urn:schemas-microsoft-com:vml" xmlns:pvml="urn:schemas-microsoft-com:office:powerpoint" xmlns:com="http://schemas.openxmlformats.org/drawingml/2006/compatibility" xmlns:p14="http://schemas.microsoft.com/office/powerpoint/2010/main" xmlns:p15="http://schemas.microsoft.com/office/powerpoint/2012/main">
-  <p:cSld>
-    <p:spTree>
-      <p:nvGrpSpPr>
-        <p:cNvPr id="217" name="Shape 217"/>
-        <p:cNvGrpSpPr/>
-        <p:nvPr/>
-      </p:nvGrpSpPr>
-      <p:grpSpPr>
-        <a:xfrm>
-          <a:off x="0" y="0"/>
-          <a:ext cx="0" cy="0"/>
-          <a:chOff x="0" y="0"/>
-          <a:chExt cx="0" cy="0"/>
-        </a:xfrm>
-      </p:grpSpPr>
-      <p:sp>
-        <p:nvSpPr>
-          <p:cNvPr id="218" name="Shape 218"/>
-          <p:cNvSpPr txBox="1"/>
-          <p:nvPr>
-            <p:ph type="title"/>
-          </p:nvPr>
-        </p:nvSpPr>
-        <p:spPr>
-          <a:xfrm>
-            <a:off x="311700" y="391350"/>
-            <a:ext cx="8520600" cy="626100"/>
-          </a:xfrm>
-          <a:prstGeom prst="rect">
-            <a:avLst/>
-          </a:prstGeom>
-        </p:spPr>
-        <p:txBody>
-          <a:bodyPr anchorCtr="0" anchor="t" bIns="91425" lIns="91425" rIns="91425" wrap="square" tIns="91425">
-            <a:noAutofit/>
-          </a:bodyPr>
-          <a:lstStyle/>
-          <a:p>
-            <a:pPr lvl="0">
-              <a:spcBef>
-                <a:spcPts val="0"/>
-              </a:spcBef>
-              <a:buNone/>
-            </a:pPr>
-            <a:r>
-              <a:rPr lang="zh-TW"/>
-              <a:t>Regex in Python</a:t>
-            </a:r>
-          </a:p>
-        </p:txBody>
-      </p:sp>
-      <p:sp>
-        <p:nvSpPr>
-          <p:cNvPr id="219" name="Shape 219"/>
-          <p:cNvSpPr txBox="1"/>
-          <p:nvPr>
-            <p:ph idx="1" type="body"/>
-          </p:nvPr>
-        </p:nvSpPr>
-        <p:spPr>
-          <a:xfrm>
-            <a:off x="311700" y="1152475"/>
-            <a:ext cx="8520600" cy="3416400"/>
-          </a:xfrm>
-          <a:prstGeom prst="rect">
-            <a:avLst/>
-          </a:prstGeom>
-        </p:spPr>
-        <p:txBody>
-          <a:bodyPr anchorCtr="0" anchor="t" bIns="91425" lIns="91425" rIns="91425" wrap="square" tIns="91425">
-            <a:noAutofit/>
-          </a:bodyPr>
-          <a:lstStyle/>
-          <a:p>
-            <a:pPr indent="-228600" lvl="0" marL="457200" marR="0" rtl="0" algn="l">
-              <a:lnSpc>
-                <a:spcPct val="115000"/>
-              </a:lnSpc>
-              <a:spcBef>
-                <a:spcPts val="0"/>
-              </a:spcBef>
-              <a:spcAft>
-                <a:spcPts val="1600"/>
-              </a:spcAft>
-              <a:buChar char="●"/>
-            </a:pPr>
-            <a:r>
-              <a:rPr b="1" lang="zh-TW"/>
-              <a:t>re.findall: </a:t>
-            </a:r>
-            <a:r>
-              <a:rPr lang="zh-TW"/>
-              <a:t>return all matches as a “list” of  strings</a:t>
-            </a:r>
-          </a:p>
-          <a:p>
-            <a:pPr indent="-228600" lvl="0" marL="457200">
-              <a:spcBef>
-                <a:spcPts val="0"/>
-              </a:spcBef>
-              <a:buChar char="●"/>
-            </a:pPr>
-            <a:r>
-              <a:rPr b="1" lang="zh-TW"/>
-              <a:t>re.search</a:t>
-            </a:r>
-            <a:r>
-              <a:rPr lang="zh-TW"/>
-              <a:t>: scan for the first match, return </a:t>
-            </a:r>
-            <a:r>
-              <a:rPr lang="zh-TW">
+              <a:t>Reference website: </a:t>
+            </a:r>
+            <a:r>
+              <a:rPr lang="zh-TW" sz="1300" u="sng">
                 <a:solidFill>
-                  <a:srgbClr val="4A86E8"/>
+                  <a:schemeClr val="hlink"/>
                 </a:solidFill>
+                <a:latin typeface="Lato"/>
+                <a:ea typeface="Lato"/>
+                <a:cs typeface="Lato"/>
+                <a:sym typeface="Lato"/>
+                <a:hlinkClick r:id="rId3"/>
               </a:rPr>
-              <a:t>MatchObject</a:t>
-            </a:r>
-            <a:r>
-              <a:rPr lang="zh-TW"/>
-              <a:t> or </a:t>
-            </a:r>
-            <a:r>
-              <a:rPr lang="zh-TW">
-                <a:solidFill>
-                  <a:srgbClr val="4A86E8"/>
-                </a:solidFill>
-              </a:rPr>
-              <a:t>None</a:t>
-            </a:r>
-          </a:p>
-          <a:p>
-            <a:pPr indent="-228600" lvl="0" marL="457200" rtl="0">
-              <a:spcBef>
-                <a:spcPts val="0"/>
-              </a:spcBef>
-              <a:buChar char="●"/>
-            </a:pPr>
-            <a:r>
-              <a:rPr b="1" lang="zh-TW"/>
-              <a:t>re.match: </a:t>
-            </a:r>
-            <a:r>
-              <a:rPr lang="zh-TW"/>
-              <a:t>match at the beginning of the string, return </a:t>
-            </a:r>
-            <a:r>
-              <a:rPr lang="zh-TW">
-                <a:solidFill>
-                  <a:srgbClr val="4A86E8"/>
-                </a:solidFill>
-              </a:rPr>
-              <a:t>MatchObject</a:t>
-            </a:r>
-            <a:r>
-              <a:rPr lang="zh-TW"/>
-              <a:t> or </a:t>
-            </a:r>
-            <a:r>
-              <a:rPr lang="zh-TW">
-                <a:solidFill>
-                  <a:srgbClr val="4A86E8"/>
-                </a:solidFill>
-              </a:rPr>
-              <a:t>None</a:t>
-            </a:r>
-          </a:p>
-          <a:p>
-            <a:pPr lvl="0">
-              <a:spcBef>
-                <a:spcPts val="0"/>
-              </a:spcBef>
-              <a:buNone/>
-            </a:pPr>
-            <a:r>
-              <a:rPr lang="zh-TW"/>
-              <a:t>          </a:t>
-            </a:r>
-            <a:r>
-              <a:rPr lang="zh-TW" sz="2400">
-                <a:solidFill>
-                  <a:schemeClr val="dk1"/>
-                </a:solidFill>
-              </a:rPr>
-              <a:t>re.findall/search/match </a:t>
-            </a:r>
-            <a:r>
-              <a:rPr b="1" lang="zh-TW" sz="2400">
-                <a:solidFill>
-                  <a:schemeClr val="dk1"/>
-                </a:solidFill>
-              </a:rPr>
-              <a:t>(pattern, string, flag=0)</a:t>
-            </a:r>
-          </a:p>
-          <a:p>
-            <a:pPr indent="-228600" lvl="0" marL="457200" rtl="0">
-              <a:spcBef>
-                <a:spcPts val="0"/>
-              </a:spcBef>
-              <a:buChar char="●"/>
-            </a:pPr>
-            <a:r>
-              <a:rPr b="1" lang="zh-TW"/>
-              <a:t>re.compile:</a:t>
-            </a:r>
-            <a:r>
-              <a:rPr lang="zh-TW"/>
-              <a:t> compile the pattern in a “regex object”, convenient for repeated use</a:t>
-            </a:r>
-          </a:p>
-          <a:p>
-            <a:pPr lvl="0" rtl="0">
-              <a:lnSpc>
-                <a:spcPct val="100000"/>
-              </a:lnSpc>
-              <a:spcBef>
-                <a:spcPts val="0"/>
-              </a:spcBef>
-              <a:buNone/>
-            </a:pPr>
-            <a:r>
-              <a:rPr lang="zh-TW" sz="2000">
-                <a:solidFill>
-                  <a:schemeClr val="dk1"/>
-                </a:solidFill>
-              </a:rPr>
-              <a:t>         prog = re.compile </a:t>
-            </a:r>
-            <a:r>
-              <a:rPr b="1" lang="zh-TW" sz="2000">
-                <a:solidFill>
-                  <a:schemeClr val="dk1"/>
-                </a:solidFill>
-              </a:rPr>
-              <a:t>(pattern)</a:t>
-            </a:r>
-          </a:p>
-          <a:p>
-            <a:pPr lvl="0" rtl="0">
-              <a:lnSpc>
-                <a:spcPct val="100000"/>
-              </a:lnSpc>
-              <a:spcBef>
-                <a:spcPts val="0"/>
-              </a:spcBef>
-              <a:buNone/>
-            </a:pPr>
-            <a:r>
-              <a:rPr lang="zh-TW" sz="2000">
-                <a:solidFill>
-                  <a:schemeClr val="dk1"/>
-                </a:solidFill>
-              </a:rPr>
-              <a:t>         result= prog.findall/search/match </a:t>
-            </a:r>
-            <a:r>
-              <a:rPr b="1" lang="zh-TW" sz="2000">
-                <a:solidFill>
-                  <a:schemeClr val="dk1"/>
-                </a:solidFill>
-              </a:rPr>
-              <a:t>(string)</a:t>
-            </a:r>
-          </a:p>
-          <a:p>
-            <a:pPr lvl="0">
-              <a:spcBef>
-                <a:spcPts val="0"/>
-              </a:spcBef>
-              <a:buNone/>
-            </a:pPr>
-            <a:r>
-              <a:t/>
-            </a:r>
-            <a:endParaRPr/>
+              <a:t>https://regexr.com</a:t>
+            </a:r>
           </a:p>
         </p:txBody>
       </p:sp>
@@ -13244,7 +13245,7 @@
   <p:cSld>
     <p:spTree>
       <p:nvGrpSpPr>
-        <p:cNvPr id="223" name="Shape 223"/>
+        <p:cNvPr id="221" name="Shape 221"/>
         <p:cNvGrpSpPr/>
         <p:nvPr/>
       </p:nvGrpSpPr>
@@ -13258,7 +13259,7 @@
       </p:grpSpPr>
       <p:sp>
         <p:nvSpPr>
-          <p:cNvPr id="224" name="Shape 224"/>
+          <p:cNvPr id="222" name="Shape 222"/>
           <p:cNvSpPr txBox="1"/>
           <p:nvPr>
             <p:ph type="title"/>
@@ -13287,14 +13288,14 @@
             </a:pPr>
             <a:r>
               <a:rPr lang="zh-TW"/>
-              <a:t>Work through in Jupyter notebook</a:t>
+              <a:t>Regex in Python</a:t>
             </a:r>
           </a:p>
         </p:txBody>
       </p:sp>
       <p:sp>
         <p:nvSpPr>
-          <p:cNvPr id="225" name="Shape 225"/>
+          <p:cNvPr id="223" name="Shape 223"/>
           <p:cNvSpPr txBox="1"/>
           <p:nvPr>
             <p:ph idx="1" type="body"/>
@@ -13315,6 +13316,100 @@
           </a:bodyPr>
           <a:lstStyle/>
           <a:p>
+            <a:pPr indent="-228600" lvl="0" marL="457200" marR="0" rtl="0" algn="l">
+              <a:lnSpc>
+                <a:spcPct val="115000"/>
+              </a:lnSpc>
+              <a:spcBef>
+                <a:spcPts val="0"/>
+              </a:spcBef>
+              <a:spcAft>
+                <a:spcPts val="1600"/>
+              </a:spcAft>
+              <a:buChar char="●"/>
+            </a:pPr>
+            <a:r>
+              <a:rPr b="1" lang="zh-TW"/>
+              <a:t>re.findall: </a:t>
+            </a:r>
+            <a:r>
+              <a:rPr lang="zh-TW"/>
+              <a:t>return all matches as a “list” of  strings</a:t>
+            </a:r>
+          </a:p>
+          <a:p>
+            <a:pPr indent="-228600" lvl="0" marL="457200">
+              <a:spcBef>
+                <a:spcPts val="0"/>
+              </a:spcBef>
+              <a:buChar char="●"/>
+            </a:pPr>
+            <a:r>
+              <a:rPr b="1" lang="zh-TW"/>
+              <a:t>re.search</a:t>
+            </a:r>
+            <a:r>
+              <a:rPr lang="zh-TW"/>
+              <a:t>: scan for the first match, return </a:t>
+            </a:r>
+            <a:r>
+              <a:rPr lang="zh-TW">
+                <a:solidFill>
+                  <a:srgbClr val="4A86E8"/>
+                </a:solidFill>
+              </a:rPr>
+              <a:t>MatchObject</a:t>
+            </a:r>
+            <a:r>
+              <a:rPr lang="zh-TW"/>
+              <a:t> or </a:t>
+            </a:r>
+            <a:r>
+              <a:rPr lang="zh-TW">
+                <a:solidFill>
+                  <a:srgbClr val="4A86E8"/>
+                </a:solidFill>
+              </a:rPr>
+              <a:t>None</a:t>
+            </a:r>
+          </a:p>
+          <a:p>
+            <a:pPr indent="-228600" lvl="0" marL="457200" rtl="0">
+              <a:spcBef>
+                <a:spcPts val="0"/>
+              </a:spcBef>
+              <a:buChar char="●"/>
+            </a:pPr>
+            <a:r>
+              <a:rPr b="1" lang="zh-TW"/>
+              <a:t>re.match: </a:t>
+            </a:r>
+            <a:r>
+              <a:rPr lang="zh-TW"/>
+              <a:t>match at the beginning of the string, return </a:t>
+            </a:r>
+            <a:r>
+              <a:rPr lang="zh-TW">
+                <a:solidFill>
+                  <a:srgbClr val="4A86E8"/>
+                </a:solidFill>
+              </a:rPr>
+              <a:t>MatchObject</a:t>
+            </a:r>
+            <a:r>
+              <a:rPr lang="zh-TW"/>
+              <a:t> or </a:t>
+            </a:r>
+            <a:r>
+              <a:rPr lang="zh-TW">
+                <a:solidFill>
+                  <a:srgbClr val="4A86E8"/>
+                </a:solidFill>
+              </a:rPr>
+              <a:t>None</a:t>
+            </a:r>
+          </a:p>
+          <a:p>
             <a:pPr lvl="0">
               <a:spcBef>
                 <a:spcPts val="0"/>
@@ -13323,7 +13418,23 @@
             </a:pPr>
             <a:r>
               <a:rPr lang="zh-TW"/>
-              <a:t>Work them through the whole code and explain line by line</a:t>
+              <a:t>          </a:t>
+            </a:r>
+            <a:r>
+              <a:rPr lang="zh-TW" sz="2400">
+                <a:solidFill>
+                  <a:schemeClr val="dk1"/>
+                </a:solidFill>
+              </a:rPr>
+              <a:t>re.findall/search/match </a:t>
+            </a:r>
+            <a:r>
+              <a:rPr b="1" lang="zh-TW" sz="2400">
+                <a:solidFill>
+                  <a:schemeClr val="dk1"/>
+                </a:solidFill>
+              </a:rPr>
+              <a:t>(pattern, string, flag=0)</a:t>
             </a:r>
           </a:p>
           <a:p>
@@ -13331,120 +13442,82 @@
               <a:spcBef>
                 <a:spcPts val="0"/>
               </a:spcBef>
-              <a:buAutoNum type="alphaLcPeriod"/>
-            </a:pPr>
+              <a:buChar char="●"/>
+            </a:pPr>
+            <a:r>
+              <a:rPr b="1" lang="zh-TW"/>
+              <a:t>re.compile:</a:t>
+            </a:r>
             <a:r>
               <a:rPr lang="zh-TW"/>
-              <a:t>user-agent</a:t>
-            </a:r>
-          </a:p>
-          <a:p>
-            <a:pPr indent="-228600" lvl="0" marL="457200" rtl="0">
-              <a:spcBef>
-                <a:spcPts val="0"/>
-              </a:spcBef>
-              <a:buAutoNum type="alphaLcPeriod"/>
-            </a:pPr>
-            <a:r>
-              <a:rPr lang="zh-TW"/>
-              <a:t>header</a:t>
-            </a:r>
-          </a:p>
-          <a:p>
-            <a:pPr indent="-228600" lvl="0" marL="457200" rtl="0">
-              <a:spcBef>
-                <a:spcPts val="0"/>
-              </a:spcBef>
-              <a:buAutoNum type="alphaLcPeriod"/>
-            </a:pPr>
-            <a:r>
-              <a:rPr lang="zh-TW"/>
-              <a:t>dynamic webiste with javascript</a:t>
-            </a:r>
-          </a:p>
-          <a:p>
-            <a:pPr indent="-228600" lvl="0" marL="457200" rtl="0">
-              <a:spcBef>
-                <a:spcPts val="0"/>
-              </a:spcBef>
-              <a:buAutoNum type="alphaLcPeriod"/>
-            </a:pPr>
-            <a:r>
-              <a:rPr lang="zh-TW"/>
-              <a:t>exception handling</a:t>
-            </a:r>
-          </a:p>
-          <a:p>
-            <a:pPr indent="-228600" lvl="0" marL="457200" rtl="0">
-              <a:spcBef>
-                <a:spcPts val="0"/>
-              </a:spcBef>
-              <a:buAutoNum type="alphaLcPeriod"/>
-            </a:pPr>
-            <a:r>
-              <a:rPr lang="zh-TW"/>
-              <a:t>crawling</a:t>
-            </a:r>
-          </a:p>
-          <a:p>
-            <a:pPr indent="-228600" lvl="1" marL="914400" rtl="0">
-              <a:spcBef>
-                <a:spcPts val="0"/>
-              </a:spcBef>
-              <a:buAutoNum type="romanLcPeriod"/>
-            </a:pPr>
-            <a:r>
-              <a:rPr lang="zh-TW"/>
-              <a:t>requests</a:t>
-            </a:r>
-          </a:p>
-          <a:p>
-            <a:pPr indent="-228600" lvl="1" marL="914400" rtl="0">
-              <a:spcBef>
-                <a:spcPts val="0"/>
-              </a:spcBef>
-              <a:buAutoNum type="romanLcPeriod"/>
-            </a:pPr>
-            <a:r>
-              <a:rPr lang="zh-TW"/>
-              <a:t>received data</a:t>
-            </a:r>
-          </a:p>
-          <a:p>
-            <a:pPr indent="-228600" lvl="1" marL="914400" rtl="0">
-              <a:spcBef>
-                <a:spcPts val="0"/>
-              </a:spcBef>
-              <a:buAutoNum type="romanLcPeriod"/>
-            </a:pPr>
-            <a:r>
-              <a:rPr lang="zh-TW"/>
-              <a:t>parse the raw source with a) regular expression b) packages BeautifulSoup4</a:t>
-            </a:r>
-          </a:p>
-          <a:p>
-            <a:pPr indent="-228600" lvl="0" marL="457200" rtl="0">
-              <a:spcBef>
-                <a:spcPts val="0"/>
-              </a:spcBef>
-              <a:buAutoNum type="alphaLcPeriod"/>
-            </a:pPr>
-            <a:r>
-              <a:rPr lang="zh-TW"/>
-              <a:t>write the data to file</a:t>
-            </a:r>
-          </a:p>
-          <a:p>
-            <a:pPr indent="-228600" lvl="0" marL="457200" rtl="0">
-              <a:spcBef>
-                <a:spcPts val="0"/>
-              </a:spcBef>
-              <a:buAutoNum type="alphaLcPeriod"/>
-            </a:pPr>
-            <a:r>
-              <a:rPr lang="zh-TW"/>
-              <a:t>scp back the image and document for examination</a:t>
-            </a:r>
+              <a:t> compile the pattern in a “regex object”, convenient for repeated use</a:t>
+            </a:r>
+          </a:p>
+          <a:p>
+            <a:pPr lvl="0" rtl="0">
+              <a:lnSpc>
+                <a:spcPct val="100000"/>
+              </a:lnSpc>
+              <a:spcBef>
+                <a:spcPts val="0"/>
+              </a:spcBef>
+              <a:buNone/>
+            </a:pPr>
+            <a:r>
+              <a:rPr lang="zh-TW" sz="2000">
+                <a:solidFill>
+                  <a:schemeClr val="dk1"/>
+                </a:solidFill>
+              </a:rPr>
+              <a:t>         prog = re.compile </a:t>
+            </a:r>
+            <a:r>
+              <a:rPr b="1" lang="zh-TW" sz="2000">
+                <a:solidFill>
+                  <a:schemeClr val="dk1"/>
+                </a:solidFill>
+              </a:rPr>
+              <a:t>(pattern)</a:t>
+            </a:r>
+          </a:p>
+          <a:p>
+            <a:pPr lvl="0" rtl="0">
+              <a:lnSpc>
+                <a:spcPct val="100000"/>
+              </a:lnSpc>
+              <a:spcBef>
+                <a:spcPts val="0"/>
+              </a:spcBef>
+              <a:buNone/>
+            </a:pPr>
+            <a:r>
+              <a:rPr lang="zh-TW" sz="2000">
+                <a:solidFill>
+                  <a:schemeClr val="dk1"/>
+                </a:solidFill>
+              </a:rPr>
+              <a:t>         result= prog.findall/search/match </a:t>
+            </a:r>
+            <a:r>
+              <a:rPr b="1" lang="zh-TW" sz="2000">
+                <a:solidFill>
+                  <a:schemeClr val="dk1"/>
+                </a:solidFill>
+              </a:rPr>
+              <a:t>(string)</a:t>
+            </a:r>
+          </a:p>
+          <a:p>
+            <a:pPr lvl="0">
+              <a:spcBef>
+                <a:spcPts val="0"/>
+              </a:spcBef>
+              <a:buNone/>
+            </a:pPr>
+            <a:r>
+              <a:t/>
+            </a:r>
+            <a:endParaRPr/>
           </a:p>
         </p:txBody>
       </p:sp>
@@ -13461,7 +13534,7 @@
   <p:cSld>
     <p:spTree>
       <p:nvGrpSpPr>
-        <p:cNvPr id="229" name="Shape 229"/>
+        <p:cNvPr id="227" name="Shape 227"/>
         <p:cNvGrpSpPr/>
         <p:nvPr/>
       </p:nvGrpSpPr>
@@ -13475,7 +13548,7 @@
       </p:grpSpPr>
       <p:sp>
         <p:nvSpPr>
-          <p:cNvPr id="230" name="Shape 230"/>
+          <p:cNvPr id="228" name="Shape 228"/>
           <p:cNvSpPr txBox="1"/>
           <p:nvPr>
             <p:ph type="title"/>
@@ -13483,7 +13556,7 @@
         </p:nvSpPr>
         <p:spPr>
           <a:xfrm>
-            <a:off x="311700" y="391350"/>
+            <a:off x="311700" y="291675"/>
             <a:ext cx="8520600" cy="626100"/>
           </a:xfrm>
           <a:prstGeom prst="rect">
@@ -13504,14 +13577,14 @@
             </a:pPr>
             <a:r>
               <a:rPr lang="zh-TW"/>
-              <a:t>Summary</a:t>
+              <a:t>Work through in Jupyter notebook</a:t>
             </a:r>
           </a:p>
         </p:txBody>
       </p:sp>
       <p:sp>
         <p:nvSpPr>
-          <p:cNvPr id="231" name="Shape 231"/>
+          <p:cNvPr id="229" name="Shape 229"/>
           <p:cNvSpPr txBox="1"/>
           <p:nvPr>
             <p:ph idx="1" type="body"/>
@@ -13519,7 +13592,7 @@
         </p:nvSpPr>
         <p:spPr>
           <a:xfrm>
-            <a:off x="311700" y="1152475"/>
+            <a:off x="311700" y="1069550"/>
             <a:ext cx="8520600" cy="3416400"/>
           </a:xfrm>
           <a:prstGeom prst="rect">
@@ -13532,7 +13605,7 @@
           </a:bodyPr>
           <a:lstStyle/>
           <a:p>
-            <a:pPr lvl="0">
+            <a:pPr lvl="0" rtl="0">
               <a:spcBef>
                 <a:spcPts val="0"/>
               </a:spcBef>
@@ -13540,39 +13613,103 @@
             </a:pPr>
             <a:r>
               <a:rPr lang="zh-TW"/>
-              <a:t>Even though spider is COOL, we </a:t>
-            </a:r>
-            <a:r>
-              <a:rPr lang="zh-TW">
-                <a:solidFill>
-                  <a:srgbClr val="FF0000"/>
-                </a:solidFill>
-              </a:rPr>
-              <a:t>shouldn’t</a:t>
-            </a:r>
+              <a:t>Work through the entire concept covered in previous slides, and a basic framework of a Crawler</a:t>
+            </a:r>
+          </a:p>
+          <a:p>
+            <a:pPr indent="-228600" lvl="0" marL="457200" rtl="0">
+              <a:spcBef>
+                <a:spcPts val="0"/>
+              </a:spcBef>
+              <a:buAutoNum type="alphaLcPeriod"/>
+            </a:pPr>
             <a:r>
               <a:rPr lang="zh-TW"/>
-              <a:t> consider using spider in the first place, very often there are grouped packages, api, or tools for you to download data. You only use spider when there’s no other choice</a:t>
-            </a:r>
-          </a:p>
-          <a:p>
-            <a:pPr lvl="0">
-              <a:spcBef>
-                <a:spcPts val="0"/>
-              </a:spcBef>
-              <a:buNone/>
+              <a:t>header</a:t>
+            </a:r>
+          </a:p>
+          <a:p>
+            <a:pPr indent="-228600" lvl="0" marL="457200" rtl="0">
+              <a:spcBef>
+                <a:spcPts val="0"/>
+              </a:spcBef>
+              <a:buAutoNum type="alphaLcPeriod"/>
             </a:pPr>
             <a:r>
               <a:rPr lang="zh-TW"/>
-              <a:t>Website are </a:t>
-            </a:r>
+              <a:t>dynamic webiste with javascript rendering</a:t>
+            </a:r>
+          </a:p>
+          <a:p>
+            <a:pPr indent="-228600" lvl="0" marL="457200" rtl="0">
+              <a:spcBef>
+                <a:spcPts val="0"/>
+              </a:spcBef>
+              <a:buAutoNum type="alphaLcPeriod"/>
+            </a:pPr>
             <a:r>
               <a:rPr lang="zh-TW"/>
-              <a:t>constructed</a:t>
-            </a:r>
+              <a:t>exception handling</a:t>
+            </a:r>
+          </a:p>
+          <a:p>
+            <a:pPr indent="-228600" lvl="0" marL="457200" rtl="0">
+              <a:spcBef>
+                <a:spcPts val="0"/>
+              </a:spcBef>
+              <a:buAutoNum type="alphaLcPeriod"/>
+            </a:pPr>
             <a:r>
               <a:rPr lang="zh-TW"/>
-              <a:t> by human, therefore, there must have some logic in it and we should build our spider case by case. </a:t>
+              <a:t>crawling</a:t>
+            </a:r>
+          </a:p>
+          <a:p>
+            <a:pPr indent="-228600" lvl="1" marL="914400" rtl="0">
+              <a:spcBef>
+                <a:spcPts val="0"/>
+              </a:spcBef>
+              <a:buAutoNum type="romanLcPeriod"/>
+            </a:pPr>
+            <a:r>
+              <a:rPr lang="zh-TW"/>
+              <a:t>requests</a:t>
+            </a:r>
+          </a:p>
+          <a:p>
+            <a:pPr indent="-228600" lvl="1" marL="914400" rtl="0">
+              <a:spcBef>
+                <a:spcPts val="0"/>
+              </a:spcBef>
+              <a:buAutoNum type="romanLcPeriod"/>
+            </a:pPr>
+            <a:r>
+              <a:rPr lang="zh-TW"/>
+              <a:t>received data</a:t>
+            </a:r>
+          </a:p>
+          <a:p>
+            <a:pPr indent="-228600" lvl="1" marL="914400" rtl="0">
+              <a:spcBef>
+                <a:spcPts val="0"/>
+              </a:spcBef>
+              <a:buAutoNum type="romanLcPeriod"/>
+            </a:pPr>
+            <a:r>
+              <a:rPr lang="zh-TW"/>
+              <a:t>parse the raw source with a) regular expression b) packages BeautifulSoup4</a:t>
+            </a:r>
+          </a:p>
+          <a:p>
+            <a:pPr indent="-228600" lvl="0" marL="457200" rtl="0">
+              <a:spcBef>
+                <a:spcPts val="0"/>
+              </a:spcBef>
+              <a:buAutoNum type="alphaLcPeriod"/>
+            </a:pPr>
+            <a:r>
+              <a:rPr lang="zh-TW"/>
+              <a:t>write the data to file</a:t>
             </a:r>
           </a:p>
         </p:txBody>
@@ -13590,7 +13727,7 @@
   <p:cSld>
     <p:spTree>
       <p:nvGrpSpPr>
-        <p:cNvPr id="235" name="Shape 235"/>
+        <p:cNvPr id="233" name="Shape 233"/>
         <p:cNvGrpSpPr/>
         <p:nvPr/>
       </p:nvGrpSpPr>
@@ -13604,7 +13741,7 @@
       </p:grpSpPr>
       <p:sp>
         <p:nvSpPr>
-          <p:cNvPr id="236" name="Shape 236"/>
+          <p:cNvPr id="234" name="Shape 234"/>
           <p:cNvSpPr txBox="1"/>
           <p:nvPr>
             <p:ph type="title"/>
@@ -13633,14 +13770,14 @@
             </a:pPr>
             <a:r>
               <a:rPr lang="zh-TW"/>
-              <a:t>Build your own crawler base on the given example</a:t>
+              <a:t>Summary</a:t>
             </a:r>
           </a:p>
         </p:txBody>
       </p:sp>
       <p:sp>
         <p:nvSpPr>
-          <p:cNvPr id="237" name="Shape 237"/>
+          <p:cNvPr id="235" name="Shape 235"/>
           <p:cNvSpPr txBox="1"/>
           <p:nvPr>
             <p:ph idx="1" type="body"/>
@@ -13648,7 +13785,7 @@
         </p:nvSpPr>
         <p:spPr>
           <a:xfrm>
-            <a:off x="311700" y="1396925"/>
+            <a:off x="311700" y="1152475"/>
             <a:ext cx="8520600" cy="3416400"/>
           </a:xfrm>
           <a:prstGeom prst="rect">
@@ -13668,9 +13805,21 @@
               <a:buNone/>
             </a:pPr>
             <a:r>
-              <a:t/>
-            </a:r>
-            <a:endParaRPr/>
+              <a:rPr lang="zh-TW"/>
+              <a:t>Even though spider is COOL, we </a:t>
+            </a:r>
+            <a:r>
+              <a:rPr lang="zh-TW">
+                <a:solidFill>
+                  <a:srgbClr val="FF0000"/>
+                </a:solidFill>
+              </a:rPr>
+              <a:t>shouldn’t</a:t>
+            </a:r>
+            <a:r>
+              <a:rPr lang="zh-TW"/>
+              <a:t> consider using spider in the first place, very often there are packed rar file, api, or tools for you to download data. You only use spider when there’s no other choice</a:t>
+            </a:r>
           </a:p>
           <a:p>
             <a:pPr lvl="0">
@@ -13680,25 +13829,16 @@
               <a:buNone/>
             </a:pPr>
             <a:r>
-              <a:t/>
-            </a:r>
-            <a:endParaRPr/>
-          </a:p>
-          <a:p>
-            <a:pPr lvl="0" rtl="0" algn="ctr">
-              <a:spcBef>
-                <a:spcPts val="0"/>
-              </a:spcBef>
-              <a:buNone/>
-            </a:pPr>
-            <a:r>
-              <a:rPr b="1" i="1" lang="zh-TW" sz="4800">
-                <a:latin typeface="Impact"/>
-                <a:ea typeface="Impact"/>
-                <a:cs typeface="Impact"/>
-                <a:sym typeface="Impact"/>
-              </a:rPr>
-              <a:t>Try Yourself ~</a:t>
+              <a:rPr lang="zh-TW"/>
+              <a:t>Website are </a:t>
+            </a:r>
+            <a:r>
+              <a:rPr lang="zh-TW"/>
+              <a:t>constructed</a:t>
+            </a:r>
+            <a:r>
+              <a:rPr lang="zh-TW"/>
+              <a:t> by human, therefore, there must have some logic in it and we should build our spider case by case. </a:t>
             </a:r>
           </a:p>
         </p:txBody>
@@ -13716,7 +13856,7 @@
   <p:cSld>
     <p:spTree>
       <p:nvGrpSpPr>
-        <p:cNvPr id="241" name="Shape 241"/>
+        <p:cNvPr id="239" name="Shape 239"/>
         <p:cNvGrpSpPr/>
         <p:nvPr/>
       </p:nvGrpSpPr>
@@ -13728,6 +13868,285 @@
           <a:chExt cx="0" cy="0"/>
         </a:xfrm>
       </p:grpSpPr>
+      <p:sp>
+        <p:nvSpPr>
+          <p:cNvPr id="240" name="Shape 240"/>
+          <p:cNvSpPr txBox="1"/>
+          <p:nvPr>
+            <p:ph type="title"/>
+          </p:nvPr>
+        </p:nvSpPr>
+        <p:spPr>
+          <a:xfrm>
+            <a:off x="311700" y="391350"/>
+            <a:ext cx="8520600" cy="626100"/>
+          </a:xfrm>
+          <a:prstGeom prst="rect">
+            <a:avLst/>
+          </a:prstGeom>
+        </p:spPr>
+        <p:txBody>
+          <a:bodyPr anchorCtr="0" anchor="t" bIns="91425" lIns="91425" rIns="91425" wrap="square" tIns="91425">
+            <a:noAutofit/>
+          </a:bodyPr>
+          <a:lstStyle/>
+          <a:p>
+            <a:pPr lvl="0">
+              <a:spcBef>
+                <a:spcPts val="0"/>
+              </a:spcBef>
+              <a:buNone/>
+            </a:pPr>
+            <a:r>
+              <a:rPr lang="zh-TW"/>
+              <a:t>Build your own crawler base on the given example</a:t>
+            </a:r>
+          </a:p>
+        </p:txBody>
+      </p:sp>
+      <p:sp>
+        <p:nvSpPr>
+          <p:cNvPr id="241" name="Shape 241"/>
+          <p:cNvSpPr txBox="1"/>
+          <p:nvPr>
+            <p:ph idx="1" type="body"/>
+          </p:nvPr>
+        </p:nvSpPr>
+        <p:spPr>
+          <a:xfrm>
+            <a:off x="311700" y="1396925"/>
+            <a:ext cx="8520600" cy="3416400"/>
+          </a:xfrm>
+          <a:prstGeom prst="rect">
+            <a:avLst/>
+          </a:prstGeom>
+        </p:spPr>
+        <p:txBody>
+          <a:bodyPr anchorCtr="0" anchor="t" bIns="91425" lIns="91425" rIns="91425" wrap="square" tIns="91425">
+            <a:noAutofit/>
+          </a:bodyPr>
+          <a:lstStyle/>
+          <a:p>
+            <a:pPr lvl="0">
+              <a:spcBef>
+                <a:spcPts val="0"/>
+              </a:spcBef>
+              <a:buNone/>
+            </a:pPr>
+            <a:r>
+              <a:t/>
+            </a:r>
+            <a:endParaRPr/>
+          </a:p>
+          <a:p>
+            <a:pPr lvl="0">
+              <a:spcBef>
+                <a:spcPts val="0"/>
+              </a:spcBef>
+              <a:buNone/>
+            </a:pPr>
+            <a:r>
+              <a:t/>
+            </a:r>
+            <a:endParaRPr/>
+          </a:p>
+          <a:p>
+            <a:pPr lvl="0" rtl="0" algn="ctr">
+              <a:spcBef>
+                <a:spcPts val="0"/>
+              </a:spcBef>
+              <a:buNone/>
+            </a:pPr>
+            <a:r>
+              <a:rPr b="1" i="1" lang="zh-TW" sz="4800">
+                <a:latin typeface="Impact"/>
+                <a:ea typeface="Impact"/>
+                <a:cs typeface="Impact"/>
+                <a:sym typeface="Impact"/>
+              </a:rPr>
+              <a:t>Try Yourself ~</a:t>
+            </a:r>
+          </a:p>
+        </p:txBody>
+      </p:sp>
+    </p:spTree>
+  </p:cSld>
+  <p:clrMapOvr>
+    <a:masterClrMapping/>
+  </p:clrMapOvr>
+</p:sld>
+</file>
+
+<file path=ppt/slides/slide28.xml><?xml version="1.0" encoding="utf-8"?>
+<p:sld xmlns:a="http://schemas.openxmlformats.org/drawingml/2006/main" xmlns:r="http://schemas.openxmlformats.org/officeDocument/2006/relationships" xmlns:mc="http://schemas.openxmlformats.org/markup-compatibility/2006" xmlns:mv="urn:schemas-microsoft-com:mac:vml" xmlns:p="http://schemas.openxmlformats.org/presentationml/2006/main" xmlns:c="http://schemas.openxmlformats.org/drawingml/2006/chart" xmlns:dgm="http://schemas.openxmlformats.org/drawingml/2006/diagram" xmlns:o="urn:schemas-microsoft-com:office:office" xmlns:v="urn:schemas-microsoft-com:vml" xmlns:pvml="urn:schemas-microsoft-com:office:powerpoint" xmlns:com="http://schemas.openxmlformats.org/drawingml/2006/compatibility" xmlns:p14="http://schemas.microsoft.com/office/powerpoint/2010/main" xmlns:p15="http://schemas.microsoft.com/office/powerpoint/2012/main">
+  <p:cSld>
+    <p:spTree>
+      <p:nvGrpSpPr>
+        <p:cNvPr id="245" name="Shape 245"/>
+        <p:cNvGrpSpPr/>
+        <p:nvPr/>
+      </p:nvGrpSpPr>
+      <p:grpSpPr>
+        <a:xfrm>
+          <a:off x="0" y="0"/>
+          <a:ext cx="0" cy="0"/>
+          <a:chOff x="0" y="0"/>
+          <a:chExt cx="0" cy="0"/>
+        </a:xfrm>
+      </p:grpSpPr>
+      <p:sp>
+        <p:nvSpPr>
+          <p:cNvPr id="246" name="Shape 246"/>
+          <p:cNvSpPr txBox="1"/>
+          <p:nvPr>
+            <p:ph type="title"/>
+          </p:nvPr>
+        </p:nvSpPr>
+        <p:spPr>
+          <a:xfrm>
+            <a:off x="220050" y="1420025"/>
+            <a:ext cx="4658700" cy="626100"/>
+          </a:xfrm>
+          <a:prstGeom prst="rect">
+            <a:avLst/>
+          </a:prstGeom>
+        </p:spPr>
+        <p:txBody>
+          <a:bodyPr anchorCtr="0" anchor="t" bIns="91425" lIns="91425" rIns="91425" wrap="square" tIns="91425">
+            <a:noAutofit/>
+          </a:bodyPr>
+          <a:lstStyle/>
+          <a:p>
+            <a:pPr lvl="0">
+              <a:spcBef>
+                <a:spcPts val="0"/>
+              </a:spcBef>
+              <a:buNone/>
+            </a:pPr>
+            <a:r>
+              <a:rPr lang="zh-TW"/>
+              <a:t>Promotion of the CityU first HACKATHON!!!</a:t>
+            </a:r>
+          </a:p>
+        </p:txBody>
+      </p:sp>
+      <p:pic>
+        <p:nvPicPr>
+          <p:cNvPr id="247" name="Shape 247"/>
+          <p:cNvPicPr preferRelativeResize="0"/>
+          <p:nvPr/>
+        </p:nvPicPr>
+        <p:blipFill>
+          <a:blip r:embed="rId3">
+            <a:alphaModFix/>
+          </a:blip>
+          <a:stretch>
+            <a:fillRect/>
+          </a:stretch>
+        </p:blipFill>
+        <p:spPr>
+          <a:xfrm>
+            <a:off x="5315950" y="333563"/>
+            <a:ext cx="3161449" cy="4476376"/>
+          </a:xfrm>
+          <a:prstGeom prst="rect">
+            <a:avLst/>
+          </a:prstGeom>
+          <a:noFill/>
+          <a:ln>
+            <a:noFill/>
+          </a:ln>
+        </p:spPr>
+      </p:pic>
+    </p:spTree>
+  </p:cSld>
+  <p:clrMapOvr>
+    <a:masterClrMapping/>
+  </p:clrMapOvr>
+</p:sld>
+</file>
+
+<file path=ppt/slides/slide29.xml><?xml version="1.0" encoding="utf-8"?>
+<p:sld xmlns:a="http://schemas.openxmlformats.org/drawingml/2006/main" xmlns:r="http://schemas.openxmlformats.org/officeDocument/2006/relationships" xmlns:mc="http://schemas.openxmlformats.org/markup-compatibility/2006" xmlns:mv="urn:schemas-microsoft-com:mac:vml" xmlns:p="http://schemas.openxmlformats.org/presentationml/2006/main" xmlns:c="http://schemas.openxmlformats.org/drawingml/2006/chart" xmlns:dgm="http://schemas.openxmlformats.org/drawingml/2006/diagram" xmlns:o="urn:schemas-microsoft-com:office:office" xmlns:v="urn:schemas-microsoft-com:vml" xmlns:pvml="urn:schemas-microsoft-com:office:powerpoint" xmlns:com="http://schemas.openxmlformats.org/drawingml/2006/compatibility" xmlns:p14="http://schemas.microsoft.com/office/powerpoint/2010/main" xmlns:p15="http://schemas.microsoft.com/office/powerpoint/2012/main">
+  <p:cSld>
+    <p:spTree>
+      <p:nvGrpSpPr>
+        <p:cNvPr id="251" name="Shape 251"/>
+        <p:cNvGrpSpPr/>
+        <p:nvPr/>
+      </p:nvGrpSpPr>
+      <p:grpSpPr>
+        <a:xfrm>
+          <a:off x="0" y="0"/>
+          <a:ext cx="0" cy="0"/>
+          <a:chOff x="0" y="0"/>
+          <a:chExt cx="0" cy="0"/>
+        </a:xfrm>
+      </p:grpSpPr>
+      <p:sp>
+        <p:nvSpPr>
+          <p:cNvPr id="252" name="Shape 252"/>
+          <p:cNvSpPr txBox="1"/>
+          <p:nvPr>
+            <p:ph type="title"/>
+          </p:nvPr>
+        </p:nvSpPr>
+        <p:spPr>
+          <a:xfrm>
+            <a:off x="311700" y="391350"/>
+            <a:ext cx="8520600" cy="626100"/>
+          </a:xfrm>
+          <a:prstGeom prst="rect">
+            <a:avLst/>
+          </a:prstGeom>
+        </p:spPr>
+        <p:txBody>
+          <a:bodyPr anchorCtr="0" anchor="t" bIns="91425" lIns="91425" rIns="91425" wrap="square" tIns="91425">
+            <a:noAutofit/>
+          </a:bodyPr>
+          <a:lstStyle/>
+          <a:p>
+            <a:pPr lvl="0" algn="ctr">
+              <a:spcBef>
+                <a:spcPts val="0"/>
+              </a:spcBef>
+              <a:buNone/>
+            </a:pPr>
+            <a:r>
+              <a:rPr lang="zh-TW"/>
+              <a:t>Please help us Improve</a:t>
+            </a:r>
+          </a:p>
+        </p:txBody>
+      </p:sp>
+      <p:pic>
+        <p:nvPicPr>
+          <p:cNvPr id="253" name="Shape 253"/>
+          <p:cNvPicPr preferRelativeResize="0"/>
+          <p:nvPr/>
+        </p:nvPicPr>
+        <p:blipFill>
+          <a:blip r:embed="rId3">
+            <a:alphaModFix/>
+          </a:blip>
+          <a:stretch>
+            <a:fillRect/>
+          </a:stretch>
+        </p:blipFill>
+        <p:spPr>
+          <a:xfrm>
+            <a:off x="3060838" y="1418400"/>
+            <a:ext cx="3022325" cy="3022325"/>
+          </a:xfrm>
+          <a:prstGeom prst="rect">
+            <a:avLst/>
+          </a:prstGeom>
+          <a:noFill/>
+          <a:ln>
+            <a:noFill/>
+          </a:ln>
+        </p:spPr>
+      </p:pic>
     </p:spTree>
   </p:cSld>
   <p:clrMapOvr>
@@ -13741,7 +14160,7 @@
   <p:cSld>
     <p:spTree>
       <p:nvGrpSpPr>
-        <p:cNvPr id="72" name="Shape 72"/>
+        <p:cNvPr id="71" name="Shape 71"/>
         <p:cNvGrpSpPr/>
         <p:nvPr/>
       </p:nvGrpSpPr>
@@ -13755,6 +14174,46 @@
       </p:grpSpPr>
       <p:sp>
         <p:nvSpPr>
+          <p:cNvPr id="72" name="Shape 72"/>
+          <p:cNvSpPr txBox="1"/>
+          <p:nvPr>
+            <p:ph type="title"/>
+          </p:nvPr>
+        </p:nvSpPr>
+        <p:spPr>
+          <a:xfrm>
+            <a:off x="311700" y="391350"/>
+            <a:ext cx="8520600" cy="626100"/>
+          </a:xfrm>
+          <a:prstGeom prst="rect">
+            <a:avLst/>
+          </a:prstGeom>
+        </p:spPr>
+        <p:txBody>
+          <a:bodyPr anchorCtr="0" anchor="t" bIns="91425" lIns="91425" rIns="91425" wrap="square" tIns="91425">
+            <a:noAutofit/>
+          </a:bodyPr>
+          <a:lstStyle/>
+          <a:p>
+            <a:pPr lvl="0">
+              <a:spcBef>
+                <a:spcPts val="0"/>
+              </a:spcBef>
+              <a:buNone/>
+            </a:pPr>
+            <a:r>
+              <a:rPr lang="zh-TW">
+                <a:solidFill>
+                  <a:srgbClr val="666666"/>
+                </a:solidFill>
+              </a:rPr>
+              <a:t>Get started</a:t>
+            </a:r>
+          </a:p>
+        </p:txBody>
+      </p:sp>
+      <p:sp>
+        <p:nvSpPr>
           <p:cNvPr id="73" name="Shape 73"/>
           <p:cNvSpPr txBox="1"/>
           <p:nvPr>
@@ -13763,8 +14222,8 @@
         </p:nvSpPr>
         <p:spPr>
           <a:xfrm>
-            <a:off x="311700" y="1407100"/>
-            <a:ext cx="8520600" cy="2025300"/>
+            <a:off x="311700" y="1152475"/>
+            <a:ext cx="8520600" cy="3416400"/>
           </a:xfrm>
           <a:prstGeom prst="rect">
             <a:avLst/>
@@ -13776,79 +14235,213 @@
           </a:bodyPr>
           <a:lstStyle/>
           <a:p>
+            <a:pPr lvl="0">
+              <a:spcBef>
+                <a:spcPts val="0"/>
+              </a:spcBef>
+              <a:buNone/>
+            </a:pPr>
+            <a:r>
+              <a:rPr lang="zh-TW">
+                <a:solidFill>
+                  <a:srgbClr val="666666"/>
+                </a:solidFill>
+              </a:rPr>
+              <a:t>This workshop is given in Python 2, if you wish to work in your local pc, please make sure you’ve have following modules installed:</a:t>
+            </a:r>
+          </a:p>
+          <a:p>
             <a:pPr indent="-228600" lvl="0" marL="457200" rtl="0">
+              <a:spcBef>
+                <a:spcPts val="0"/>
+              </a:spcBef>
+              <a:buClr>
+                <a:srgbClr val="666666"/>
+              </a:buClr>
+              <a:buAutoNum type="arabicPeriod"/>
+            </a:pPr>
+            <a:r>
+              <a:rPr lang="zh-TW">
+                <a:solidFill>
+                  <a:srgbClr val="666666"/>
+                </a:solidFill>
+              </a:rPr>
+              <a:t>selenium</a:t>
+            </a:r>
+          </a:p>
+          <a:p>
+            <a:pPr indent="-228600" lvl="0" marL="457200" rtl="0">
+              <a:spcBef>
+                <a:spcPts val="0"/>
+              </a:spcBef>
+              <a:buClr>
+                <a:srgbClr val="666666"/>
+              </a:buClr>
+              <a:buAutoNum type="arabicPeriod"/>
+            </a:pPr>
+            <a:r>
+              <a:rPr lang="zh-TW">
+                <a:solidFill>
+                  <a:srgbClr val="666666"/>
+                </a:solidFill>
+              </a:rPr>
+              <a:t>phantomjs</a:t>
+            </a:r>
+          </a:p>
+          <a:p>
+            <a:pPr indent="-228600" lvl="0" marL="457200" rtl="0">
+              <a:spcBef>
+                <a:spcPts val="0"/>
+              </a:spcBef>
+              <a:buClr>
+                <a:srgbClr val="666666"/>
+              </a:buClr>
+              <a:buAutoNum type="arabicPeriod"/>
+            </a:pPr>
+            <a:r>
+              <a:rPr lang="zh-TW">
+                <a:solidFill>
+                  <a:srgbClr val="666666"/>
+                </a:solidFill>
+              </a:rPr>
+              <a:t>requests</a:t>
+            </a:r>
+          </a:p>
+          <a:p>
+            <a:pPr indent="-228600" lvl="0" marL="457200" rtl="0">
+              <a:spcBef>
+                <a:spcPts val="0"/>
+              </a:spcBef>
+              <a:buClr>
+                <a:srgbClr val="666666"/>
+              </a:buClr>
+              <a:buAutoNum type="arabicPeriod"/>
+            </a:pPr>
+            <a:r>
+              <a:rPr lang="zh-TW">
+                <a:solidFill>
+                  <a:srgbClr val="666666"/>
+                </a:solidFill>
+              </a:rPr>
+              <a:t>BeautifulSoup4</a:t>
+            </a:r>
+          </a:p>
+          <a:p>
+            <a:pPr indent="-228600" lvl="0" marL="457200" rtl="0">
+              <a:spcBef>
+                <a:spcPts val="0"/>
+              </a:spcBef>
+              <a:buClr>
+                <a:srgbClr val="666666"/>
+              </a:buClr>
+              <a:buAutoNum type="arabicPeriod"/>
+            </a:pPr>
+            <a:r>
+              <a:rPr lang="zh-TW">
+                <a:solidFill>
+                  <a:srgbClr val="666666"/>
+                </a:solidFill>
+              </a:rPr>
+              <a:t>Jupyter Notebook</a:t>
+            </a:r>
+          </a:p>
+          <a:p>
+            <a:pPr lvl="0">
               <a:lnSpc>
-                <a:spcPct val="200000"/>
+                <a:spcPct val="100000"/>
               </a:lnSpc>
               <a:spcBef>
                 <a:spcPts val="0"/>
               </a:spcBef>
-              <a:buAutoNum type="arabicPeriod"/>
-            </a:pPr>
-            <a:r>
-              <a:rPr lang="zh-TW"/>
-              <a:t>“https://drive.google.com/open?id=0Bx06sggvEI3MYnpCM2doYWM4c0k”</a:t>
-            </a:r>
-          </a:p>
-          <a:p>
-            <a:pPr indent="-228600" lvl="0" marL="457200" rtl="0">
+              <a:spcAft>
+                <a:spcPts val="0"/>
+              </a:spcAft>
+              <a:buNone/>
+            </a:pPr>
+            <a:r>
+              <a:rPr lang="zh-TW">
+                <a:solidFill>
+                  <a:srgbClr val="666666"/>
+                </a:solidFill>
+              </a:rPr>
+              <a:t>Examples on how you install those packages:</a:t>
+            </a:r>
+          </a:p>
+          <a:p>
+            <a:pPr lvl="0">
               <a:lnSpc>
-                <a:spcPct val="200000"/>
+                <a:spcPct val="100000"/>
               </a:lnSpc>
               <a:spcBef>
                 <a:spcPts val="0"/>
               </a:spcBef>
-              <a:buAutoNum type="arabicPeriod"/>
-            </a:pPr>
-            <a:r>
-              <a:rPr lang="zh-TW"/>
-              <a:t>Download the key depending on your Operating system</a:t>
-            </a:r>
-          </a:p>
-          <a:p>
-            <a:pPr indent="-228600" lvl="0" marL="914400" rtl="0">
+              <a:spcAft>
+                <a:spcPts val="0"/>
+              </a:spcAft>
+              <a:buNone/>
+            </a:pPr>
+            <a:r>
+              <a:rPr lang="zh-TW">
+                <a:solidFill>
+                  <a:srgbClr val="666666"/>
+                </a:solidFill>
+              </a:rPr>
+              <a:t>(Mac/Linux): pip install selenium</a:t>
+            </a:r>
+          </a:p>
+          <a:p>
+            <a:pPr lvl="0" rtl="0">
               <a:lnSpc>
-                <a:spcPct val="200000"/>
+                <a:spcPct val="100000"/>
               </a:lnSpc>
               <a:spcBef>
                 <a:spcPts val="0"/>
               </a:spcBef>
-              <a:buAutoNum type="alphaLcPeriod"/>
-            </a:pPr>
-            <a:r>
-              <a:rPr lang="zh-TW"/>
-              <a:t>Windows : window_key.ppk</a:t>
-            </a:r>
-          </a:p>
-          <a:p>
-            <a:pPr indent="-228600" lvl="0" marL="914400" rtl="0">
-              <a:lnSpc>
-                <a:spcPct val="200000"/>
-              </a:lnSpc>
-              <a:spcBef>
-                <a:spcPts val="0"/>
-              </a:spcBef>
-              <a:buAutoNum type="alphaLcPeriod"/>
-            </a:pPr>
-            <a:r>
-              <a:rPr lang="zh-TW"/>
-              <a:t>Mac : mac_key.pem</a:t>
-            </a:r>
-          </a:p>
-          <a:p>
-            <a:pPr indent="-228600" lvl="0" marL="457200" rtl="0">
-              <a:lnSpc>
-                <a:spcPct val="200000"/>
-              </a:lnSpc>
-              <a:spcBef>
-                <a:spcPts val="0"/>
-              </a:spcBef>
-              <a:buAutoNum type="arabicPeriod"/>
-            </a:pPr>
-            <a:r>
-              <a:rPr lang="zh-TW"/>
-              <a:t>Please open the google form within the folder, we would post commands, url to you interactively.</a:t>
-            </a:r>
+              <a:spcAft>
+                <a:spcPts val="0"/>
+              </a:spcAft>
+              <a:buNone/>
+            </a:pPr>
+            <a:r>
+              <a:rPr lang="zh-TW">
+                <a:solidFill>
+                  <a:srgbClr val="666666"/>
+                </a:solidFill>
+              </a:rPr>
+              <a:t>(Windows with anaconda): conda install -c conda-forge selenium</a:t>
+            </a:r>
+          </a:p>
+          <a:p>
+            <a:pPr lvl="0" rtl="0">
+              <a:spcBef>
+                <a:spcPts val="0"/>
+              </a:spcBef>
+              <a:buNone/>
+            </a:pPr>
+            <a:r>
+              <a:t/>
+            </a:r>
+            <a:endParaRPr>
+              <a:solidFill>
+                <a:srgbClr val="666666"/>
+              </a:solidFill>
+            </a:endParaRPr>
+          </a:p>
+          <a:p>
+            <a:pPr lvl="0" rtl="0">
+              <a:spcBef>
+                <a:spcPts val="0"/>
+              </a:spcBef>
+              <a:buNone/>
+            </a:pPr>
+            <a:r>
+              <a:t/>
+            </a:r>
+            <a:endParaRPr>
+              <a:solidFill>
+                <a:srgbClr val="666666"/>
+              </a:solidFill>
+            </a:endParaRPr>
           </a:p>
         </p:txBody>
       </p:sp>
@@ -13856,18 +14449,20 @@
         <p:nvSpPr>
           <p:cNvPr id="74" name="Shape 74"/>
           <p:cNvSpPr txBox="1"/>
-          <p:nvPr>
-            <p:ph type="title"/>
-          </p:nvPr>
+          <p:nvPr/>
         </p:nvSpPr>
         <p:spPr>
           <a:xfrm>
-            <a:off x="311700" y="391350"/>
-            <a:ext cx="8520600" cy="626100"/>
+            <a:off x="5258650" y="2229600"/>
+            <a:ext cx="3759000" cy="684300"/>
           </a:xfrm>
           <a:prstGeom prst="rect">
             <a:avLst/>
           </a:prstGeom>
+          <a:noFill/>
+          <a:ln>
+            <a:noFill/>
+          </a:ln>
         </p:spPr>
         <p:txBody>
           <a:bodyPr anchorCtr="0" anchor="t" bIns="91425" lIns="91425" rIns="91425" wrap="square" tIns="91425">
@@ -13876,17 +14471,18 @@
           <a:lstStyle/>
           <a:p>
             <a:pPr lvl="0">
-              <a:lnSpc>
-                <a:spcPct val="200000"/>
-              </a:lnSpc>
-              <a:spcBef>
-                <a:spcPts val="0"/>
-              </a:spcBef>
-              <a:buNone/>
-            </a:pPr>
-            <a:r>
-              <a:rPr lang="zh-TW"/>
-              <a:t>Steps for environment setup</a:t>
+              <a:spcBef>
+                <a:spcPts val="0"/>
+              </a:spcBef>
+              <a:buNone/>
+            </a:pPr>
+            <a:r>
+              <a:rPr b="1" i="1" lang="zh-TW" sz="2000">
+                <a:solidFill>
+                  <a:srgbClr val="FF0000"/>
+                </a:solidFill>
+              </a:rPr>
+              <a:t>Consider using your local PC first. If you couldn’t satisfy the requirements, please follow next few slides</a:t>
             </a:r>
           </a:p>
         </p:txBody>
@@ -13921,13 +14517,13 @@
           <p:cNvPr id="79" name="Shape 79"/>
           <p:cNvSpPr txBox="1"/>
           <p:nvPr>
-            <p:ph type="title"/>
+            <p:ph idx="1" type="body"/>
           </p:nvPr>
         </p:nvSpPr>
         <p:spPr>
           <a:xfrm>
-            <a:off x="311700" y="391350"/>
-            <a:ext cx="8520600" cy="626100"/>
+            <a:off x="193525" y="1407100"/>
+            <a:ext cx="8779500" cy="2025300"/>
           </a:xfrm>
           <a:prstGeom prst="rect">
             <a:avLst/>
@@ -13939,15 +14535,78 @@
           </a:bodyPr>
           <a:lstStyle/>
           <a:p>
-            <a:pPr lvl="0">
-              <a:spcBef>
-                <a:spcPts val="0"/>
-              </a:spcBef>
-              <a:buNone/>
+            <a:pPr indent="-228600" lvl="0" marL="457200" rtl="0">
+              <a:lnSpc>
+                <a:spcPct val="200000"/>
+              </a:lnSpc>
+              <a:spcBef>
+                <a:spcPts val="0"/>
+              </a:spcBef>
+              <a:buAutoNum type="arabicPeriod"/>
             </a:pPr>
             <a:r>
               <a:rPr lang="zh-TW"/>
-              <a:t>Mac User</a:t>
+              <a:t>Go to “https://drive.google.com/open?id=0Bx06sggvEI3MYnpCM2doYWM4c0k”</a:t>
+            </a:r>
+          </a:p>
+          <a:p>
+            <a:pPr indent="-228600" lvl="0" marL="457200" rtl="0">
+              <a:lnSpc>
+                <a:spcPct val="200000"/>
+              </a:lnSpc>
+              <a:spcBef>
+                <a:spcPts val="0"/>
+              </a:spcBef>
+              <a:buAutoNum type="arabicPeriod"/>
+            </a:pPr>
+            <a:r>
+              <a:rPr lang="zh-TW"/>
+              <a:t>Download the key depending on your Operating system</a:t>
+            </a:r>
+          </a:p>
+          <a:p>
+            <a:pPr indent="-228600" lvl="0" marL="914400" rtl="0">
+              <a:lnSpc>
+                <a:spcPct val="200000"/>
+              </a:lnSpc>
+              <a:spcBef>
+                <a:spcPts val="0"/>
+              </a:spcBef>
+              <a:buAutoNum type="alphaLcPeriod"/>
+            </a:pPr>
+            <a:r>
+              <a:rPr lang="zh-TW"/>
+              <a:t>Windows : window_key.ppk</a:t>
+            </a:r>
+          </a:p>
+          <a:p>
+            <a:pPr indent="-228600" lvl="0" marL="914400" rtl="0">
+              <a:lnSpc>
+                <a:spcPct val="200000"/>
+              </a:lnSpc>
+              <a:spcBef>
+                <a:spcPts val="0"/>
+              </a:spcBef>
+              <a:buAutoNum type="alphaLcPeriod"/>
+            </a:pPr>
+            <a:r>
+              <a:rPr lang="zh-TW"/>
+              <a:t>Mac : mac_key.pem</a:t>
+            </a:r>
+          </a:p>
+          <a:p>
+            <a:pPr indent="-228600" lvl="0" marL="457200" rtl="0">
+              <a:lnSpc>
+                <a:spcPct val="200000"/>
+              </a:lnSpc>
+              <a:spcBef>
+                <a:spcPts val="0"/>
+              </a:spcBef>
+              <a:buAutoNum type="arabicPeriod"/>
+            </a:pPr>
+            <a:r>
+              <a:rPr lang="zh-TW"/>
+              <a:t>Please open the google form within the folder, we would post commands, url to you interactively.</a:t>
             </a:r>
           </a:p>
         </p:txBody>
@@ -13957,13 +14616,13 @@
           <p:cNvPr id="80" name="Shape 80"/>
           <p:cNvSpPr txBox="1"/>
           <p:nvPr>
-            <p:ph idx="1" type="body"/>
+            <p:ph type="title"/>
           </p:nvPr>
         </p:nvSpPr>
         <p:spPr>
           <a:xfrm>
-            <a:off x="311700" y="1152475"/>
-            <a:ext cx="8520600" cy="3416400"/>
+            <a:off x="311700" y="391350"/>
+            <a:ext cx="8520600" cy="626100"/>
           </a:xfrm>
           <a:prstGeom prst="rect">
             <a:avLst/>
@@ -13975,94 +14634,19 @@
           </a:bodyPr>
           <a:lstStyle/>
           <a:p>
-            <a:pPr indent="-228600" lvl="0" marL="457200" rtl="0">
+            <a:pPr lvl="0">
               <a:lnSpc>
                 <a:spcPct val="200000"/>
               </a:lnSpc>
               <a:spcBef>
                 <a:spcPts val="0"/>
               </a:spcBef>
-              <a:buAutoNum type="arabicPeriod"/>
+              <a:buNone/>
             </a:pPr>
             <a:r>
               <a:rPr lang="zh-TW"/>
-              <a:t>Open terminal</a:t>
-            </a:r>
-          </a:p>
-          <a:p>
-            <a:pPr indent="-228600" lvl="0" marL="457200" rtl="0">
-              <a:lnSpc>
-                <a:spcPct val="200000"/>
-              </a:lnSpc>
-              <a:spcBef>
-                <a:spcPts val="0"/>
-              </a:spcBef>
-              <a:buAutoNum type="arabicPeriod"/>
-            </a:pPr>
-            <a:r>
-              <a:rPr lang="zh-TW"/>
-              <a:t>type in command:</a:t>
-            </a:r>
-          </a:p>
-          <a:p>
-            <a:pPr lvl="0" rtl="0">
-              <a:lnSpc>
-                <a:spcPct val="200000"/>
-              </a:lnSpc>
-              <a:spcBef>
-                <a:spcPts val="0"/>
-              </a:spcBef>
-              <a:buNone/>
-            </a:pPr>
-            <a:r>
-              <a:rPr lang="zh-TW"/>
-              <a:t>ssh -i [path to the downloaded key] -f [your user name]@[IP address to the server] -L 1234:localhost:1234</a:t>
-            </a:r>
-          </a:p>
-          <a:p>
-            <a:pPr indent="-228600" lvl="0" marL="457200" rtl="0">
-              <a:lnSpc>
-                <a:spcPct val="200000"/>
-              </a:lnSpc>
-              <a:spcBef>
-                <a:spcPts val="0"/>
-              </a:spcBef>
-              <a:buAutoNum type="arabicPeriod"/>
-            </a:pPr>
-            <a:r>
-              <a:rPr lang="zh-TW"/>
-              <a:t>Open browser and access page “localhost:1234”</a:t>
-            </a:r>
-          </a:p>
-          <a:p>
-            <a:pPr indent="-228600" lvl="0" marL="457200" rtl="0">
-              <a:lnSpc>
-                <a:spcPct val="200000"/>
-              </a:lnSpc>
-              <a:spcBef>
-                <a:spcPts val="0"/>
-              </a:spcBef>
-              <a:buAutoNum type="arabicPeriod"/>
-            </a:pPr>
-            <a:r>
-              <a:rPr lang="zh-TW"/>
-              <a:t>Go to your folder according to your user name</a:t>
-            </a:r>
-          </a:p>
-          <a:p>
-            <a:pPr lvl="0" rtl="0">
-              <a:lnSpc>
-                <a:spcPct val="200000"/>
-              </a:lnSpc>
-              <a:spcBef>
-                <a:spcPts val="0"/>
-              </a:spcBef>
-              <a:buNone/>
-            </a:pPr>
-            <a:r>
-              <a:t/>
-            </a:r>
-            <a:endParaRPr/>
+              <a:t>Set up tunnel to remote server</a:t>
+            </a:r>
           </a:p>
         </p:txBody>
       </p:sp>
@@ -14122,7 +14706,7 @@
             </a:pPr>
             <a:r>
               <a:rPr lang="zh-TW"/>
-              <a:t>Windows user</a:t>
+              <a:t>Mac User</a:t>
             </a:r>
           </a:p>
         </p:txBody>
@@ -14152,7 +14736,7 @@
           <a:p>
             <a:pPr indent="-228600" lvl="0" marL="457200" rtl="0">
               <a:lnSpc>
-                <a:spcPct val="150000"/>
+                <a:spcPct val="200000"/>
               </a:lnSpc>
               <a:spcBef>
                 <a:spcPts val="0"/>
@@ -14161,13 +14745,13 @@
             </a:pPr>
             <a:r>
               <a:rPr lang="zh-TW"/>
-              <a:t>Download putty.zip in the google share folder </a:t>
+              <a:t>Open terminal</a:t>
             </a:r>
           </a:p>
           <a:p>
             <a:pPr indent="-228600" lvl="0" marL="457200" rtl="0">
               <a:lnSpc>
-                <a:spcPct val="150000"/>
+                <a:spcPct val="200000"/>
               </a:lnSpc>
               <a:spcBef>
                 <a:spcPts val="0"/>
@@ -14176,13 +14760,28 @@
             </a:pPr>
             <a:r>
               <a:rPr lang="zh-TW"/>
-              <a:t>Open CMD and go to the path containing plink.exe</a:t>
+              <a:t>type in command:</a:t>
+            </a:r>
+          </a:p>
+          <a:p>
+            <a:pPr lvl="0" rtl="0">
+              <a:lnSpc>
+                <a:spcPct val="200000"/>
+              </a:lnSpc>
+              <a:spcBef>
+                <a:spcPts val="0"/>
+              </a:spcBef>
+              <a:buNone/>
+            </a:pPr>
+            <a:r>
+              <a:rPr lang="zh-TW"/>
+              <a:t>ssh -i [path to the downloaded key] -fN [your user name]@[IP address to the server] -L 1234:localhost:1234</a:t>
             </a:r>
           </a:p>
           <a:p>
             <a:pPr indent="-228600" lvl="0" marL="457200" rtl="0">
               <a:lnSpc>
-                <a:spcPct val="150000"/>
+                <a:spcPct val="200000"/>
               </a:lnSpc>
               <a:spcBef>
                 <a:spcPts val="0"/>
@@ -14191,13 +14790,28 @@
             </a:pPr>
             <a:r>
               <a:rPr lang="zh-TW"/>
-              <a:t>Type in Command</a:t>
+              <a:t>Open browser and go to page “localhost:1234”</a:t>
+            </a:r>
+          </a:p>
+          <a:p>
+            <a:pPr indent="-228600" lvl="0" marL="457200" rtl="0">
+              <a:lnSpc>
+                <a:spcPct val="200000"/>
+              </a:lnSpc>
+              <a:spcBef>
+                <a:spcPts val="0"/>
+              </a:spcBef>
+              <a:buAutoNum type="arabicPeriod"/>
+            </a:pPr>
+            <a:r>
+              <a:rPr lang="zh-TW"/>
+              <a:t>Go to your folder according to your user name</a:t>
             </a:r>
           </a:p>
           <a:p>
             <a:pPr lvl="0" rtl="0">
               <a:lnSpc>
-                <a:spcPct val="150000"/>
+                <a:spcPct val="200000"/>
               </a:lnSpc>
               <a:spcBef>
                 <a:spcPts val="0"/>
@@ -14205,39 +14819,9 @@
               <a:buNone/>
             </a:pPr>
             <a:r>
-              <a:rPr lang="zh-TW"/>
-              <a:t>plink -i [path to your key] -L 1234:localhost:1234 [your user name]@[server IP address]</a:t>
-            </a:r>
-          </a:p>
-          <a:p>
-            <a:pPr indent="-228600" lvl="0" marL="457200" rtl="0">
-              <a:lnSpc>
-                <a:spcPct val="150000"/>
-              </a:lnSpc>
-              <a:spcBef>
-                <a:spcPts val="0"/>
-              </a:spcBef>
-              <a:buAutoNum type="arabicPeriod"/>
-            </a:pPr>
-            <a:r>
-              <a:rPr lang="zh-TW"/>
-              <a:t>Open browser and access page “localhost:1234”</a:t>
-            </a:r>
-          </a:p>
-          <a:p>
-            <a:pPr indent="-228600" lvl="0" marL="457200" rtl="0">
-              <a:lnSpc>
-                <a:spcPct val="150000"/>
-              </a:lnSpc>
-              <a:spcBef>
-                <a:spcPts val="0"/>
-              </a:spcBef>
-              <a:buAutoNum type="arabicPeriod"/>
-            </a:pPr>
-            <a:r>
-              <a:rPr lang="zh-TW"/>
-              <a:t>Go to your folder according to your user name</a:t>
-            </a:r>
+              <a:t/>
+            </a:r>
+            <a:endParaRPr/>
           </a:p>
         </p:txBody>
       </p:sp>
@@ -14276,7 +14860,7 @@
         </p:nvSpPr>
         <p:spPr>
           <a:xfrm>
-            <a:off x="185575" y="164325"/>
+            <a:off x="311700" y="391350"/>
             <a:ext cx="8520600" cy="626100"/>
           </a:xfrm>
           <a:prstGeom prst="rect">
@@ -14297,7 +14881,7 @@
             </a:pPr>
             <a:r>
               <a:rPr lang="zh-TW"/>
-              <a:t>Have you ever come to ...</a:t>
+              <a:t>Windows User</a:t>
             </a:r>
           </a:p>
         </p:txBody>
@@ -14307,13 +14891,13 @@
           <p:cNvPr id="92" name="Shape 92"/>
           <p:cNvSpPr txBox="1"/>
           <p:nvPr>
-            <p:ph type="title"/>
+            <p:ph idx="1" type="body"/>
           </p:nvPr>
         </p:nvSpPr>
         <p:spPr>
           <a:xfrm>
-            <a:off x="3922450" y="3974325"/>
-            <a:ext cx="5221500" cy="626100"/>
+            <a:off x="311700" y="1152475"/>
+            <a:ext cx="8520600" cy="3416400"/>
           </a:xfrm>
           <a:prstGeom prst="rect">
             <a:avLst/>
@@ -14325,7 +14909,55 @@
           </a:bodyPr>
           <a:lstStyle/>
           <a:p>
+            <a:pPr indent="-228600" lvl="0" marL="457200" rtl="0">
+              <a:lnSpc>
+                <a:spcPct val="150000"/>
+              </a:lnSpc>
+              <a:spcBef>
+                <a:spcPts val="0"/>
+              </a:spcBef>
+              <a:buAutoNum type="arabicPeriod"/>
+            </a:pPr>
+            <a:r>
+              <a:rPr lang="zh-TW"/>
+              <a:t>Download putty.zip in the google share folder </a:t>
+            </a:r>
+          </a:p>
+          <a:p>
+            <a:pPr indent="-228600" lvl="0" marL="457200" rtl="0">
+              <a:lnSpc>
+                <a:spcPct val="150000"/>
+              </a:lnSpc>
+              <a:spcBef>
+                <a:spcPts val="0"/>
+              </a:spcBef>
+              <a:buAutoNum type="arabicPeriod"/>
+            </a:pPr>
+            <a:r>
+              <a:rPr lang="zh-TW"/>
+              <a:t>Open CMD and go to the path containing plink.exe</a:t>
+            </a:r>
+          </a:p>
+          <a:p>
+            <a:pPr indent="-228600" lvl="0" marL="457200" rtl="0">
+              <a:lnSpc>
+                <a:spcPct val="150000"/>
+              </a:lnSpc>
+              <a:spcBef>
+                <a:spcPts val="0"/>
+              </a:spcBef>
+              <a:buAutoNum type="arabicPeriod"/>
+            </a:pPr>
+            <a:r>
+              <a:rPr lang="zh-TW"/>
+              <a:t>Type in Command</a:t>
+            </a:r>
+          </a:p>
+          <a:p>
             <a:pPr lvl="0" rtl="0">
+              <a:lnSpc>
+                <a:spcPct val="150000"/>
+              </a:lnSpc>
               <a:spcBef>
                 <a:spcPts val="0"/>
               </a:spcBef>
@@ -14333,39 +14965,41 @@
             </a:pPr>
             <a:r>
               <a:rPr lang="zh-TW"/>
-              <a:t>BUT, right click to save all images are just too tedious</a:t>
+              <a:t>plink -i [path to your key] -L 1234:localhost:1234 [your user name]@[server IP address]</a:t>
+            </a:r>
+          </a:p>
+          <a:p>
+            <a:pPr indent="-228600" lvl="0" marL="457200" rtl="0">
+              <a:lnSpc>
+                <a:spcPct val="150000"/>
+              </a:lnSpc>
+              <a:spcBef>
+                <a:spcPts val="0"/>
+              </a:spcBef>
+              <a:buAutoNum type="arabicPeriod"/>
+            </a:pPr>
+            <a:r>
+              <a:rPr lang="zh-TW"/>
+              <a:t>Open browser and go to page “localhost:1234”</a:t>
+            </a:r>
+          </a:p>
+          <a:p>
+            <a:pPr indent="-228600" lvl="0" marL="457200" rtl="0">
+              <a:lnSpc>
+                <a:spcPct val="150000"/>
+              </a:lnSpc>
+              <a:spcBef>
+                <a:spcPts val="0"/>
+              </a:spcBef>
+              <a:buAutoNum type="arabicPeriod"/>
+            </a:pPr>
+            <a:r>
+              <a:rPr lang="zh-TW"/>
+              <a:t>Go to your folder according to your user name</a:t>
             </a:r>
           </a:p>
         </p:txBody>
       </p:sp>
-      <p:pic>
-        <p:nvPicPr>
-          <p:cNvPr id="93" name="Shape 93"/>
-          <p:cNvPicPr preferRelativeResize="0"/>
-          <p:nvPr/>
-        </p:nvPicPr>
-        <p:blipFill>
-          <a:blip r:embed="rId3">
-            <a:alphaModFix/>
-          </a:blip>
-          <a:stretch>
-            <a:fillRect/>
-          </a:stretch>
-        </p:blipFill>
-        <p:spPr>
-          <a:xfrm>
-            <a:off x="1514575" y="867150"/>
-            <a:ext cx="5635434" cy="3107176"/>
-          </a:xfrm>
-          <a:prstGeom prst="rect">
-            <a:avLst/>
-          </a:prstGeom>
-          <a:noFill/>
-          <a:ln>
-            <a:noFill/>
-          </a:ln>
-        </p:spPr>
-      </p:pic>
     </p:spTree>
   </p:cSld>
   <p:clrMapOvr>
@@ -14379,7 +15013,7 @@
   <p:cSld>
     <p:spTree>
       <p:nvGrpSpPr>
-        <p:cNvPr id="97" name="Shape 97"/>
+        <p:cNvPr id="96" name="Shape 96"/>
         <p:cNvGrpSpPr/>
         <p:nvPr/>
       </p:nvGrpSpPr>
@@ -14393,6 +15027,42 @@
       </p:grpSpPr>
       <p:sp>
         <p:nvSpPr>
+          <p:cNvPr id="97" name="Shape 97"/>
+          <p:cNvSpPr txBox="1"/>
+          <p:nvPr>
+            <p:ph type="title"/>
+          </p:nvPr>
+        </p:nvSpPr>
+        <p:spPr>
+          <a:xfrm>
+            <a:off x="185575" y="164325"/>
+            <a:ext cx="8520600" cy="626100"/>
+          </a:xfrm>
+          <a:prstGeom prst="rect">
+            <a:avLst/>
+          </a:prstGeom>
+        </p:spPr>
+        <p:txBody>
+          <a:bodyPr anchorCtr="0" anchor="t" bIns="91425" lIns="91425" rIns="91425" wrap="square" tIns="91425">
+            <a:noAutofit/>
+          </a:bodyPr>
+          <a:lstStyle/>
+          <a:p>
+            <a:pPr lvl="0">
+              <a:spcBef>
+                <a:spcPts val="0"/>
+              </a:spcBef>
+              <a:buNone/>
+            </a:pPr>
+            <a:r>
+              <a:rPr lang="zh-TW"/>
+              <a:t>Have you ever come to ...</a:t>
+            </a:r>
+          </a:p>
+        </p:txBody>
+      </p:sp>
+      <p:sp>
+        <p:nvSpPr>
           <p:cNvPr id="98" name="Shape 98"/>
           <p:cNvSpPr txBox="1"/>
           <p:nvPr>
@@ -14401,8 +15071,8 @@
         </p:nvSpPr>
         <p:spPr>
           <a:xfrm>
-            <a:off x="97275" y="193700"/>
-            <a:ext cx="8520600" cy="626100"/>
+            <a:off x="3922450" y="3974325"/>
+            <a:ext cx="5221500" cy="626100"/>
           </a:xfrm>
           <a:prstGeom prst="rect">
             <a:avLst/>
@@ -14414,7 +15084,7 @@
           </a:bodyPr>
           <a:lstStyle/>
           <a:p>
-            <a:pPr lvl="0">
+            <a:pPr lvl="0" rtl="0">
               <a:spcBef>
                 <a:spcPts val="0"/>
               </a:spcBef>
@@ -14422,7 +15092,7 @@
             </a:pPr>
             <a:r>
               <a:rPr lang="zh-TW"/>
-              <a:t>Or you wish to collect the rating of a store</a:t>
+              <a:t>BUT, right click to save all images are just too tedious</a:t>
             </a:r>
           </a:p>
         </p:txBody>
@@ -14433,17 +15103,18 @@
           <p:cNvPicPr preferRelativeResize="0"/>
           <p:nvPr/>
         </p:nvPicPr>
-        <p:blipFill rotWithShape="1">
+        <p:blipFill>
           <a:blip r:embed="rId3">
             <a:alphaModFix/>
           </a:blip>
-          <a:srcRect b="0" l="0" r="0" t="21648"/>
-          <a:stretch/>
+          <a:stretch>
+            <a:fillRect/>
+          </a:stretch>
         </p:blipFill>
         <p:spPr>
           <a:xfrm>
-            <a:off x="614175" y="1163000"/>
-            <a:ext cx="7486775" cy="2994101"/>
+            <a:off x="1514575" y="867150"/>
+            <a:ext cx="5635434" cy="3107176"/>
           </a:xfrm>
           <a:prstGeom prst="rect">
             <a:avLst/>
@@ -14454,42 +15125,6 @@
           </a:ln>
         </p:spPr>
       </p:pic>
-      <p:sp>
-        <p:nvSpPr>
-          <p:cNvPr id="100" name="Shape 100"/>
-          <p:cNvSpPr txBox="1"/>
-          <p:nvPr>
-            <p:ph type="title"/>
-          </p:nvPr>
-        </p:nvSpPr>
-        <p:spPr>
-          <a:xfrm>
-            <a:off x="715125" y="4344250"/>
-            <a:ext cx="8340600" cy="626100"/>
-          </a:xfrm>
-          <a:prstGeom prst="rect">
-            <a:avLst/>
-          </a:prstGeom>
-        </p:spPr>
-        <p:txBody>
-          <a:bodyPr anchorCtr="0" anchor="t" bIns="91425" lIns="91425" rIns="91425" wrap="square" tIns="91425">
-            <a:noAutofit/>
-          </a:bodyPr>
-          <a:lstStyle/>
-          <a:p>
-            <a:pPr lvl="0" rtl="0">
-              <a:spcBef>
-                <a:spcPts val="0"/>
-              </a:spcBef>
-              <a:buNone/>
-            </a:pPr>
-            <a:r>
-              <a:rPr lang="zh-TW"/>
-              <a:t>There are hundreds of them, still tedious...</a:t>
-            </a:r>
-          </a:p>
-        </p:txBody>
-      </p:sp>
     </p:spTree>
   </p:cSld>
   <p:clrMapOvr>
@@ -14503,7 +15138,7 @@
   <p:cSld>
     <p:spTree>
       <p:nvGrpSpPr>
-        <p:cNvPr id="104" name="Shape 104"/>
+        <p:cNvPr id="103" name="Shape 103"/>
         <p:cNvGrpSpPr/>
         <p:nvPr/>
       </p:nvGrpSpPr>
@@ -14517,7 +15152,7 @@
       </p:grpSpPr>
       <p:sp>
         <p:nvSpPr>
-          <p:cNvPr id="105" name="Shape 105"/>
+          <p:cNvPr id="104" name="Shape 104"/>
           <p:cNvSpPr txBox="1"/>
           <p:nvPr>
             <p:ph type="title"/>
@@ -14525,7 +15160,7 @@
         </p:nvSpPr>
         <p:spPr>
           <a:xfrm>
-            <a:off x="311700" y="391350"/>
+            <a:off x="97275" y="193700"/>
             <a:ext cx="8520600" cy="626100"/>
           </a:xfrm>
           <a:prstGeom prst="rect">
@@ -14546,21 +15181,28 @@
             </a:pPr>
             <a:r>
               <a:rPr lang="zh-TW"/>
-              <a:t>What is Spider / Crawler / Scaper ?</a:t>
+              <a:t>Or you wish to collect the rating of a store</a:t>
             </a:r>
           </a:p>
         </p:txBody>
       </p:sp>
-      <p:sp>
-        <p:nvSpPr>
-          <p:cNvPr id="106" name="Shape 106"/>
-          <p:cNvSpPr txBox="1"/>
+      <p:pic>
+        <p:nvPicPr>
+          <p:cNvPr id="105" name="Shape 105"/>
+          <p:cNvPicPr preferRelativeResize="0"/>
           <p:nvPr/>
-        </p:nvSpPr>
-        <p:spPr>
-          <a:xfrm>
-            <a:off x="311700" y="1362150"/>
-            <a:ext cx="8693700" cy="681000"/>
+        </p:nvPicPr>
+        <p:blipFill rotWithShape="1">
+          <a:blip r:embed="rId3">
+            <a:alphaModFix/>
+          </a:blip>
+          <a:srcRect b="0" l="0" r="0" t="21648"/>
+          <a:stretch/>
+        </p:blipFill>
+        <p:spPr>
+          <a:xfrm>
+            <a:off x="614175" y="1163000"/>
+            <a:ext cx="7486775" cy="2994101"/>
           </a:xfrm>
           <a:prstGeom prst="rect">
             <a:avLst/>
@@ -14570,56 +15212,43 @@
             <a:noFill/>
           </a:ln>
         </p:spPr>
+      </p:pic>
+      <p:sp>
+        <p:nvSpPr>
+          <p:cNvPr id="106" name="Shape 106"/>
+          <p:cNvSpPr txBox="1"/>
+          <p:nvPr>
+            <p:ph type="title"/>
+          </p:nvPr>
+        </p:nvSpPr>
+        <p:spPr>
+          <a:xfrm>
+            <a:off x="715125" y="4344250"/>
+            <a:ext cx="8340600" cy="626100"/>
+          </a:xfrm>
+          <a:prstGeom prst="rect">
+            <a:avLst/>
+          </a:prstGeom>
+        </p:spPr>
         <p:txBody>
           <a:bodyPr anchorCtr="0" anchor="t" bIns="91425" lIns="91425" rIns="91425" wrap="square" tIns="91425">
             <a:noAutofit/>
           </a:bodyPr>
           <a:lstStyle/>
           <a:p>
-            <a:pPr lvl="0">
-              <a:lnSpc>
-                <a:spcPct val="115000"/>
-              </a:lnSpc>
-              <a:spcBef>
-                <a:spcPts val="0"/>
-              </a:spcBef>
-              <a:buNone/>
-            </a:pPr>
-            <a:r>
-              <a:rPr lang="zh-TW" sz="2400"/>
-              <a:t>Extract useful information (e.g. text, images) directly from the source of website</a:t>
+            <a:pPr lvl="0" rtl="0">
+              <a:spcBef>
+                <a:spcPts val="0"/>
+              </a:spcBef>
+              <a:buNone/>
+            </a:pPr>
+            <a:r>
+              <a:rPr lang="zh-TW"/>
+              <a:t>There are hundreds of them, still tedious...</a:t>
             </a:r>
           </a:p>
         </p:txBody>
       </p:sp>
-      <p:pic>
-        <p:nvPicPr>
-          <p:cNvPr id="107" name="Shape 107"/>
-          <p:cNvPicPr preferRelativeResize="0"/>
-          <p:nvPr/>
-        </p:nvPicPr>
-        <p:blipFill>
-          <a:blip r:embed="rId3">
-            <a:alphaModFix/>
-          </a:blip>
-          <a:stretch>
-            <a:fillRect/>
-          </a:stretch>
-        </p:blipFill>
-        <p:spPr>
-          <a:xfrm>
-            <a:off x="3673610" y="2181875"/>
-            <a:ext cx="3686830" cy="2606350"/>
-          </a:xfrm>
-          <a:prstGeom prst="rect">
-            <a:avLst/>
-          </a:prstGeom>
-          <a:noFill/>
-          <a:ln>
-            <a:noFill/>
-          </a:ln>
-        </p:spPr>
-      </p:pic>
     </p:spTree>
   </p:cSld>
   <p:clrMapOvr>
@@ -14633,7 +15262,7 @@
   <p:cSld>
     <p:spTree>
       <p:nvGrpSpPr>
-        <p:cNvPr id="111" name="Shape 111"/>
+        <p:cNvPr id="110" name="Shape 110"/>
         <p:cNvGrpSpPr/>
         <p:nvPr/>
       </p:nvGrpSpPr>
@@ -14647,7 +15276,7 @@
       </p:grpSpPr>
       <p:sp>
         <p:nvSpPr>
-          <p:cNvPr id="112" name="Shape 112"/>
+          <p:cNvPr id="111" name="Shape 111"/>
           <p:cNvSpPr txBox="1"/>
           <p:nvPr>
             <p:ph type="title"/>
@@ -14655,8 +15284,8 @@
         </p:nvSpPr>
         <p:spPr>
           <a:xfrm>
-            <a:off x="3140625" y="340900"/>
-            <a:ext cx="6066300" cy="626100"/>
+            <a:off x="311700" y="391350"/>
+            <a:ext cx="8520600" cy="626100"/>
           </a:xfrm>
           <a:prstGeom prst="rect">
             <a:avLst/>
@@ -14676,7 +15305,48 @@
             </a:pPr>
             <a:r>
               <a:rPr lang="zh-TW"/>
-              <a:t>How browsers render websites</a:t>
+              <a:t>What is Spider / Crawler / Scaper ?</a:t>
+            </a:r>
+          </a:p>
+        </p:txBody>
+      </p:sp>
+      <p:sp>
+        <p:nvSpPr>
+          <p:cNvPr id="112" name="Shape 112"/>
+          <p:cNvSpPr txBox="1"/>
+          <p:nvPr/>
+        </p:nvSpPr>
+        <p:spPr>
+          <a:xfrm>
+            <a:off x="311700" y="1362150"/>
+            <a:ext cx="8693700" cy="681000"/>
+          </a:xfrm>
+          <a:prstGeom prst="rect">
+            <a:avLst/>
+          </a:prstGeom>
+          <a:noFill/>
+          <a:ln>
+            <a:noFill/>
+          </a:ln>
+        </p:spPr>
+        <p:txBody>
+          <a:bodyPr anchorCtr="0" anchor="t" bIns="91425" lIns="91425" rIns="91425" wrap="square" tIns="91425">
+            <a:noAutofit/>
+          </a:bodyPr>
+          <a:lstStyle/>
+          <a:p>
+            <a:pPr lvl="0">
+              <a:lnSpc>
+                <a:spcPct val="115000"/>
+              </a:lnSpc>
+              <a:spcBef>
+                <a:spcPts val="0"/>
+              </a:spcBef>
+              <a:buNone/>
+            </a:pPr>
+            <a:r>
+              <a:rPr lang="zh-TW" sz="2400"/>
+              <a:t>Extract useful information (e.g. text, images) directly from the source of website</a:t>
             </a:r>
           </a:p>
         </p:txBody>
@@ -14697,284 +15367,8 @@
         </p:blipFill>
         <p:spPr>
           <a:xfrm>
-            <a:off x="801825" y="2746388"/>
-            <a:ext cx="2143125" cy="2143125"/>
-          </a:xfrm>
-          <a:prstGeom prst="rect">
-            <a:avLst/>
-          </a:prstGeom>
-          <a:noFill/>
-          <a:ln>
-            <a:noFill/>
-          </a:ln>
-        </p:spPr>
-      </p:pic>
-      <p:pic>
-        <p:nvPicPr>
-          <p:cNvPr id="114" name="Shape 114"/>
-          <p:cNvPicPr preferRelativeResize="0"/>
-          <p:nvPr/>
-        </p:nvPicPr>
-        <p:blipFill>
-          <a:blip r:embed="rId4">
-            <a:alphaModFix/>
-          </a:blip>
-          <a:stretch>
-            <a:fillRect/>
-          </a:stretch>
-        </p:blipFill>
-        <p:spPr>
-          <a:xfrm>
-            <a:off x="6779900" y="2791762"/>
-            <a:ext cx="2052401" cy="2052399"/>
-          </a:xfrm>
-          <a:prstGeom prst="rect">
-            <a:avLst/>
-          </a:prstGeom>
-          <a:noFill/>
-          <a:ln>
-            <a:noFill/>
-          </a:ln>
-        </p:spPr>
-      </p:pic>
-      <p:cxnSp>
-        <p:nvCxnSpPr>
-          <p:cNvPr id="115" name="Shape 115"/>
-          <p:cNvCxnSpPr/>
-          <p:nvPr/>
-        </p:nvCxnSpPr>
-        <p:spPr>
-          <a:xfrm flipH="1" rot="10800000">
-            <a:off x="3216175" y="3998150"/>
-            <a:ext cx="3292500" cy="12600"/>
-          </a:xfrm>
-          <a:prstGeom prst="straightConnector1">
-            <a:avLst/>
-          </a:prstGeom>
-          <a:noFill/>
-          <a:ln cap="flat" cmpd="sng" w="38100">
-            <a:solidFill>
-              <a:schemeClr val="dk2"/>
-            </a:solidFill>
-            <a:prstDash val="solid"/>
-            <a:round/>
-            <a:headEnd len="lg" w="lg" type="none"/>
-            <a:tailEnd len="lg" w="lg" type="triangle"/>
-          </a:ln>
-        </p:spPr>
-      </p:cxnSp>
-      <p:cxnSp>
-        <p:nvCxnSpPr>
-          <p:cNvPr id="116" name="Shape 116"/>
-          <p:cNvCxnSpPr/>
-          <p:nvPr/>
-        </p:nvCxnSpPr>
-        <p:spPr>
-          <a:xfrm rot="10800000">
-            <a:off x="3140625" y="3304450"/>
-            <a:ext cx="3368100" cy="0"/>
-          </a:xfrm>
-          <a:prstGeom prst="straightConnector1">
-            <a:avLst/>
-          </a:prstGeom>
-          <a:noFill/>
-          <a:ln cap="flat" cmpd="sng" w="38100">
-            <a:solidFill>
-              <a:schemeClr val="dk2"/>
-            </a:solidFill>
-            <a:prstDash val="solid"/>
-            <a:round/>
-            <a:headEnd len="lg" w="lg" type="none"/>
-            <a:tailEnd len="lg" w="lg" type="triangle"/>
-          </a:ln>
-        </p:spPr>
-      </p:cxnSp>
-      <p:sp>
-        <p:nvSpPr>
-          <p:cNvPr id="117" name="Shape 117"/>
-          <p:cNvSpPr txBox="1"/>
-          <p:nvPr/>
-        </p:nvSpPr>
-        <p:spPr>
-          <a:xfrm>
-            <a:off x="1442438" y="2451975"/>
-            <a:ext cx="861900" cy="390900"/>
-          </a:xfrm>
-          <a:prstGeom prst="rect">
-            <a:avLst/>
-          </a:prstGeom>
-          <a:noFill/>
-          <a:ln>
-            <a:noFill/>
-          </a:ln>
-        </p:spPr>
-        <p:txBody>
-          <a:bodyPr anchorCtr="0" anchor="t" bIns="91425" lIns="91425" rIns="91425" wrap="square" tIns="91425">
-            <a:noAutofit/>
-          </a:bodyPr>
-          <a:lstStyle/>
-          <a:p>
-            <a:pPr lvl="0">
-              <a:spcBef>
-                <a:spcPts val="0"/>
-              </a:spcBef>
-              <a:buNone/>
-            </a:pPr>
-            <a:r>
-              <a:rPr lang="zh-TW"/>
-              <a:t>Browser</a:t>
-            </a:r>
-          </a:p>
-        </p:txBody>
-      </p:sp>
-      <p:sp>
-        <p:nvSpPr>
-          <p:cNvPr id="118" name="Shape 118"/>
-          <p:cNvSpPr txBox="1"/>
-          <p:nvPr/>
-        </p:nvSpPr>
-        <p:spPr>
-          <a:xfrm>
-            <a:off x="7310013" y="2376300"/>
-            <a:ext cx="861900" cy="390900"/>
-          </a:xfrm>
-          <a:prstGeom prst="rect">
-            <a:avLst/>
-          </a:prstGeom>
-          <a:noFill/>
-          <a:ln>
-            <a:noFill/>
-          </a:ln>
-        </p:spPr>
-        <p:txBody>
-          <a:bodyPr anchorCtr="0" anchor="t" bIns="91425" lIns="91425" rIns="91425" wrap="square" tIns="91425">
-            <a:noAutofit/>
-          </a:bodyPr>
-          <a:lstStyle/>
-          <a:p>
-            <a:pPr lvl="0" rtl="0">
-              <a:spcBef>
-                <a:spcPts val="0"/>
-              </a:spcBef>
-              <a:buNone/>
-            </a:pPr>
-            <a:r>
-              <a:rPr lang="zh-TW"/>
-              <a:t>Server</a:t>
-            </a:r>
-          </a:p>
-        </p:txBody>
-      </p:sp>
-      <p:sp>
-        <p:nvSpPr>
-          <p:cNvPr id="119" name="Shape 119"/>
-          <p:cNvSpPr txBox="1"/>
-          <p:nvPr/>
-        </p:nvSpPr>
-        <p:spPr>
-          <a:xfrm>
-            <a:off x="4270425" y="4206150"/>
-            <a:ext cx="861900" cy="390900"/>
-          </a:xfrm>
-          <a:prstGeom prst="rect">
-            <a:avLst/>
-          </a:prstGeom>
-          <a:noFill/>
-          <a:ln>
-            <a:noFill/>
-          </a:ln>
-        </p:spPr>
-        <p:txBody>
-          <a:bodyPr anchorCtr="0" anchor="t" bIns="91425" lIns="91425" rIns="91425" wrap="square" tIns="91425">
-            <a:noAutofit/>
-          </a:bodyPr>
-          <a:lstStyle/>
-          <a:p>
-            <a:pPr lvl="0" rtl="0">
-              <a:spcBef>
-                <a:spcPts val="0"/>
-              </a:spcBef>
-              <a:buNone/>
-            </a:pPr>
-            <a:r>
-              <a:rPr lang="zh-TW"/>
-              <a:t>Request</a:t>
-            </a:r>
-          </a:p>
-        </p:txBody>
-      </p:sp>
-      <p:pic>
-        <p:nvPicPr>
-          <p:cNvPr id="120" name="Shape 120"/>
-          <p:cNvPicPr preferRelativeResize="0"/>
-          <p:nvPr/>
-        </p:nvPicPr>
-        <p:blipFill>
-          <a:blip r:embed="rId5">
-            <a:alphaModFix/>
-          </a:blip>
-          <a:stretch>
-            <a:fillRect/>
-          </a:stretch>
-        </p:blipFill>
-        <p:spPr>
-          <a:xfrm>
-            <a:off x="4031513" y="1444975"/>
-            <a:ext cx="1661802" cy="1661802"/>
-          </a:xfrm>
-          <a:prstGeom prst="rect">
-            <a:avLst/>
-          </a:prstGeom>
-          <a:noFill/>
-          <a:ln>
-            <a:noFill/>
-          </a:ln>
-        </p:spPr>
-      </p:pic>
-      <p:cxnSp>
-        <p:nvCxnSpPr>
-          <p:cNvPr id="121" name="Shape 121"/>
-          <p:cNvCxnSpPr/>
-          <p:nvPr/>
-        </p:nvCxnSpPr>
-        <p:spPr>
-          <a:xfrm rot="10800000">
-            <a:off x="1870400" y="2036175"/>
-            <a:ext cx="6000" cy="479400"/>
-          </a:xfrm>
-          <a:prstGeom prst="straightConnector1">
-            <a:avLst/>
-          </a:prstGeom>
-          <a:noFill/>
-          <a:ln cap="flat" cmpd="sng" w="38100">
-            <a:solidFill>
-              <a:schemeClr val="dk2"/>
-            </a:solidFill>
-            <a:prstDash val="solid"/>
-            <a:round/>
-            <a:headEnd len="lg" w="lg" type="none"/>
-            <a:tailEnd len="lg" w="lg" type="triangle"/>
-          </a:ln>
-        </p:spPr>
-      </p:cxnSp>
-      <p:pic>
-        <p:nvPicPr>
-          <p:cNvPr id="122" name="Shape 122"/>
-          <p:cNvPicPr preferRelativeResize="0"/>
-          <p:nvPr/>
-        </p:nvPicPr>
-        <p:blipFill>
-          <a:blip r:embed="rId6">
-            <a:alphaModFix/>
-          </a:blip>
-          <a:stretch>
-            <a:fillRect/>
-          </a:stretch>
-        </p:blipFill>
-        <p:spPr>
-          <a:xfrm>
-            <a:off x="682100" y="215475"/>
-            <a:ext cx="2188266" cy="1731375"/>
+            <a:off x="3673610" y="2181875"/>
+            <a:ext cx="3686830" cy="2606350"/>
           </a:xfrm>
           <a:prstGeom prst="rect">
             <a:avLst/>
